--- a/23-24/10/_presentation/Magnetic Gear - 10.pptx
+++ b/23-24/10/_presentation/Magnetic Gear - 10.pptx
@@ -5,7 +5,7 @@
     <p:sldMasterId id="2147483660" r:id="rId1"/>
   </p:sldMasterIdLst>
   <p:notesMasterIdLst>
-    <p:notesMasterId r:id="rId14"/>
+    <p:notesMasterId r:id="rId23"/>
   </p:notesMasterIdLst>
   <p:sldIdLst>
     <p:sldId id="256" r:id="rId2"/>
@@ -20,6 +20,15 @@
     <p:sldId id="265" r:id="rId11"/>
     <p:sldId id="266" r:id="rId12"/>
     <p:sldId id="267" r:id="rId13"/>
+    <p:sldId id="268" r:id="rId14"/>
+    <p:sldId id="269" r:id="rId15"/>
+    <p:sldId id="270" r:id="rId16"/>
+    <p:sldId id="271" r:id="rId17"/>
+    <p:sldId id="272" r:id="rId18"/>
+    <p:sldId id="273" r:id="rId19"/>
+    <p:sldId id="275" r:id="rId20"/>
+    <p:sldId id="276" r:id="rId21"/>
+    <p:sldId id="277" r:id="rId22"/>
   </p:sldIdLst>
   <p:sldSz cx="12192000" cy="6858000"/>
   <p:notesSz cx="6858000" cy="9144000"/>
@@ -208,7 +217,7 @@
           <a:p>
             <a:fld id="{5A257BAF-7F3F-4DF0-A994-ACB4978B5795}" type="datetimeFigureOut">
               <a:rPr lang="en-US" smtClean="0"/>
-              <a:t>12/8/2023</a:t>
+              <a:t>12/9/2023</a:t>
             </a:fld>
             <a:endParaRPr lang="en-US"/>
           </a:p>
@@ -721,6 +730,258 @@
 </p:notes>
 </file>
 
+<file path=ppt/notesSlides/notesSlide10.xml><?xml version="1.0" encoding="utf-8"?>
+<p:notes xmlns:a="http://schemas.openxmlformats.org/drawingml/2006/main" xmlns:r="http://schemas.openxmlformats.org/officeDocument/2006/relationships" xmlns:p="http://schemas.openxmlformats.org/presentationml/2006/main">
+  <p:cSld>
+    <p:spTree>
+      <p:nvGrpSpPr>
+        <p:cNvPr id="1" name=""/>
+        <p:cNvGrpSpPr/>
+        <p:nvPr/>
+      </p:nvGrpSpPr>
+      <p:grpSpPr>
+        <a:xfrm>
+          <a:off x="0" y="0"/>
+          <a:ext cx="0" cy="0"/>
+          <a:chOff x="0" y="0"/>
+          <a:chExt cx="0" cy="0"/>
+        </a:xfrm>
+      </p:grpSpPr>
+      <p:sp>
+        <p:nvSpPr>
+          <p:cNvPr id="2" name="Zástupný symbol pro obrázek snímku 1"/>
+          <p:cNvSpPr>
+            <a:spLocks noGrp="1" noRot="1" noChangeAspect="1"/>
+          </p:cNvSpPr>
+          <p:nvPr>
+            <p:ph type="sldImg"/>
+          </p:nvPr>
+        </p:nvSpPr>
+        <p:spPr/>
+      </p:sp>
+      <p:sp>
+        <p:nvSpPr>
+          <p:cNvPr id="3" name="Zástupný symbol pro poznámky 2"/>
+          <p:cNvSpPr>
+            <a:spLocks noGrp="1"/>
+          </p:cNvSpPr>
+          <p:nvPr>
+            <p:ph type="body" idx="1"/>
+          </p:nvPr>
+        </p:nvSpPr>
+        <p:spPr/>
+        <p:txBody>
+          <a:bodyPr/>
+          <a:lstStyle/>
+          <a:p>
+            <a:endParaRPr lang="en-US" b="1" dirty="0"/>
+          </a:p>
+        </p:txBody>
+      </p:sp>
+      <p:sp>
+        <p:nvSpPr>
+          <p:cNvPr id="4" name="Zástupný symbol pro číslo snímku 3"/>
+          <p:cNvSpPr>
+            <a:spLocks noGrp="1"/>
+          </p:cNvSpPr>
+          <p:nvPr>
+            <p:ph type="sldNum" sz="quarter" idx="5"/>
+          </p:nvPr>
+        </p:nvSpPr>
+        <p:spPr/>
+        <p:txBody>
+          <a:bodyPr/>
+          <a:lstStyle/>
+          <a:p>
+            <a:fld id="{A3A2D13A-754A-4CB5-92F3-969C67187B65}" type="slidenum">
+              <a:rPr lang="en-US" smtClean="0"/>
+              <a:t>19</a:t>
+            </a:fld>
+            <a:endParaRPr lang="en-US"/>
+          </a:p>
+        </p:txBody>
+      </p:sp>
+    </p:spTree>
+    <p:extLst>
+      <p:ext uri="{BB962C8B-B14F-4D97-AF65-F5344CB8AC3E}">
+        <p14:creationId xmlns:p14="http://schemas.microsoft.com/office/powerpoint/2010/main" val="4022841670"/>
+      </p:ext>
+    </p:extLst>
+  </p:cSld>
+  <p:clrMapOvr>
+    <a:masterClrMapping/>
+  </p:clrMapOvr>
+</p:notes>
+</file>
+
+<file path=ppt/notesSlides/notesSlide11.xml><?xml version="1.0" encoding="utf-8"?>
+<p:notes xmlns:a="http://schemas.openxmlformats.org/drawingml/2006/main" xmlns:r="http://schemas.openxmlformats.org/officeDocument/2006/relationships" xmlns:p="http://schemas.openxmlformats.org/presentationml/2006/main">
+  <p:cSld>
+    <p:spTree>
+      <p:nvGrpSpPr>
+        <p:cNvPr id="1" name=""/>
+        <p:cNvGrpSpPr/>
+        <p:nvPr/>
+      </p:nvGrpSpPr>
+      <p:grpSpPr>
+        <a:xfrm>
+          <a:off x="0" y="0"/>
+          <a:ext cx="0" cy="0"/>
+          <a:chOff x="0" y="0"/>
+          <a:chExt cx="0" cy="0"/>
+        </a:xfrm>
+      </p:grpSpPr>
+      <p:sp>
+        <p:nvSpPr>
+          <p:cNvPr id="2" name="Zástupný symbol pro obrázek snímku 1"/>
+          <p:cNvSpPr>
+            <a:spLocks noGrp="1" noRot="1" noChangeAspect="1"/>
+          </p:cNvSpPr>
+          <p:nvPr>
+            <p:ph type="sldImg"/>
+          </p:nvPr>
+        </p:nvSpPr>
+        <p:spPr/>
+      </p:sp>
+      <p:sp>
+        <p:nvSpPr>
+          <p:cNvPr id="3" name="Zástupný symbol pro poznámky 2"/>
+          <p:cNvSpPr>
+            <a:spLocks noGrp="1"/>
+          </p:cNvSpPr>
+          <p:nvPr>
+            <p:ph type="body" idx="1"/>
+          </p:nvPr>
+        </p:nvSpPr>
+        <p:spPr/>
+        <p:txBody>
+          <a:bodyPr/>
+          <a:lstStyle/>
+          <a:p>
+            <a:endParaRPr lang="en-US" b="1" dirty="0"/>
+          </a:p>
+        </p:txBody>
+      </p:sp>
+      <p:sp>
+        <p:nvSpPr>
+          <p:cNvPr id="4" name="Zástupný symbol pro číslo snímku 3"/>
+          <p:cNvSpPr>
+            <a:spLocks noGrp="1"/>
+          </p:cNvSpPr>
+          <p:nvPr>
+            <p:ph type="sldNum" sz="quarter" idx="5"/>
+          </p:nvPr>
+        </p:nvSpPr>
+        <p:spPr/>
+        <p:txBody>
+          <a:bodyPr/>
+          <a:lstStyle/>
+          <a:p>
+            <a:fld id="{A3A2D13A-754A-4CB5-92F3-969C67187B65}" type="slidenum">
+              <a:rPr lang="en-US" smtClean="0"/>
+              <a:t>20</a:t>
+            </a:fld>
+            <a:endParaRPr lang="en-US"/>
+          </a:p>
+        </p:txBody>
+      </p:sp>
+    </p:spTree>
+    <p:extLst>
+      <p:ext uri="{BB962C8B-B14F-4D97-AF65-F5344CB8AC3E}">
+        <p14:creationId xmlns:p14="http://schemas.microsoft.com/office/powerpoint/2010/main" val="638047019"/>
+      </p:ext>
+    </p:extLst>
+  </p:cSld>
+  <p:clrMapOvr>
+    <a:masterClrMapping/>
+  </p:clrMapOvr>
+</p:notes>
+</file>
+
+<file path=ppt/notesSlides/notesSlide12.xml><?xml version="1.0" encoding="utf-8"?>
+<p:notes xmlns:a="http://schemas.openxmlformats.org/drawingml/2006/main" xmlns:r="http://schemas.openxmlformats.org/officeDocument/2006/relationships" xmlns:p="http://schemas.openxmlformats.org/presentationml/2006/main">
+  <p:cSld>
+    <p:spTree>
+      <p:nvGrpSpPr>
+        <p:cNvPr id="1" name=""/>
+        <p:cNvGrpSpPr/>
+        <p:nvPr/>
+      </p:nvGrpSpPr>
+      <p:grpSpPr>
+        <a:xfrm>
+          <a:off x="0" y="0"/>
+          <a:ext cx="0" cy="0"/>
+          <a:chOff x="0" y="0"/>
+          <a:chExt cx="0" cy="0"/>
+        </a:xfrm>
+      </p:grpSpPr>
+      <p:sp>
+        <p:nvSpPr>
+          <p:cNvPr id="2" name="Zástupný symbol pro obrázek snímku 1"/>
+          <p:cNvSpPr>
+            <a:spLocks noGrp="1" noRot="1" noChangeAspect="1"/>
+          </p:cNvSpPr>
+          <p:nvPr>
+            <p:ph type="sldImg"/>
+          </p:nvPr>
+        </p:nvSpPr>
+        <p:spPr/>
+      </p:sp>
+      <p:sp>
+        <p:nvSpPr>
+          <p:cNvPr id="3" name="Zástupný symbol pro poznámky 2"/>
+          <p:cNvSpPr>
+            <a:spLocks noGrp="1"/>
+          </p:cNvSpPr>
+          <p:nvPr>
+            <p:ph type="body" idx="1"/>
+          </p:nvPr>
+        </p:nvSpPr>
+        <p:spPr/>
+        <p:txBody>
+          <a:bodyPr/>
+          <a:lstStyle/>
+          <a:p>
+            <a:endParaRPr lang="en-US" b="1" dirty="0"/>
+          </a:p>
+        </p:txBody>
+      </p:sp>
+      <p:sp>
+        <p:nvSpPr>
+          <p:cNvPr id="4" name="Zástupný symbol pro číslo snímku 3"/>
+          <p:cNvSpPr>
+            <a:spLocks noGrp="1"/>
+          </p:cNvSpPr>
+          <p:nvPr>
+            <p:ph type="sldNum" sz="quarter" idx="5"/>
+          </p:nvPr>
+        </p:nvSpPr>
+        <p:spPr/>
+        <p:txBody>
+          <a:bodyPr/>
+          <a:lstStyle/>
+          <a:p>
+            <a:fld id="{A3A2D13A-754A-4CB5-92F3-969C67187B65}" type="slidenum">
+              <a:rPr lang="en-US" smtClean="0"/>
+              <a:t>21</a:t>
+            </a:fld>
+            <a:endParaRPr lang="en-US"/>
+          </a:p>
+        </p:txBody>
+      </p:sp>
+    </p:spTree>
+    <p:extLst>
+      <p:ext uri="{BB962C8B-B14F-4D97-AF65-F5344CB8AC3E}">
+        <p14:creationId xmlns:p14="http://schemas.microsoft.com/office/powerpoint/2010/main" val="1264312405"/>
+      </p:ext>
+    </p:extLst>
+  </p:cSld>
+  <p:clrMapOvr>
+    <a:masterClrMapping/>
+  </p:clrMapOvr>
+</p:notes>
+</file>
+
 <file path=ppt/notesSlides/notesSlide2.xml><?xml version="1.0" encoding="utf-8"?>
 <p:notes xmlns:a="http://schemas.openxmlformats.org/drawingml/2006/main" xmlns:r="http://schemas.openxmlformats.org/officeDocument/2006/relationships" xmlns:p="http://schemas.openxmlformats.org/presentationml/2006/main">
   <p:cSld>
@@ -984,6 +1245,1266 @@
     <p:extLst>
       <p:ext uri="{BB962C8B-B14F-4D97-AF65-F5344CB8AC3E}">
         <p14:creationId xmlns:p14="http://schemas.microsoft.com/office/powerpoint/2010/main" val="2500776506"/>
+      </p:ext>
+    </p:extLst>
+  </p:cSld>
+  <p:clrMapOvr>
+    <a:masterClrMapping/>
+  </p:clrMapOvr>
+</p:notes>
+</file>
+
+<file path=ppt/notesSlides/notesSlide4.xml><?xml version="1.0" encoding="utf-8"?>
+<p:notes xmlns:a="http://schemas.openxmlformats.org/drawingml/2006/main" xmlns:r="http://schemas.openxmlformats.org/officeDocument/2006/relationships" xmlns:p="http://schemas.openxmlformats.org/presentationml/2006/main">
+  <p:cSld>
+    <p:spTree>
+      <p:nvGrpSpPr>
+        <p:cNvPr id="1" name=""/>
+        <p:cNvGrpSpPr/>
+        <p:nvPr/>
+      </p:nvGrpSpPr>
+      <p:grpSpPr>
+        <a:xfrm>
+          <a:off x="0" y="0"/>
+          <a:ext cx="0" cy="0"/>
+          <a:chOff x="0" y="0"/>
+          <a:chExt cx="0" cy="0"/>
+        </a:xfrm>
+      </p:grpSpPr>
+      <p:sp>
+        <p:nvSpPr>
+          <p:cNvPr id="2" name="Zástupný symbol pro obrázek snímku 1"/>
+          <p:cNvSpPr>
+            <a:spLocks noGrp="1" noRot="1" noChangeAspect="1"/>
+          </p:cNvSpPr>
+          <p:nvPr>
+            <p:ph type="sldImg"/>
+          </p:nvPr>
+        </p:nvSpPr>
+        <p:spPr/>
+      </p:sp>
+      <p:sp>
+        <p:nvSpPr>
+          <p:cNvPr id="3" name="Zástupný symbol pro poznámky 2"/>
+          <p:cNvSpPr>
+            <a:spLocks noGrp="1"/>
+          </p:cNvSpPr>
+          <p:nvPr>
+            <p:ph type="body" idx="1"/>
+          </p:nvPr>
+        </p:nvSpPr>
+        <p:spPr/>
+        <p:txBody>
+          <a:bodyPr/>
+          <a:lstStyle/>
+          <a:p>
+            <a:r>
+              <a:rPr lang="cs-CZ" dirty="0" err="1"/>
+              <a:t>Two</a:t>
+            </a:r>
+            <a:r>
+              <a:rPr lang="cs-CZ" dirty="0"/>
+              <a:t> RK4 </a:t>
+            </a:r>
+            <a:r>
+              <a:rPr lang="cs-CZ" dirty="0" err="1"/>
+              <a:t>passes</a:t>
+            </a:r>
+            <a:endParaRPr lang="en-US" dirty="0"/>
+          </a:p>
+        </p:txBody>
+      </p:sp>
+      <p:sp>
+        <p:nvSpPr>
+          <p:cNvPr id="4" name="Zástupný symbol pro číslo snímku 3"/>
+          <p:cNvSpPr>
+            <a:spLocks noGrp="1"/>
+          </p:cNvSpPr>
+          <p:nvPr>
+            <p:ph type="sldNum" sz="quarter" idx="5"/>
+          </p:nvPr>
+        </p:nvSpPr>
+        <p:spPr/>
+        <p:txBody>
+          <a:bodyPr/>
+          <a:lstStyle/>
+          <a:p>
+            <a:fld id="{A3A2D13A-754A-4CB5-92F3-969C67187B65}" type="slidenum">
+              <a:rPr lang="en-US" smtClean="0"/>
+              <a:t>13</a:t>
+            </a:fld>
+            <a:endParaRPr lang="en-US"/>
+          </a:p>
+        </p:txBody>
+      </p:sp>
+    </p:spTree>
+    <p:extLst>
+      <p:ext uri="{BB962C8B-B14F-4D97-AF65-F5344CB8AC3E}">
+        <p14:creationId xmlns:p14="http://schemas.microsoft.com/office/powerpoint/2010/main" val="3836132476"/>
+      </p:ext>
+    </p:extLst>
+  </p:cSld>
+  <p:clrMapOvr>
+    <a:masterClrMapping/>
+  </p:clrMapOvr>
+</p:notes>
+</file>
+
+<file path=ppt/notesSlides/notesSlide5.xml><?xml version="1.0" encoding="utf-8"?>
+<p:notes xmlns:a="http://schemas.openxmlformats.org/drawingml/2006/main" xmlns:r="http://schemas.openxmlformats.org/officeDocument/2006/relationships" xmlns:p="http://schemas.openxmlformats.org/presentationml/2006/main">
+  <p:cSld>
+    <p:spTree>
+      <p:nvGrpSpPr>
+        <p:cNvPr id="1" name=""/>
+        <p:cNvGrpSpPr/>
+        <p:nvPr/>
+      </p:nvGrpSpPr>
+      <p:grpSpPr>
+        <a:xfrm>
+          <a:off x="0" y="0"/>
+          <a:ext cx="0" cy="0"/>
+          <a:chOff x="0" y="0"/>
+          <a:chExt cx="0" cy="0"/>
+        </a:xfrm>
+      </p:grpSpPr>
+      <p:sp>
+        <p:nvSpPr>
+          <p:cNvPr id="2" name="Zástupný symbol pro obrázek snímku 1"/>
+          <p:cNvSpPr>
+            <a:spLocks noGrp="1" noRot="1" noChangeAspect="1"/>
+          </p:cNvSpPr>
+          <p:nvPr>
+            <p:ph type="sldImg"/>
+          </p:nvPr>
+        </p:nvSpPr>
+        <p:spPr/>
+      </p:sp>
+      <p:sp>
+        <p:nvSpPr>
+          <p:cNvPr id="3" name="Zástupný symbol pro poznámky 2"/>
+          <p:cNvSpPr>
+            <a:spLocks noGrp="1"/>
+          </p:cNvSpPr>
+          <p:nvPr>
+            <p:ph type="body" idx="1"/>
+          </p:nvPr>
+        </p:nvSpPr>
+        <p:spPr/>
+        <p:txBody>
+          <a:bodyPr/>
+          <a:lstStyle/>
+          <a:p>
+            <a:r>
+              <a:rPr lang="cs-CZ" dirty="0" err="1"/>
+              <a:t>Two</a:t>
+            </a:r>
+            <a:r>
+              <a:rPr lang="cs-CZ" dirty="0"/>
+              <a:t> RK4 </a:t>
+            </a:r>
+            <a:r>
+              <a:rPr lang="cs-CZ" dirty="0" err="1"/>
+              <a:t>passes</a:t>
+            </a:r>
+            <a:endParaRPr lang="en-US" dirty="0"/>
+          </a:p>
+        </p:txBody>
+      </p:sp>
+      <p:sp>
+        <p:nvSpPr>
+          <p:cNvPr id="4" name="Zástupný symbol pro číslo snímku 3"/>
+          <p:cNvSpPr>
+            <a:spLocks noGrp="1"/>
+          </p:cNvSpPr>
+          <p:nvPr>
+            <p:ph type="sldNum" sz="quarter" idx="5"/>
+          </p:nvPr>
+        </p:nvSpPr>
+        <p:spPr/>
+        <p:txBody>
+          <a:bodyPr/>
+          <a:lstStyle/>
+          <a:p>
+            <a:fld id="{A3A2D13A-754A-4CB5-92F3-969C67187B65}" type="slidenum">
+              <a:rPr lang="en-US" smtClean="0"/>
+              <a:t>14</a:t>
+            </a:fld>
+            <a:endParaRPr lang="en-US"/>
+          </a:p>
+        </p:txBody>
+      </p:sp>
+    </p:spTree>
+    <p:extLst>
+      <p:ext uri="{BB962C8B-B14F-4D97-AF65-F5344CB8AC3E}">
+        <p14:creationId xmlns:p14="http://schemas.microsoft.com/office/powerpoint/2010/main" val="2147024358"/>
+      </p:ext>
+    </p:extLst>
+  </p:cSld>
+  <p:clrMapOvr>
+    <a:masterClrMapping/>
+  </p:clrMapOvr>
+</p:notes>
+</file>
+
+<file path=ppt/notesSlides/notesSlide6.xml><?xml version="1.0" encoding="utf-8"?>
+<p:notes xmlns:a="http://schemas.openxmlformats.org/drawingml/2006/main" xmlns:r="http://schemas.openxmlformats.org/officeDocument/2006/relationships" xmlns:p="http://schemas.openxmlformats.org/presentationml/2006/main">
+  <p:cSld>
+    <p:spTree>
+      <p:nvGrpSpPr>
+        <p:cNvPr id="1" name=""/>
+        <p:cNvGrpSpPr/>
+        <p:nvPr/>
+      </p:nvGrpSpPr>
+      <p:grpSpPr>
+        <a:xfrm>
+          <a:off x="0" y="0"/>
+          <a:ext cx="0" cy="0"/>
+          <a:chOff x="0" y="0"/>
+          <a:chExt cx="0" cy="0"/>
+        </a:xfrm>
+      </p:grpSpPr>
+      <p:sp>
+        <p:nvSpPr>
+          <p:cNvPr id="2" name="Zástupný symbol pro obrázek snímku 1"/>
+          <p:cNvSpPr>
+            <a:spLocks noGrp="1" noRot="1" noChangeAspect="1"/>
+          </p:cNvSpPr>
+          <p:nvPr>
+            <p:ph type="sldImg"/>
+          </p:nvPr>
+        </p:nvSpPr>
+        <p:spPr/>
+      </p:sp>
+      <p:sp>
+        <p:nvSpPr>
+          <p:cNvPr id="3" name="Zástupný symbol pro poznámky 2"/>
+          <p:cNvSpPr>
+            <a:spLocks noGrp="1"/>
+          </p:cNvSpPr>
+          <p:nvPr>
+            <p:ph type="body" idx="1"/>
+          </p:nvPr>
+        </p:nvSpPr>
+        <p:spPr/>
+        <p:txBody>
+          <a:bodyPr/>
+          <a:lstStyle/>
+          <a:p>
+            <a:r>
+              <a:rPr lang="cs-CZ" dirty="0" err="1"/>
+              <a:t>Two</a:t>
+            </a:r>
+            <a:r>
+              <a:rPr lang="cs-CZ" dirty="0"/>
+              <a:t> RK4 </a:t>
+            </a:r>
+            <a:r>
+              <a:rPr lang="cs-CZ" dirty="0" err="1"/>
+              <a:t>passes</a:t>
+            </a:r>
+            <a:endParaRPr lang="en-US" dirty="0"/>
+          </a:p>
+        </p:txBody>
+      </p:sp>
+      <p:sp>
+        <p:nvSpPr>
+          <p:cNvPr id="4" name="Zástupný symbol pro číslo snímku 3"/>
+          <p:cNvSpPr>
+            <a:spLocks noGrp="1"/>
+          </p:cNvSpPr>
+          <p:nvPr>
+            <p:ph type="sldNum" sz="quarter" idx="5"/>
+          </p:nvPr>
+        </p:nvSpPr>
+        <p:spPr/>
+        <p:txBody>
+          <a:bodyPr/>
+          <a:lstStyle/>
+          <a:p>
+            <a:fld id="{A3A2D13A-754A-4CB5-92F3-969C67187B65}" type="slidenum">
+              <a:rPr lang="en-US" smtClean="0"/>
+              <a:t>15</a:t>
+            </a:fld>
+            <a:endParaRPr lang="en-US"/>
+          </a:p>
+        </p:txBody>
+      </p:sp>
+    </p:spTree>
+    <p:extLst>
+      <p:ext uri="{BB962C8B-B14F-4D97-AF65-F5344CB8AC3E}">
+        <p14:creationId xmlns:p14="http://schemas.microsoft.com/office/powerpoint/2010/main" val="1172039847"/>
+      </p:ext>
+    </p:extLst>
+  </p:cSld>
+  <p:clrMapOvr>
+    <a:masterClrMapping/>
+  </p:clrMapOvr>
+</p:notes>
+</file>
+
+<file path=ppt/notesSlides/notesSlide7.xml><?xml version="1.0" encoding="utf-8"?>
+<p:notes xmlns:a="http://schemas.openxmlformats.org/drawingml/2006/main" xmlns:r="http://schemas.openxmlformats.org/officeDocument/2006/relationships" xmlns:p="http://schemas.openxmlformats.org/presentationml/2006/main">
+  <p:cSld>
+    <p:spTree>
+      <p:nvGrpSpPr>
+        <p:cNvPr id="1" name=""/>
+        <p:cNvGrpSpPr/>
+        <p:nvPr/>
+      </p:nvGrpSpPr>
+      <p:grpSpPr>
+        <a:xfrm>
+          <a:off x="0" y="0"/>
+          <a:ext cx="0" cy="0"/>
+          <a:chOff x="0" y="0"/>
+          <a:chExt cx="0" cy="0"/>
+        </a:xfrm>
+      </p:grpSpPr>
+      <p:sp>
+        <p:nvSpPr>
+          <p:cNvPr id="2" name="Zástupný symbol pro obrázek snímku 1"/>
+          <p:cNvSpPr>
+            <a:spLocks noGrp="1" noRot="1" noChangeAspect="1"/>
+          </p:cNvSpPr>
+          <p:nvPr>
+            <p:ph type="sldImg"/>
+          </p:nvPr>
+        </p:nvSpPr>
+        <p:spPr/>
+      </p:sp>
+      <p:sp>
+        <p:nvSpPr>
+          <p:cNvPr id="3" name="Zástupný symbol pro poznámky 2"/>
+          <p:cNvSpPr>
+            <a:spLocks noGrp="1"/>
+          </p:cNvSpPr>
+          <p:nvPr>
+            <p:ph type="body" idx="1"/>
+          </p:nvPr>
+        </p:nvSpPr>
+        <p:spPr/>
+        <p:txBody>
+          <a:bodyPr/>
+          <a:lstStyle/>
+          <a:p>
+            <a:r>
+              <a:rPr lang="cs-CZ" dirty="0" err="1"/>
+              <a:t>We</a:t>
+            </a:r>
+            <a:r>
+              <a:rPr lang="cs-CZ" dirty="0"/>
+              <a:t> </a:t>
+            </a:r>
+            <a:r>
+              <a:rPr lang="cs-CZ" dirty="0" err="1"/>
+              <a:t>observed</a:t>
+            </a:r>
+            <a:r>
+              <a:rPr lang="cs-CZ" dirty="0"/>
+              <a:t>, </a:t>
+            </a:r>
+            <a:r>
+              <a:rPr lang="cs-CZ" dirty="0" err="1"/>
+              <a:t>that</a:t>
+            </a:r>
+            <a:r>
+              <a:rPr lang="cs-CZ" dirty="0"/>
+              <a:t> </a:t>
+            </a:r>
+            <a:r>
+              <a:rPr lang="cs-CZ" dirty="0" err="1"/>
+              <a:t>when</a:t>
+            </a:r>
+            <a:r>
+              <a:rPr lang="cs-CZ" dirty="0"/>
+              <a:t> </a:t>
+            </a:r>
+            <a:r>
+              <a:rPr lang="cs-CZ" dirty="0" err="1"/>
+              <a:t>two</a:t>
+            </a:r>
+            <a:r>
+              <a:rPr lang="cs-CZ" dirty="0"/>
+              <a:t> </a:t>
+            </a:r>
+            <a:r>
+              <a:rPr lang="cs-CZ" dirty="0" err="1"/>
+              <a:t>spinners</a:t>
+            </a:r>
+            <a:r>
+              <a:rPr lang="cs-CZ" dirty="0"/>
+              <a:t> </a:t>
+            </a:r>
+            <a:r>
+              <a:rPr lang="cs-CZ" i="1" dirty="0"/>
+              <a:t>(</a:t>
+            </a:r>
+            <a:r>
+              <a:rPr lang="cs-CZ" i="1" dirty="0" err="1"/>
+              <a:t>with</a:t>
+            </a:r>
+            <a:r>
+              <a:rPr lang="cs-CZ" i="1" dirty="0"/>
+              <a:t> </a:t>
+            </a:r>
+            <a:r>
+              <a:rPr lang="cs-CZ" b="1" i="1" dirty="0" err="1"/>
+              <a:t>one</a:t>
+            </a:r>
+            <a:r>
+              <a:rPr lang="cs-CZ" b="1" i="1" dirty="0"/>
+              <a:t> </a:t>
+            </a:r>
+            <a:r>
+              <a:rPr lang="cs-CZ" b="1" i="1" dirty="0" err="1"/>
+              <a:t>being</a:t>
+            </a:r>
+            <a:r>
+              <a:rPr lang="cs-CZ" b="1" i="1" dirty="0"/>
+              <a:t> </a:t>
+            </a:r>
+            <a:r>
+              <a:rPr lang="cs-CZ" b="1" i="1" dirty="0" err="1"/>
+              <a:t>driven</a:t>
+            </a:r>
+            <a:r>
+              <a:rPr lang="cs-CZ" b="1" i="1" dirty="0"/>
+              <a:t> </a:t>
+            </a:r>
+            <a:r>
+              <a:rPr lang="cs-CZ" i="1" dirty="0"/>
+              <a:t>by a motor)</a:t>
+            </a:r>
+            <a:r>
+              <a:rPr lang="cs-CZ" dirty="0"/>
+              <a:t> are </a:t>
+            </a:r>
+            <a:r>
+              <a:rPr lang="cs-CZ" dirty="0" err="1"/>
+              <a:t>rotating</a:t>
+            </a:r>
+            <a:r>
+              <a:rPr lang="cs-CZ" dirty="0"/>
+              <a:t> </a:t>
+            </a:r>
+            <a:r>
+              <a:rPr lang="cs-CZ" b="1" dirty="0" err="1"/>
+              <a:t>at</a:t>
+            </a:r>
+            <a:r>
+              <a:rPr lang="cs-CZ" b="1" dirty="0"/>
+              <a:t> </a:t>
+            </a:r>
+            <a:r>
+              <a:rPr lang="cs-CZ" b="1" dirty="0" err="1"/>
+              <a:t>roughly</a:t>
+            </a:r>
+            <a:r>
+              <a:rPr lang="cs-CZ" b="1" dirty="0"/>
+              <a:t> </a:t>
+            </a:r>
+            <a:r>
+              <a:rPr lang="cs-CZ" b="1" dirty="0" err="1"/>
+              <a:t>the</a:t>
+            </a:r>
+            <a:r>
+              <a:rPr lang="cs-CZ" b="1" dirty="0"/>
+              <a:t> </a:t>
+            </a:r>
+            <a:r>
+              <a:rPr lang="cs-CZ" b="1" dirty="0" err="1"/>
+              <a:t>same</a:t>
+            </a:r>
+            <a:r>
+              <a:rPr lang="cs-CZ" b="1" dirty="0"/>
+              <a:t> </a:t>
+            </a:r>
+            <a:r>
+              <a:rPr lang="cs-CZ" b="1" dirty="0" err="1"/>
+              <a:t>velocity</a:t>
+            </a:r>
+            <a:r>
+              <a:rPr lang="cs-CZ" dirty="0"/>
+              <a:t>, </a:t>
+            </a:r>
+            <a:r>
+              <a:rPr lang="cs-CZ" dirty="0" err="1"/>
+              <a:t>the</a:t>
+            </a:r>
+            <a:r>
+              <a:rPr lang="cs-CZ" dirty="0"/>
+              <a:t> second </a:t>
+            </a:r>
+            <a:r>
+              <a:rPr lang="cs-CZ" dirty="0" err="1"/>
+              <a:t>spinner</a:t>
+            </a:r>
+            <a:r>
+              <a:rPr lang="cs-CZ" dirty="0"/>
+              <a:t> </a:t>
+            </a:r>
+            <a:r>
+              <a:rPr lang="cs-CZ" dirty="0" err="1"/>
+              <a:t>becomes</a:t>
+            </a:r>
+            <a:r>
+              <a:rPr lang="cs-CZ" dirty="0"/>
+              <a:t> </a:t>
+            </a:r>
+            <a:r>
+              <a:rPr lang="cs-CZ" dirty="0" err="1"/>
+              <a:t>coupled</a:t>
+            </a:r>
+            <a:r>
+              <a:rPr lang="cs-CZ" dirty="0"/>
+              <a:t> and </a:t>
+            </a:r>
+            <a:r>
+              <a:rPr lang="cs-CZ" dirty="0" err="1"/>
+              <a:t>continues</a:t>
+            </a:r>
+            <a:r>
+              <a:rPr lang="cs-CZ" dirty="0"/>
+              <a:t> </a:t>
+            </a:r>
+            <a:r>
+              <a:rPr lang="cs-CZ" dirty="0" err="1"/>
+              <a:t>keeping</a:t>
+            </a:r>
+            <a:r>
+              <a:rPr lang="cs-CZ" dirty="0"/>
+              <a:t> </a:t>
+            </a:r>
+            <a:r>
+              <a:rPr lang="cs-CZ" dirty="0" err="1"/>
+              <a:t>the</a:t>
+            </a:r>
+            <a:r>
+              <a:rPr lang="cs-CZ" dirty="0"/>
+              <a:t> </a:t>
+            </a:r>
+            <a:r>
+              <a:rPr lang="cs-CZ" dirty="0" err="1"/>
+              <a:t>same</a:t>
+            </a:r>
+            <a:r>
+              <a:rPr lang="cs-CZ" dirty="0"/>
+              <a:t> </a:t>
+            </a:r>
+            <a:r>
+              <a:rPr lang="cs-CZ" dirty="0" err="1"/>
+              <a:t>velocity</a:t>
+            </a:r>
+            <a:r>
+              <a:rPr lang="cs-CZ" dirty="0"/>
+              <a:t> </a:t>
+            </a:r>
+            <a:r>
+              <a:rPr lang="cs-CZ" dirty="0" err="1"/>
+              <a:t>even</a:t>
+            </a:r>
+            <a:r>
+              <a:rPr lang="cs-CZ" dirty="0"/>
+              <a:t> </a:t>
+            </a:r>
+            <a:r>
+              <a:rPr lang="cs-CZ" dirty="0" err="1"/>
+              <a:t>during</a:t>
+            </a:r>
+            <a:r>
+              <a:rPr lang="cs-CZ" dirty="0"/>
+              <a:t> </a:t>
+            </a:r>
+            <a:r>
+              <a:rPr lang="cs-CZ" b="1" dirty="0" err="1"/>
+              <a:t>gradual</a:t>
+            </a:r>
+            <a:r>
+              <a:rPr lang="cs-CZ" b="1" dirty="0"/>
+              <a:t> </a:t>
+            </a:r>
+            <a:r>
+              <a:rPr lang="cs-CZ" b="1" dirty="0" err="1"/>
+              <a:t>changes</a:t>
+            </a:r>
+            <a:endParaRPr lang="en-US" b="1" dirty="0"/>
+          </a:p>
+        </p:txBody>
+      </p:sp>
+      <p:sp>
+        <p:nvSpPr>
+          <p:cNvPr id="4" name="Zástupný symbol pro číslo snímku 3"/>
+          <p:cNvSpPr>
+            <a:spLocks noGrp="1"/>
+          </p:cNvSpPr>
+          <p:nvPr>
+            <p:ph type="sldNum" sz="quarter" idx="5"/>
+          </p:nvPr>
+        </p:nvSpPr>
+        <p:spPr/>
+        <p:txBody>
+          <a:bodyPr/>
+          <a:lstStyle/>
+          <a:p>
+            <a:fld id="{A3A2D13A-754A-4CB5-92F3-969C67187B65}" type="slidenum">
+              <a:rPr lang="en-US" smtClean="0"/>
+              <a:t>16</a:t>
+            </a:fld>
+            <a:endParaRPr lang="en-US"/>
+          </a:p>
+        </p:txBody>
+      </p:sp>
+    </p:spTree>
+    <p:extLst>
+      <p:ext uri="{BB962C8B-B14F-4D97-AF65-F5344CB8AC3E}">
+        <p14:creationId xmlns:p14="http://schemas.microsoft.com/office/powerpoint/2010/main" val="671433680"/>
+      </p:ext>
+    </p:extLst>
+  </p:cSld>
+  <p:clrMapOvr>
+    <a:masterClrMapping/>
+  </p:clrMapOvr>
+</p:notes>
+</file>
+
+<file path=ppt/notesSlides/notesSlide8.xml><?xml version="1.0" encoding="utf-8"?>
+<p:notes xmlns:a="http://schemas.openxmlformats.org/drawingml/2006/main" xmlns:r="http://schemas.openxmlformats.org/officeDocument/2006/relationships" xmlns:p="http://schemas.openxmlformats.org/presentationml/2006/main">
+  <p:cSld>
+    <p:spTree>
+      <p:nvGrpSpPr>
+        <p:cNvPr id="1" name=""/>
+        <p:cNvGrpSpPr/>
+        <p:nvPr/>
+      </p:nvGrpSpPr>
+      <p:grpSpPr>
+        <a:xfrm>
+          <a:off x="0" y="0"/>
+          <a:ext cx="0" cy="0"/>
+          <a:chOff x="0" y="0"/>
+          <a:chExt cx="0" cy="0"/>
+        </a:xfrm>
+      </p:grpSpPr>
+      <p:sp>
+        <p:nvSpPr>
+          <p:cNvPr id="2" name="Zástupný symbol pro obrázek snímku 1"/>
+          <p:cNvSpPr>
+            <a:spLocks noGrp="1" noRot="1" noChangeAspect="1"/>
+          </p:cNvSpPr>
+          <p:nvPr>
+            <p:ph type="sldImg"/>
+          </p:nvPr>
+        </p:nvSpPr>
+        <p:spPr/>
+      </p:sp>
+      <p:sp>
+        <p:nvSpPr>
+          <p:cNvPr id="3" name="Zástupný symbol pro poznámky 2"/>
+          <p:cNvSpPr>
+            <a:spLocks noGrp="1"/>
+          </p:cNvSpPr>
+          <p:nvPr>
+            <p:ph type="body" idx="1"/>
+          </p:nvPr>
+        </p:nvSpPr>
+        <p:spPr/>
+        <p:txBody>
+          <a:bodyPr/>
+          <a:lstStyle/>
+          <a:p>
+            <a:r>
+              <a:rPr lang="cs-CZ" dirty="0" err="1"/>
+              <a:t>We</a:t>
+            </a:r>
+            <a:r>
+              <a:rPr lang="cs-CZ" dirty="0"/>
+              <a:t> </a:t>
+            </a:r>
+            <a:r>
+              <a:rPr lang="cs-CZ" dirty="0" err="1"/>
+              <a:t>observed</a:t>
+            </a:r>
+            <a:r>
+              <a:rPr lang="cs-CZ" dirty="0"/>
+              <a:t>, </a:t>
+            </a:r>
+            <a:r>
+              <a:rPr lang="cs-CZ" dirty="0" err="1"/>
+              <a:t>that</a:t>
+            </a:r>
+            <a:r>
+              <a:rPr lang="cs-CZ" dirty="0"/>
+              <a:t> </a:t>
+            </a:r>
+            <a:r>
+              <a:rPr lang="cs-CZ" dirty="0" err="1"/>
+              <a:t>when</a:t>
+            </a:r>
+            <a:r>
+              <a:rPr lang="cs-CZ" dirty="0"/>
+              <a:t> </a:t>
+            </a:r>
+            <a:r>
+              <a:rPr lang="cs-CZ" dirty="0" err="1"/>
+              <a:t>two</a:t>
+            </a:r>
+            <a:r>
+              <a:rPr lang="cs-CZ" dirty="0"/>
+              <a:t> </a:t>
+            </a:r>
+            <a:r>
+              <a:rPr lang="cs-CZ" dirty="0" err="1"/>
+              <a:t>spinners</a:t>
+            </a:r>
+            <a:r>
+              <a:rPr lang="cs-CZ" dirty="0"/>
+              <a:t> </a:t>
+            </a:r>
+            <a:r>
+              <a:rPr lang="cs-CZ" i="1" dirty="0"/>
+              <a:t>(</a:t>
+            </a:r>
+            <a:r>
+              <a:rPr lang="cs-CZ" i="1" dirty="0" err="1"/>
+              <a:t>with</a:t>
+            </a:r>
+            <a:r>
+              <a:rPr lang="cs-CZ" i="1" dirty="0"/>
+              <a:t> </a:t>
+            </a:r>
+            <a:r>
+              <a:rPr lang="cs-CZ" b="1" i="1" dirty="0" err="1"/>
+              <a:t>one</a:t>
+            </a:r>
+            <a:r>
+              <a:rPr lang="cs-CZ" b="1" i="1" dirty="0"/>
+              <a:t> </a:t>
+            </a:r>
+            <a:r>
+              <a:rPr lang="cs-CZ" b="1" i="1" dirty="0" err="1"/>
+              <a:t>being</a:t>
+            </a:r>
+            <a:r>
+              <a:rPr lang="cs-CZ" b="1" i="1" dirty="0"/>
+              <a:t> </a:t>
+            </a:r>
+            <a:r>
+              <a:rPr lang="cs-CZ" b="1" i="1" dirty="0" err="1"/>
+              <a:t>driven</a:t>
+            </a:r>
+            <a:r>
+              <a:rPr lang="cs-CZ" b="1" i="1" dirty="0"/>
+              <a:t> </a:t>
+            </a:r>
+            <a:r>
+              <a:rPr lang="cs-CZ" i="1" dirty="0"/>
+              <a:t>by a motor)</a:t>
+            </a:r>
+            <a:r>
+              <a:rPr lang="cs-CZ" dirty="0"/>
+              <a:t> are </a:t>
+            </a:r>
+            <a:r>
+              <a:rPr lang="cs-CZ" dirty="0" err="1"/>
+              <a:t>rotating</a:t>
+            </a:r>
+            <a:r>
+              <a:rPr lang="cs-CZ" dirty="0"/>
+              <a:t> </a:t>
+            </a:r>
+            <a:r>
+              <a:rPr lang="cs-CZ" b="1" dirty="0" err="1"/>
+              <a:t>at</a:t>
+            </a:r>
+            <a:r>
+              <a:rPr lang="cs-CZ" b="1" dirty="0"/>
+              <a:t> </a:t>
+            </a:r>
+            <a:r>
+              <a:rPr lang="cs-CZ" b="1" dirty="0" err="1"/>
+              <a:t>roughly</a:t>
+            </a:r>
+            <a:r>
+              <a:rPr lang="cs-CZ" b="1" dirty="0"/>
+              <a:t> </a:t>
+            </a:r>
+            <a:r>
+              <a:rPr lang="cs-CZ" b="1" dirty="0" err="1"/>
+              <a:t>the</a:t>
+            </a:r>
+            <a:r>
+              <a:rPr lang="cs-CZ" b="1" dirty="0"/>
+              <a:t> </a:t>
+            </a:r>
+            <a:r>
+              <a:rPr lang="cs-CZ" b="1" dirty="0" err="1"/>
+              <a:t>same</a:t>
+            </a:r>
+            <a:r>
+              <a:rPr lang="cs-CZ" b="1" dirty="0"/>
+              <a:t> </a:t>
+            </a:r>
+            <a:r>
+              <a:rPr lang="cs-CZ" b="1" dirty="0" err="1"/>
+              <a:t>velocity</a:t>
+            </a:r>
+            <a:r>
+              <a:rPr lang="cs-CZ" dirty="0"/>
+              <a:t>, </a:t>
+            </a:r>
+            <a:r>
+              <a:rPr lang="cs-CZ" dirty="0" err="1"/>
+              <a:t>the</a:t>
+            </a:r>
+            <a:r>
+              <a:rPr lang="cs-CZ" dirty="0"/>
+              <a:t> second </a:t>
+            </a:r>
+            <a:r>
+              <a:rPr lang="cs-CZ" dirty="0" err="1"/>
+              <a:t>spinner</a:t>
+            </a:r>
+            <a:r>
+              <a:rPr lang="cs-CZ" dirty="0"/>
+              <a:t> </a:t>
+            </a:r>
+            <a:r>
+              <a:rPr lang="cs-CZ" dirty="0" err="1"/>
+              <a:t>becomes</a:t>
+            </a:r>
+            <a:r>
+              <a:rPr lang="cs-CZ" dirty="0"/>
+              <a:t> </a:t>
+            </a:r>
+            <a:r>
+              <a:rPr lang="cs-CZ" dirty="0" err="1"/>
+              <a:t>coupled</a:t>
+            </a:r>
+            <a:r>
+              <a:rPr lang="cs-CZ" dirty="0"/>
+              <a:t> and </a:t>
+            </a:r>
+            <a:r>
+              <a:rPr lang="cs-CZ" dirty="0" err="1"/>
+              <a:t>continues</a:t>
+            </a:r>
+            <a:r>
+              <a:rPr lang="cs-CZ" dirty="0"/>
+              <a:t> </a:t>
+            </a:r>
+            <a:r>
+              <a:rPr lang="cs-CZ" dirty="0" err="1"/>
+              <a:t>keeping</a:t>
+            </a:r>
+            <a:r>
+              <a:rPr lang="cs-CZ" dirty="0"/>
+              <a:t> </a:t>
+            </a:r>
+            <a:r>
+              <a:rPr lang="cs-CZ" dirty="0" err="1"/>
+              <a:t>the</a:t>
+            </a:r>
+            <a:r>
+              <a:rPr lang="cs-CZ" dirty="0"/>
+              <a:t> </a:t>
+            </a:r>
+            <a:r>
+              <a:rPr lang="cs-CZ" dirty="0" err="1"/>
+              <a:t>same</a:t>
+            </a:r>
+            <a:r>
+              <a:rPr lang="cs-CZ" dirty="0"/>
+              <a:t> </a:t>
+            </a:r>
+            <a:r>
+              <a:rPr lang="cs-CZ" dirty="0" err="1"/>
+              <a:t>velocity</a:t>
+            </a:r>
+            <a:r>
+              <a:rPr lang="cs-CZ" dirty="0"/>
+              <a:t> </a:t>
+            </a:r>
+            <a:r>
+              <a:rPr lang="cs-CZ" dirty="0" err="1"/>
+              <a:t>even</a:t>
+            </a:r>
+            <a:r>
+              <a:rPr lang="cs-CZ" dirty="0"/>
+              <a:t> </a:t>
+            </a:r>
+            <a:r>
+              <a:rPr lang="cs-CZ" dirty="0" err="1"/>
+              <a:t>during</a:t>
+            </a:r>
+            <a:r>
+              <a:rPr lang="cs-CZ" dirty="0"/>
+              <a:t> </a:t>
+            </a:r>
+            <a:r>
+              <a:rPr lang="cs-CZ" b="1" dirty="0" err="1"/>
+              <a:t>gradual</a:t>
+            </a:r>
+            <a:r>
+              <a:rPr lang="cs-CZ" b="1" dirty="0"/>
+              <a:t> </a:t>
+            </a:r>
+            <a:r>
+              <a:rPr lang="cs-CZ" b="1" dirty="0" err="1"/>
+              <a:t>changes</a:t>
+            </a:r>
+            <a:endParaRPr lang="en-US" b="1" dirty="0"/>
+          </a:p>
+        </p:txBody>
+      </p:sp>
+      <p:sp>
+        <p:nvSpPr>
+          <p:cNvPr id="4" name="Zástupný symbol pro číslo snímku 3"/>
+          <p:cNvSpPr>
+            <a:spLocks noGrp="1"/>
+          </p:cNvSpPr>
+          <p:nvPr>
+            <p:ph type="sldNum" sz="quarter" idx="5"/>
+          </p:nvPr>
+        </p:nvSpPr>
+        <p:spPr/>
+        <p:txBody>
+          <a:bodyPr/>
+          <a:lstStyle/>
+          <a:p>
+            <a:fld id="{A3A2D13A-754A-4CB5-92F3-969C67187B65}" type="slidenum">
+              <a:rPr lang="en-US" smtClean="0"/>
+              <a:t>17</a:t>
+            </a:fld>
+            <a:endParaRPr lang="en-US"/>
+          </a:p>
+        </p:txBody>
+      </p:sp>
+    </p:spTree>
+    <p:extLst>
+      <p:ext uri="{BB962C8B-B14F-4D97-AF65-F5344CB8AC3E}">
+        <p14:creationId xmlns:p14="http://schemas.microsoft.com/office/powerpoint/2010/main" val="1519824035"/>
+      </p:ext>
+    </p:extLst>
+  </p:cSld>
+  <p:clrMapOvr>
+    <a:masterClrMapping/>
+  </p:clrMapOvr>
+</p:notes>
+</file>
+
+<file path=ppt/notesSlides/notesSlide9.xml><?xml version="1.0" encoding="utf-8"?>
+<p:notes xmlns:a="http://schemas.openxmlformats.org/drawingml/2006/main" xmlns:r="http://schemas.openxmlformats.org/officeDocument/2006/relationships" xmlns:p="http://schemas.openxmlformats.org/presentationml/2006/main">
+  <p:cSld>
+    <p:spTree>
+      <p:nvGrpSpPr>
+        <p:cNvPr id="1" name=""/>
+        <p:cNvGrpSpPr/>
+        <p:nvPr/>
+      </p:nvGrpSpPr>
+      <p:grpSpPr>
+        <a:xfrm>
+          <a:off x="0" y="0"/>
+          <a:ext cx="0" cy="0"/>
+          <a:chOff x="0" y="0"/>
+          <a:chExt cx="0" cy="0"/>
+        </a:xfrm>
+      </p:grpSpPr>
+      <p:sp>
+        <p:nvSpPr>
+          <p:cNvPr id="2" name="Zástupný symbol pro obrázek snímku 1"/>
+          <p:cNvSpPr>
+            <a:spLocks noGrp="1" noRot="1" noChangeAspect="1"/>
+          </p:cNvSpPr>
+          <p:nvPr>
+            <p:ph type="sldImg"/>
+          </p:nvPr>
+        </p:nvSpPr>
+        <p:spPr/>
+      </p:sp>
+      <p:sp>
+        <p:nvSpPr>
+          <p:cNvPr id="3" name="Zástupný symbol pro poznámky 2"/>
+          <p:cNvSpPr>
+            <a:spLocks noGrp="1"/>
+          </p:cNvSpPr>
+          <p:nvPr>
+            <p:ph type="body" idx="1"/>
+          </p:nvPr>
+        </p:nvSpPr>
+        <p:spPr/>
+        <p:txBody>
+          <a:bodyPr/>
+          <a:lstStyle/>
+          <a:p>
+            <a:r>
+              <a:rPr lang="cs-CZ" dirty="0" err="1"/>
+              <a:t>We</a:t>
+            </a:r>
+            <a:r>
+              <a:rPr lang="cs-CZ" dirty="0"/>
+              <a:t> </a:t>
+            </a:r>
+            <a:r>
+              <a:rPr lang="cs-CZ" dirty="0" err="1"/>
+              <a:t>observed</a:t>
+            </a:r>
+            <a:r>
+              <a:rPr lang="cs-CZ" dirty="0"/>
+              <a:t>, </a:t>
+            </a:r>
+            <a:r>
+              <a:rPr lang="cs-CZ" dirty="0" err="1"/>
+              <a:t>that</a:t>
+            </a:r>
+            <a:r>
+              <a:rPr lang="cs-CZ" dirty="0"/>
+              <a:t> </a:t>
+            </a:r>
+            <a:r>
+              <a:rPr lang="cs-CZ" dirty="0" err="1"/>
+              <a:t>when</a:t>
+            </a:r>
+            <a:r>
+              <a:rPr lang="cs-CZ" dirty="0"/>
+              <a:t> </a:t>
+            </a:r>
+            <a:r>
+              <a:rPr lang="cs-CZ" dirty="0" err="1"/>
+              <a:t>two</a:t>
+            </a:r>
+            <a:r>
+              <a:rPr lang="cs-CZ" dirty="0"/>
+              <a:t> </a:t>
+            </a:r>
+            <a:r>
+              <a:rPr lang="cs-CZ" dirty="0" err="1"/>
+              <a:t>spinners</a:t>
+            </a:r>
+            <a:r>
+              <a:rPr lang="cs-CZ" dirty="0"/>
+              <a:t> </a:t>
+            </a:r>
+            <a:r>
+              <a:rPr lang="cs-CZ" i="1" dirty="0"/>
+              <a:t>(</a:t>
+            </a:r>
+            <a:r>
+              <a:rPr lang="cs-CZ" i="1" dirty="0" err="1"/>
+              <a:t>with</a:t>
+            </a:r>
+            <a:r>
+              <a:rPr lang="cs-CZ" i="1" dirty="0"/>
+              <a:t> </a:t>
+            </a:r>
+            <a:r>
+              <a:rPr lang="cs-CZ" b="1" i="1" dirty="0" err="1"/>
+              <a:t>one</a:t>
+            </a:r>
+            <a:r>
+              <a:rPr lang="cs-CZ" b="1" i="1" dirty="0"/>
+              <a:t> </a:t>
+            </a:r>
+            <a:r>
+              <a:rPr lang="cs-CZ" b="1" i="1" dirty="0" err="1"/>
+              <a:t>being</a:t>
+            </a:r>
+            <a:r>
+              <a:rPr lang="cs-CZ" b="1" i="1" dirty="0"/>
+              <a:t> </a:t>
+            </a:r>
+            <a:r>
+              <a:rPr lang="cs-CZ" b="1" i="1" dirty="0" err="1"/>
+              <a:t>driven</a:t>
+            </a:r>
+            <a:r>
+              <a:rPr lang="cs-CZ" b="1" i="1" dirty="0"/>
+              <a:t> </a:t>
+            </a:r>
+            <a:r>
+              <a:rPr lang="cs-CZ" i="1" dirty="0"/>
+              <a:t>by a motor)</a:t>
+            </a:r>
+            <a:r>
+              <a:rPr lang="cs-CZ" dirty="0"/>
+              <a:t> are </a:t>
+            </a:r>
+            <a:r>
+              <a:rPr lang="cs-CZ" dirty="0" err="1"/>
+              <a:t>rotating</a:t>
+            </a:r>
+            <a:r>
+              <a:rPr lang="cs-CZ" dirty="0"/>
+              <a:t> </a:t>
+            </a:r>
+            <a:r>
+              <a:rPr lang="cs-CZ" b="1" dirty="0" err="1"/>
+              <a:t>at</a:t>
+            </a:r>
+            <a:r>
+              <a:rPr lang="cs-CZ" b="1" dirty="0"/>
+              <a:t> </a:t>
+            </a:r>
+            <a:r>
+              <a:rPr lang="cs-CZ" b="1" dirty="0" err="1"/>
+              <a:t>roughly</a:t>
+            </a:r>
+            <a:r>
+              <a:rPr lang="cs-CZ" b="1" dirty="0"/>
+              <a:t> </a:t>
+            </a:r>
+            <a:r>
+              <a:rPr lang="cs-CZ" b="1" dirty="0" err="1"/>
+              <a:t>the</a:t>
+            </a:r>
+            <a:r>
+              <a:rPr lang="cs-CZ" b="1" dirty="0"/>
+              <a:t> </a:t>
+            </a:r>
+            <a:r>
+              <a:rPr lang="cs-CZ" b="1" dirty="0" err="1"/>
+              <a:t>same</a:t>
+            </a:r>
+            <a:r>
+              <a:rPr lang="cs-CZ" b="1" dirty="0"/>
+              <a:t> </a:t>
+            </a:r>
+            <a:r>
+              <a:rPr lang="cs-CZ" b="1" dirty="0" err="1"/>
+              <a:t>velocity</a:t>
+            </a:r>
+            <a:r>
+              <a:rPr lang="cs-CZ" dirty="0"/>
+              <a:t>, </a:t>
+            </a:r>
+            <a:r>
+              <a:rPr lang="cs-CZ" dirty="0" err="1"/>
+              <a:t>the</a:t>
+            </a:r>
+            <a:r>
+              <a:rPr lang="cs-CZ" dirty="0"/>
+              <a:t> second </a:t>
+            </a:r>
+            <a:r>
+              <a:rPr lang="cs-CZ" dirty="0" err="1"/>
+              <a:t>spinner</a:t>
+            </a:r>
+            <a:r>
+              <a:rPr lang="cs-CZ" dirty="0"/>
+              <a:t> </a:t>
+            </a:r>
+            <a:r>
+              <a:rPr lang="cs-CZ" dirty="0" err="1"/>
+              <a:t>becomes</a:t>
+            </a:r>
+            <a:r>
+              <a:rPr lang="cs-CZ" dirty="0"/>
+              <a:t> </a:t>
+            </a:r>
+            <a:r>
+              <a:rPr lang="cs-CZ" dirty="0" err="1"/>
+              <a:t>coupled</a:t>
+            </a:r>
+            <a:r>
+              <a:rPr lang="cs-CZ" dirty="0"/>
+              <a:t> and </a:t>
+            </a:r>
+            <a:r>
+              <a:rPr lang="cs-CZ" dirty="0" err="1"/>
+              <a:t>continues</a:t>
+            </a:r>
+            <a:r>
+              <a:rPr lang="cs-CZ" dirty="0"/>
+              <a:t> </a:t>
+            </a:r>
+            <a:r>
+              <a:rPr lang="cs-CZ" dirty="0" err="1"/>
+              <a:t>keeping</a:t>
+            </a:r>
+            <a:r>
+              <a:rPr lang="cs-CZ" dirty="0"/>
+              <a:t> </a:t>
+            </a:r>
+            <a:r>
+              <a:rPr lang="cs-CZ" dirty="0" err="1"/>
+              <a:t>the</a:t>
+            </a:r>
+            <a:r>
+              <a:rPr lang="cs-CZ" dirty="0"/>
+              <a:t> </a:t>
+            </a:r>
+            <a:r>
+              <a:rPr lang="cs-CZ" dirty="0" err="1"/>
+              <a:t>same</a:t>
+            </a:r>
+            <a:r>
+              <a:rPr lang="cs-CZ" dirty="0"/>
+              <a:t> </a:t>
+            </a:r>
+            <a:r>
+              <a:rPr lang="cs-CZ" dirty="0" err="1"/>
+              <a:t>velocity</a:t>
+            </a:r>
+            <a:r>
+              <a:rPr lang="cs-CZ" dirty="0"/>
+              <a:t> </a:t>
+            </a:r>
+            <a:r>
+              <a:rPr lang="cs-CZ" dirty="0" err="1"/>
+              <a:t>even</a:t>
+            </a:r>
+            <a:r>
+              <a:rPr lang="cs-CZ" dirty="0"/>
+              <a:t> </a:t>
+            </a:r>
+            <a:r>
+              <a:rPr lang="cs-CZ" dirty="0" err="1"/>
+              <a:t>during</a:t>
+            </a:r>
+            <a:r>
+              <a:rPr lang="cs-CZ" dirty="0"/>
+              <a:t> </a:t>
+            </a:r>
+            <a:r>
+              <a:rPr lang="cs-CZ" b="1" dirty="0" err="1"/>
+              <a:t>gradual</a:t>
+            </a:r>
+            <a:r>
+              <a:rPr lang="cs-CZ" b="1" dirty="0"/>
+              <a:t> </a:t>
+            </a:r>
+            <a:r>
+              <a:rPr lang="cs-CZ" b="1" dirty="0" err="1"/>
+              <a:t>changes</a:t>
+            </a:r>
+            <a:endParaRPr lang="en-US" b="1" dirty="0"/>
+          </a:p>
+        </p:txBody>
+      </p:sp>
+      <p:sp>
+        <p:nvSpPr>
+          <p:cNvPr id="4" name="Zástupný symbol pro číslo snímku 3"/>
+          <p:cNvSpPr>
+            <a:spLocks noGrp="1"/>
+          </p:cNvSpPr>
+          <p:nvPr>
+            <p:ph type="sldNum" sz="quarter" idx="5"/>
+          </p:nvPr>
+        </p:nvSpPr>
+        <p:spPr/>
+        <p:txBody>
+          <a:bodyPr/>
+          <a:lstStyle/>
+          <a:p>
+            <a:fld id="{A3A2D13A-754A-4CB5-92F3-969C67187B65}" type="slidenum">
+              <a:rPr lang="en-US" smtClean="0"/>
+              <a:t>18</a:t>
+            </a:fld>
+            <a:endParaRPr lang="en-US"/>
+          </a:p>
+        </p:txBody>
+      </p:sp>
+    </p:spTree>
+    <p:extLst>
+      <p:ext uri="{BB962C8B-B14F-4D97-AF65-F5344CB8AC3E}">
+        <p14:creationId xmlns:p14="http://schemas.microsoft.com/office/powerpoint/2010/main" val="2062177598"/>
       </p:ext>
     </p:extLst>
   </p:cSld>
@@ -1254,7 +2775,7 @@
           <a:p>
             <a:fld id="{5B4108F7-9617-4B20-B3C6-026E7D985ACA}" type="datetime1">
               <a:rPr lang="en-US" smtClean="0"/>
-              <a:t>12/8/2023</a:t>
+              <a:t>12/9/2023</a:t>
             </a:fld>
             <a:endParaRPr lang="en-US" dirty="0"/>
           </a:p>
@@ -1552,7 +3073,7 @@
           <a:p>
             <a:fld id="{7DC151F1-AF1A-4D19-AF21-0514A3FE0EE5}" type="datetime1">
               <a:rPr lang="en-US" smtClean="0"/>
-              <a:t>12/8/2023</a:t>
+              <a:t>12/9/2023</a:t>
             </a:fld>
             <a:endParaRPr lang="en-US"/>
           </a:p>
@@ -1873,7 +3394,7 @@
           <a:p>
             <a:fld id="{1BECF7B7-7D74-48EF-9F0D-643EFFC801CD}" type="datetime1">
               <a:rPr lang="en-US" smtClean="0"/>
-              <a:t>12/8/2023</a:t>
+              <a:t>12/9/2023</a:t>
             </a:fld>
             <a:endParaRPr lang="en-US"/>
           </a:p>
@@ -2051,7 +3572,7 @@
           <a:p>
             <a:fld id="{B62DFD89-E800-4C37-87CA-3D711DAD0426}" type="datetime1">
               <a:rPr lang="en-US" smtClean="0"/>
-              <a:t>12/8/2023</a:t>
+              <a:t>12/9/2023</a:t>
             </a:fld>
             <a:endParaRPr lang="en-US"/>
           </a:p>
@@ -2459,7 +3980,7 @@
           <a:p>
             <a:fld id="{66029ADB-27FB-4E7C-A564-3D77AC4B9B51}" type="datetime1">
               <a:rPr lang="en-US" smtClean="0"/>
-              <a:t>12/8/2023</a:t>
+              <a:t>12/9/2023</a:t>
             </a:fld>
             <a:endParaRPr lang="en-US"/>
           </a:p>
@@ -2736,7 +4257,7 @@
           <a:p>
             <a:fld id="{C6ECCB69-FD73-460E-A082-D11B1FF41951}" type="datetime1">
               <a:rPr lang="en-US" smtClean="0"/>
-              <a:t>12/8/2023</a:t>
+              <a:t>12/9/2023</a:t>
             </a:fld>
             <a:endParaRPr lang="en-US"/>
           </a:p>
@@ -3178,7 +4699,7 @@
           <a:p>
             <a:fld id="{BF793602-03F9-4A22-8ADA-79A361319A33}" type="datetime1">
               <a:rPr lang="en-US" smtClean="0"/>
-              <a:t>12/8/2023</a:t>
+              <a:t>12/9/2023</a:t>
             </a:fld>
             <a:endParaRPr lang="en-US"/>
           </a:p>
@@ -3361,7 +4882,7 @@
           <a:p>
             <a:fld id="{A9A1FACC-3DA2-468F-858F-B804C58C203D}" type="datetime1">
               <a:rPr lang="en-US" smtClean="0"/>
-              <a:t>12/8/2023</a:t>
+              <a:t>12/9/2023</a:t>
             </a:fld>
             <a:endParaRPr lang="en-US"/>
           </a:p>
@@ -3597,7 +5118,7 @@
           <a:p>
             <a:fld id="{435FA6AE-92F2-49A8-A600-9F625662B69E}" type="datetime1">
               <a:rPr lang="en-US" smtClean="0"/>
-              <a:t>12/8/2023</a:t>
+              <a:t>12/9/2023</a:t>
             </a:fld>
             <a:endParaRPr lang="en-US"/>
           </a:p>
@@ -3955,7 +5476,7 @@
           <a:p>
             <a:fld id="{B3449B5D-68A9-4986-B1CC-CAC501EDC4C7}" type="datetime1">
               <a:rPr lang="en-US" smtClean="0"/>
-              <a:t>12/8/2023</a:t>
+              <a:t>12/9/2023</a:t>
             </a:fld>
             <a:endParaRPr lang="en-US"/>
           </a:p>
@@ -4341,7 +5862,7 @@
           <a:p>
             <a:fld id="{E3CF6350-47B6-45D5-81B2-9AC1F1BAE753}" type="datetime1">
               <a:rPr lang="en-US" smtClean="0"/>
-              <a:t>12/8/2023</a:t>
+              <a:t>12/9/2023</a:t>
             </a:fld>
             <a:endParaRPr lang="en-US"/>
           </a:p>
@@ -4630,7 +6151,7 @@
           <a:p>
             <a:fld id="{7195E111-0D3D-4088-99F2-537714A79037}" type="datetime1">
               <a:rPr lang="en-US" smtClean="0"/>
-              <a:t>12/8/2023</a:t>
+              <a:t>12/9/2023</a:t>
             </a:fld>
             <a:endParaRPr lang="en-US" dirty="0"/>
           </a:p>
@@ -5312,7 +6833,7 @@
           <a:p>
             <a:fld id="{5B4108F7-9617-4B20-B3C6-026E7D985ACA}" type="datetime1">
               <a:rPr lang="en-US" smtClean="0"/>
-              <a:t>12/8/2023</a:t>
+              <a:t>12/9/2023</a:t>
             </a:fld>
             <a:endParaRPr lang="en-US" dirty="0"/>
           </a:p>
@@ -5492,8 +7013,8 @@
           </a:p>
         </p:txBody>
       </p:sp>
-      <mc:AlternateContent xmlns:mc="http://schemas.openxmlformats.org/markup-compatibility/2006">
-        <mc:Choice xmlns:a14="http://schemas.microsoft.com/office/drawing/2010/main" Requires="a14">
+      <mc:AlternateContent xmlns:mc="http://schemas.openxmlformats.org/markup-compatibility/2006" xmlns:a14="http://schemas.microsoft.com/office/drawing/2010/main">
+        <mc:Choice Requires="a14">
           <p:sp>
             <p:nvSpPr>
               <p:cNvPr id="3" name="Content Placeholder 2">
@@ -5991,7 +7512,7 @@
             </p:txBody>
           </p:sp>
         </mc:Choice>
-        <mc:Fallback>
+        <mc:Fallback xmlns="">
           <p:sp>
             <p:nvSpPr>
               <p:cNvPr id="3" name="Content Placeholder 2">
@@ -6147,8 +7668,8 @@
           </a:p>
         </p:txBody>
       </p:sp>
-      <mc:AlternateContent xmlns:mc="http://schemas.openxmlformats.org/markup-compatibility/2006">
-        <mc:Choice xmlns:a14="http://schemas.microsoft.com/office/drawing/2010/main" Requires="a14">
+      <mc:AlternateContent xmlns:mc="http://schemas.openxmlformats.org/markup-compatibility/2006" xmlns:a14="http://schemas.microsoft.com/office/drawing/2010/main">
+        <mc:Choice Requires="a14">
           <p:graphicFrame>
             <p:nvGraphicFramePr>
               <p:cNvPr id="14" name="Table 13">
@@ -6473,7 +7994,7 @@
             </a:graphic>
           </p:graphicFrame>
         </mc:Choice>
-        <mc:Fallback>
+        <mc:Fallback xmlns="">
           <p:graphicFrame>
             <p:nvGraphicFramePr>
               <p:cNvPr id="14" name="Table 13">
@@ -7316,6 +8837,2853 @@
 </p:sld>
 </file>
 
+<file path=ppt/slides/slide13.xml><?xml version="1.0" encoding="utf-8"?>
+<p:sld xmlns:a="http://schemas.openxmlformats.org/drawingml/2006/main" xmlns:r="http://schemas.openxmlformats.org/officeDocument/2006/relationships" xmlns:p="http://schemas.openxmlformats.org/presentationml/2006/main">
+  <p:cSld>
+    <p:spTree>
+      <p:nvGrpSpPr>
+        <p:cNvPr id="1" name=""/>
+        <p:cNvGrpSpPr/>
+        <p:nvPr/>
+      </p:nvGrpSpPr>
+      <p:grpSpPr>
+        <a:xfrm>
+          <a:off x="0" y="0"/>
+          <a:ext cx="0" cy="0"/>
+          <a:chOff x="0" y="0"/>
+          <a:chExt cx="0" cy="0"/>
+        </a:xfrm>
+      </p:grpSpPr>
+      <p:sp>
+        <p:nvSpPr>
+          <p:cNvPr id="2" name="Title 1">
+            <a:extLst>
+              <a:ext uri="{FF2B5EF4-FFF2-40B4-BE49-F238E27FC236}">
+                <a16:creationId xmlns:a16="http://schemas.microsoft.com/office/drawing/2014/main" id="{FD120DAF-E278-4D6C-F12B-592F5D7BF325}"/>
+              </a:ext>
+            </a:extLst>
+          </p:cNvPr>
+          <p:cNvSpPr>
+            <a:spLocks noGrp="1"/>
+          </p:cNvSpPr>
+          <p:nvPr>
+            <p:ph type="title"/>
+          </p:nvPr>
+        </p:nvSpPr>
+        <p:spPr/>
+        <p:txBody>
+          <a:bodyPr/>
+          <a:lstStyle/>
+          <a:p>
+            <a:r>
+              <a:rPr lang="en-US" dirty="0"/>
+              <a:t>Simulation</a:t>
+            </a:r>
+          </a:p>
+        </p:txBody>
+      </p:sp>
+      <p:sp>
+        <p:nvSpPr>
+          <p:cNvPr id="4" name="Date Placeholder 3">
+            <a:extLst>
+              <a:ext uri="{FF2B5EF4-FFF2-40B4-BE49-F238E27FC236}">
+                <a16:creationId xmlns:a16="http://schemas.microsoft.com/office/drawing/2014/main" id="{9EB83E16-1C3C-1F5F-E93E-937BE7E70ABC}"/>
+              </a:ext>
+            </a:extLst>
+          </p:cNvPr>
+          <p:cNvSpPr>
+            <a:spLocks noGrp="1"/>
+          </p:cNvSpPr>
+          <p:nvPr>
+            <p:ph type="dt" sz="half" idx="10"/>
+          </p:nvPr>
+        </p:nvSpPr>
+        <p:spPr/>
+        <p:txBody>
+          <a:bodyPr/>
+          <a:lstStyle/>
+          <a:p>
+            <a:fld id="{B62DFD89-E800-4C37-87CA-3D711DAD0426}" type="datetime1">
+              <a:rPr lang="en-US" smtClean="0"/>
+              <a:t>12/9/2023</a:t>
+            </a:fld>
+            <a:endParaRPr lang="en-US"/>
+          </a:p>
+        </p:txBody>
+      </p:sp>
+      <p:sp>
+        <p:nvSpPr>
+          <p:cNvPr id="5" name="Footer Placeholder 4">
+            <a:extLst>
+              <a:ext uri="{FF2B5EF4-FFF2-40B4-BE49-F238E27FC236}">
+                <a16:creationId xmlns:a16="http://schemas.microsoft.com/office/drawing/2014/main" id="{270D40D2-573F-FE03-4889-DADE522AC736}"/>
+              </a:ext>
+            </a:extLst>
+          </p:cNvPr>
+          <p:cNvSpPr>
+            <a:spLocks noGrp="1"/>
+          </p:cNvSpPr>
+          <p:nvPr>
+            <p:ph type="ftr" sz="quarter" idx="11"/>
+          </p:nvPr>
+        </p:nvSpPr>
+        <p:spPr/>
+        <p:txBody>
+          <a:bodyPr/>
+          <a:lstStyle/>
+          <a:p>
+            <a:r>
+              <a:rPr lang="cs-CZ"/>
+              <a:t>GCHD – 2023/24</a:t>
+            </a:r>
+            <a:endParaRPr lang="en-US" dirty="0"/>
+          </a:p>
+        </p:txBody>
+      </p:sp>
+      <p:sp>
+        <p:nvSpPr>
+          <p:cNvPr id="6" name="Slide Number Placeholder 5">
+            <a:extLst>
+              <a:ext uri="{FF2B5EF4-FFF2-40B4-BE49-F238E27FC236}">
+                <a16:creationId xmlns:a16="http://schemas.microsoft.com/office/drawing/2014/main" id="{9876F68C-9F19-2155-6061-37C66F5C38AF}"/>
+              </a:ext>
+            </a:extLst>
+          </p:cNvPr>
+          <p:cNvSpPr>
+            <a:spLocks noGrp="1"/>
+          </p:cNvSpPr>
+          <p:nvPr>
+            <p:ph type="sldNum" sz="quarter" idx="12"/>
+          </p:nvPr>
+        </p:nvSpPr>
+        <p:spPr/>
+        <p:txBody>
+          <a:bodyPr/>
+          <a:lstStyle/>
+          <a:p>
+            <a:fld id="{E97BF2D3-8D9B-4E9F-804F-8E7615F22F9D}" type="slidenum">
+              <a:rPr lang="en-US" smtClean="0"/>
+              <a:t>13</a:t>
+            </a:fld>
+            <a:endParaRPr lang="en-US"/>
+          </a:p>
+        </p:txBody>
+      </p:sp>
+      <p:sp>
+        <p:nvSpPr>
+          <p:cNvPr id="7" name="Text Placeholder 6">
+            <a:extLst>
+              <a:ext uri="{FF2B5EF4-FFF2-40B4-BE49-F238E27FC236}">
+                <a16:creationId xmlns:a16="http://schemas.microsoft.com/office/drawing/2014/main" id="{4CD78A18-5EFF-D6C2-1A95-857D4A3DB10F}"/>
+              </a:ext>
+            </a:extLst>
+          </p:cNvPr>
+          <p:cNvSpPr>
+            <a:spLocks noGrp="1"/>
+          </p:cNvSpPr>
+          <p:nvPr>
+            <p:ph type="body" sz="quarter" idx="13"/>
+          </p:nvPr>
+        </p:nvSpPr>
+        <p:spPr/>
+        <p:txBody>
+          <a:bodyPr/>
+          <a:lstStyle/>
+          <a:p>
+            <a:r>
+              <a:rPr lang="en-US" dirty="0"/>
+              <a:t>Simulation</a:t>
+            </a:r>
+          </a:p>
+        </p:txBody>
+      </p:sp>
+      <p:sp>
+        <p:nvSpPr>
+          <p:cNvPr id="8" name="Zástupný obsah 7">
+            <a:extLst>
+              <a:ext uri="{FF2B5EF4-FFF2-40B4-BE49-F238E27FC236}">
+                <a16:creationId xmlns:a16="http://schemas.microsoft.com/office/drawing/2014/main" id="{FA1EFC7B-9895-F6E7-8B89-48BD391EF652}"/>
+              </a:ext>
+            </a:extLst>
+          </p:cNvPr>
+          <p:cNvSpPr>
+            <a:spLocks noGrp="1"/>
+          </p:cNvSpPr>
+          <p:nvPr>
+            <p:ph idx="1"/>
+          </p:nvPr>
+        </p:nvSpPr>
+        <p:spPr/>
+        <p:txBody>
+          <a:bodyPr/>
+          <a:lstStyle/>
+          <a:p>
+            <a:r>
+              <a:rPr lang="en-US" dirty="0"/>
+              <a:t>Takes the initial state as input</a:t>
+            </a:r>
+            <a:r>
+              <a:rPr lang="cs-CZ" dirty="0"/>
+              <a:t>:</a:t>
+            </a:r>
+          </a:p>
+          <a:p>
+            <a:pPr lvl="1"/>
+            <a:r>
+              <a:rPr lang="cs-CZ" dirty="0" err="1"/>
+              <a:t>Positions</a:t>
+            </a:r>
+            <a:r>
+              <a:rPr lang="cs-CZ" dirty="0"/>
+              <a:t> </a:t>
+            </a:r>
+            <a:r>
+              <a:rPr lang="cs-CZ" dirty="0" err="1"/>
+              <a:t>of</a:t>
+            </a:r>
+            <a:r>
+              <a:rPr lang="cs-CZ" dirty="0"/>
+              <a:t> </a:t>
+            </a:r>
+            <a:r>
+              <a:rPr lang="cs-CZ" dirty="0" err="1"/>
+              <a:t>spinners</a:t>
+            </a:r>
+            <a:r>
+              <a:rPr lang="cs-CZ" dirty="0"/>
+              <a:t>, </a:t>
+            </a:r>
+            <a:r>
+              <a:rPr lang="cs-CZ" dirty="0" err="1"/>
+              <a:t>initial</a:t>
+            </a:r>
+            <a:r>
+              <a:rPr lang="cs-CZ" dirty="0"/>
+              <a:t> </a:t>
+            </a:r>
+            <a:r>
+              <a:rPr lang="cs-CZ" dirty="0" err="1"/>
+              <a:t>angles</a:t>
+            </a:r>
+            <a:r>
+              <a:rPr lang="cs-CZ" dirty="0"/>
+              <a:t> and </a:t>
+            </a:r>
+            <a:r>
+              <a:rPr lang="cs-CZ" dirty="0" err="1"/>
+              <a:t>angular</a:t>
+            </a:r>
+            <a:r>
+              <a:rPr lang="cs-CZ" dirty="0"/>
+              <a:t> </a:t>
+            </a:r>
+            <a:r>
+              <a:rPr lang="cs-CZ" dirty="0" err="1"/>
+              <a:t>velocities</a:t>
+            </a:r>
+            <a:r>
+              <a:rPr lang="cs-CZ" dirty="0"/>
+              <a:t> (</a:t>
+            </a:r>
+            <a:r>
+              <a:rPr lang="cs-CZ" dirty="0" err="1"/>
+              <a:t>only</a:t>
+            </a:r>
+            <a:r>
+              <a:rPr lang="cs-CZ" dirty="0"/>
+              <a:t> in 2D)</a:t>
+            </a:r>
+          </a:p>
+          <a:p>
+            <a:pPr lvl="1"/>
+            <a:r>
+              <a:rPr lang="cs-CZ" dirty="0" err="1"/>
+              <a:t>Each</a:t>
+            </a:r>
+            <a:r>
+              <a:rPr lang="cs-CZ" dirty="0"/>
+              <a:t> magnet </a:t>
+            </a:r>
+            <a:r>
+              <a:rPr lang="cs-CZ" dirty="0" err="1"/>
+              <a:t>interacts</a:t>
+            </a:r>
+            <a:r>
+              <a:rPr lang="cs-CZ" dirty="0"/>
+              <a:t> on </a:t>
+            </a:r>
+            <a:r>
+              <a:rPr lang="cs-CZ" b="1" dirty="0" err="1"/>
+              <a:t>every</a:t>
+            </a:r>
+            <a:r>
+              <a:rPr lang="cs-CZ" b="1" dirty="0"/>
+              <a:t> </a:t>
+            </a:r>
+            <a:r>
+              <a:rPr lang="cs-CZ" b="1" dirty="0" err="1"/>
+              <a:t>other</a:t>
+            </a:r>
+            <a:r>
+              <a:rPr lang="cs-CZ" b="1" dirty="0"/>
+              <a:t> </a:t>
+            </a:r>
+            <a:r>
+              <a:rPr lang="cs-CZ" dirty="0"/>
+              <a:t>magnet </a:t>
+            </a:r>
+            <a:r>
+              <a:rPr lang="cs-CZ" dirty="0" err="1"/>
+              <a:t>using</a:t>
+            </a:r>
+            <a:r>
+              <a:rPr lang="cs-CZ" dirty="0"/>
+              <a:t> </a:t>
+            </a:r>
+            <a:r>
+              <a:rPr lang="cs-CZ" dirty="0" err="1"/>
+              <a:t>the</a:t>
+            </a:r>
+            <a:r>
+              <a:rPr lang="cs-CZ" dirty="0"/>
+              <a:t> </a:t>
+            </a:r>
+            <a:r>
+              <a:rPr lang="cs-CZ" b="1" dirty="0" err="1"/>
+              <a:t>magnetic</a:t>
+            </a:r>
+            <a:r>
+              <a:rPr lang="cs-CZ" b="1" dirty="0"/>
+              <a:t> </a:t>
+            </a:r>
+            <a:r>
+              <a:rPr lang="cs-CZ" b="1" dirty="0" err="1"/>
+              <a:t>dipole</a:t>
+            </a:r>
+            <a:r>
+              <a:rPr lang="cs-CZ" b="1" dirty="0"/>
+              <a:t> model</a:t>
+            </a:r>
+            <a:endParaRPr lang="cs-CZ" dirty="0"/>
+          </a:p>
+          <a:p>
+            <a:pPr lvl="1"/>
+            <a:r>
+              <a:rPr lang="cs-CZ" dirty="0" err="1"/>
+              <a:t>From</a:t>
+            </a:r>
+            <a:r>
+              <a:rPr lang="cs-CZ" dirty="0"/>
+              <a:t> </a:t>
+            </a:r>
+            <a:r>
+              <a:rPr lang="cs-CZ" dirty="0" err="1"/>
+              <a:t>this</a:t>
+            </a:r>
+            <a:r>
+              <a:rPr lang="cs-CZ" dirty="0"/>
+              <a:t> </a:t>
+            </a:r>
+            <a:r>
+              <a:rPr lang="cs-CZ" dirty="0" err="1"/>
+              <a:t>we</a:t>
+            </a:r>
+            <a:r>
+              <a:rPr lang="cs-CZ" dirty="0"/>
+              <a:t> </a:t>
+            </a:r>
+            <a:r>
+              <a:rPr lang="cs-CZ" dirty="0" err="1"/>
+              <a:t>calculate</a:t>
+            </a:r>
+            <a:r>
+              <a:rPr lang="cs-CZ" dirty="0"/>
+              <a:t> </a:t>
+            </a:r>
+            <a:r>
+              <a:rPr lang="cs-CZ" dirty="0" err="1"/>
+              <a:t>the</a:t>
+            </a:r>
+            <a:r>
+              <a:rPr lang="cs-CZ" dirty="0"/>
+              <a:t> </a:t>
+            </a:r>
+            <a:r>
+              <a:rPr lang="cs-CZ" b="1" dirty="0"/>
+              <a:t>torques on </a:t>
+            </a:r>
+            <a:r>
+              <a:rPr lang="cs-CZ" b="1" dirty="0" err="1"/>
+              <a:t>all</a:t>
+            </a:r>
+            <a:r>
+              <a:rPr lang="cs-CZ" b="1" dirty="0"/>
+              <a:t> </a:t>
+            </a:r>
+            <a:r>
+              <a:rPr lang="cs-CZ" b="1" dirty="0" err="1"/>
+              <a:t>the</a:t>
+            </a:r>
+            <a:r>
+              <a:rPr lang="cs-CZ" b="1" dirty="0"/>
+              <a:t> </a:t>
+            </a:r>
+            <a:r>
+              <a:rPr lang="cs-CZ" b="1" dirty="0" err="1"/>
+              <a:t>spinners</a:t>
+            </a:r>
+            <a:r>
+              <a:rPr lang="cs-CZ" b="1" dirty="0"/>
+              <a:t>:</a:t>
+            </a:r>
+          </a:p>
+          <a:p>
+            <a:pPr lvl="1"/>
+            <a:endParaRPr lang="cs-CZ" b="1" dirty="0"/>
+          </a:p>
+          <a:p>
+            <a:pPr lvl="1"/>
+            <a:endParaRPr lang="cs-CZ" b="1" dirty="0"/>
+          </a:p>
+          <a:p>
+            <a:pPr lvl="1"/>
+            <a:endParaRPr lang="cs-CZ" b="1" dirty="0"/>
+          </a:p>
+          <a:p>
+            <a:pPr lvl="1"/>
+            <a:endParaRPr lang="cs-CZ" b="1" dirty="0"/>
+          </a:p>
+          <a:p>
+            <a:pPr lvl="1"/>
+            <a:endParaRPr lang="cs-CZ" b="1" dirty="0"/>
+          </a:p>
+          <a:p>
+            <a:pPr lvl="1"/>
+            <a:endParaRPr lang="cs-CZ" b="1" dirty="0"/>
+          </a:p>
+          <a:p>
+            <a:pPr lvl="1"/>
+            <a:endParaRPr lang="cs-CZ" b="1" dirty="0"/>
+          </a:p>
+          <a:p>
+            <a:pPr lvl="1"/>
+            <a:endParaRPr lang="cs-CZ" b="1" dirty="0"/>
+          </a:p>
+          <a:p>
+            <a:pPr lvl="1"/>
+            <a:r>
+              <a:rPr lang="cs-CZ" dirty="0" err="1"/>
+              <a:t>The</a:t>
+            </a:r>
+            <a:r>
+              <a:rPr lang="cs-CZ" dirty="0"/>
+              <a:t> </a:t>
+            </a:r>
+            <a:r>
+              <a:rPr lang="cs-CZ" dirty="0" err="1"/>
+              <a:t>simulation</a:t>
+            </a:r>
+            <a:r>
+              <a:rPr lang="cs-CZ" dirty="0"/>
+              <a:t> </a:t>
+            </a:r>
+            <a:r>
+              <a:rPr lang="cs-CZ" dirty="0" err="1"/>
+              <a:t>is</a:t>
+            </a:r>
+            <a:r>
+              <a:rPr lang="cs-CZ" dirty="0"/>
+              <a:t> </a:t>
+            </a:r>
+            <a:r>
+              <a:rPr lang="cs-CZ" dirty="0" err="1"/>
+              <a:t>further</a:t>
+            </a:r>
+            <a:r>
+              <a:rPr lang="cs-CZ" dirty="0"/>
+              <a:t> </a:t>
+            </a:r>
+            <a:r>
+              <a:rPr lang="cs-CZ" dirty="0" err="1"/>
+              <a:t>improved</a:t>
+            </a:r>
+            <a:r>
+              <a:rPr lang="cs-CZ" dirty="0"/>
+              <a:t> </a:t>
+            </a:r>
+            <a:r>
+              <a:rPr lang="cs-CZ" dirty="0" err="1"/>
+              <a:t>using</a:t>
+            </a:r>
+            <a:r>
+              <a:rPr lang="cs-CZ" dirty="0"/>
+              <a:t> </a:t>
+            </a:r>
+            <a:r>
+              <a:rPr lang="cs-CZ" b="1" dirty="0"/>
+              <a:t>RK4</a:t>
+            </a:r>
+          </a:p>
+          <a:p>
+            <a:pPr lvl="1"/>
+            <a:endParaRPr lang="en-US" dirty="0"/>
+          </a:p>
+        </p:txBody>
+      </p:sp>
+      <p:pic>
+        <p:nvPicPr>
+          <p:cNvPr id="14" name="Obrázek 13">
+            <a:extLst>
+              <a:ext uri="{FF2B5EF4-FFF2-40B4-BE49-F238E27FC236}">
+                <a16:creationId xmlns:a16="http://schemas.microsoft.com/office/drawing/2014/main" id="{B938AC7F-CCB3-3385-B701-B3FE626495A1}"/>
+              </a:ext>
+            </a:extLst>
+          </p:cNvPr>
+          <p:cNvPicPr>
+            <a:picLocks noChangeAspect="1"/>
+          </p:cNvPicPr>
+          <p:nvPr/>
+        </p:nvPicPr>
+        <p:blipFill>
+          <a:blip r:embed="rId3"/>
+          <a:stretch>
+            <a:fillRect/>
+          </a:stretch>
+        </p:blipFill>
+        <p:spPr>
+          <a:xfrm>
+            <a:off x="1524267" y="3014134"/>
+            <a:ext cx="5856312" cy="2014273"/>
+          </a:xfrm>
+          <a:prstGeom prst="rect">
+            <a:avLst/>
+          </a:prstGeom>
+        </p:spPr>
+      </p:pic>
+    </p:spTree>
+    <p:extLst>
+      <p:ext uri="{BB962C8B-B14F-4D97-AF65-F5344CB8AC3E}">
+        <p14:creationId xmlns:p14="http://schemas.microsoft.com/office/powerpoint/2010/main" val="1008499819"/>
+      </p:ext>
+    </p:extLst>
+  </p:cSld>
+  <p:clrMapOvr>
+    <a:masterClrMapping/>
+  </p:clrMapOvr>
+</p:sld>
+</file>
+
+<file path=ppt/slides/slide14.xml><?xml version="1.0" encoding="utf-8"?>
+<p:sld xmlns:a="http://schemas.openxmlformats.org/drawingml/2006/main" xmlns:r="http://schemas.openxmlformats.org/officeDocument/2006/relationships" xmlns:p="http://schemas.openxmlformats.org/presentationml/2006/main" show="0">
+  <p:cSld>
+    <p:spTree>
+      <p:nvGrpSpPr>
+        <p:cNvPr id="1" name=""/>
+        <p:cNvGrpSpPr/>
+        <p:nvPr/>
+      </p:nvGrpSpPr>
+      <p:grpSpPr>
+        <a:xfrm>
+          <a:off x="0" y="0"/>
+          <a:ext cx="0" cy="0"/>
+          <a:chOff x="0" y="0"/>
+          <a:chExt cx="0" cy="0"/>
+        </a:xfrm>
+      </p:grpSpPr>
+      <p:sp>
+        <p:nvSpPr>
+          <p:cNvPr id="2" name="Title 1">
+            <a:extLst>
+              <a:ext uri="{FF2B5EF4-FFF2-40B4-BE49-F238E27FC236}">
+                <a16:creationId xmlns:a16="http://schemas.microsoft.com/office/drawing/2014/main" id="{FD120DAF-E278-4D6C-F12B-592F5D7BF325}"/>
+              </a:ext>
+            </a:extLst>
+          </p:cNvPr>
+          <p:cNvSpPr>
+            <a:spLocks noGrp="1"/>
+          </p:cNvSpPr>
+          <p:nvPr>
+            <p:ph type="title"/>
+          </p:nvPr>
+        </p:nvSpPr>
+        <p:spPr/>
+        <p:txBody>
+          <a:bodyPr>
+            <a:normAutofit/>
+          </a:bodyPr>
+          <a:lstStyle/>
+          <a:p>
+            <a:r>
+              <a:rPr lang="en-US" dirty="0"/>
+              <a:t>Simulation</a:t>
+            </a:r>
+            <a:r>
+              <a:rPr lang="cs-CZ" dirty="0"/>
+              <a:t> – </a:t>
+            </a:r>
+            <a:r>
+              <a:rPr lang="cs-CZ" dirty="0" err="1"/>
+              <a:t>methods</a:t>
+            </a:r>
+            <a:endParaRPr lang="en-US" dirty="0"/>
+          </a:p>
+        </p:txBody>
+      </p:sp>
+      <p:sp>
+        <p:nvSpPr>
+          <p:cNvPr id="4" name="Date Placeholder 3">
+            <a:extLst>
+              <a:ext uri="{FF2B5EF4-FFF2-40B4-BE49-F238E27FC236}">
+                <a16:creationId xmlns:a16="http://schemas.microsoft.com/office/drawing/2014/main" id="{9EB83E16-1C3C-1F5F-E93E-937BE7E70ABC}"/>
+              </a:ext>
+            </a:extLst>
+          </p:cNvPr>
+          <p:cNvSpPr>
+            <a:spLocks noGrp="1"/>
+          </p:cNvSpPr>
+          <p:nvPr>
+            <p:ph type="dt" sz="half" idx="10"/>
+          </p:nvPr>
+        </p:nvSpPr>
+        <p:spPr/>
+        <p:txBody>
+          <a:bodyPr/>
+          <a:lstStyle/>
+          <a:p>
+            <a:fld id="{B62DFD89-E800-4C37-87CA-3D711DAD0426}" type="datetime1">
+              <a:rPr lang="en-US" smtClean="0"/>
+              <a:t>12/9/2023</a:t>
+            </a:fld>
+            <a:endParaRPr lang="en-US"/>
+          </a:p>
+        </p:txBody>
+      </p:sp>
+      <p:sp>
+        <p:nvSpPr>
+          <p:cNvPr id="5" name="Footer Placeholder 4">
+            <a:extLst>
+              <a:ext uri="{FF2B5EF4-FFF2-40B4-BE49-F238E27FC236}">
+                <a16:creationId xmlns:a16="http://schemas.microsoft.com/office/drawing/2014/main" id="{270D40D2-573F-FE03-4889-DADE522AC736}"/>
+              </a:ext>
+            </a:extLst>
+          </p:cNvPr>
+          <p:cNvSpPr>
+            <a:spLocks noGrp="1"/>
+          </p:cNvSpPr>
+          <p:nvPr>
+            <p:ph type="ftr" sz="quarter" idx="11"/>
+          </p:nvPr>
+        </p:nvSpPr>
+        <p:spPr/>
+        <p:txBody>
+          <a:bodyPr/>
+          <a:lstStyle/>
+          <a:p>
+            <a:r>
+              <a:rPr lang="cs-CZ"/>
+              <a:t>GCHD – 2023/24</a:t>
+            </a:r>
+            <a:endParaRPr lang="en-US" dirty="0"/>
+          </a:p>
+        </p:txBody>
+      </p:sp>
+      <p:sp>
+        <p:nvSpPr>
+          <p:cNvPr id="6" name="Slide Number Placeholder 5">
+            <a:extLst>
+              <a:ext uri="{FF2B5EF4-FFF2-40B4-BE49-F238E27FC236}">
+                <a16:creationId xmlns:a16="http://schemas.microsoft.com/office/drawing/2014/main" id="{9876F68C-9F19-2155-6061-37C66F5C38AF}"/>
+              </a:ext>
+            </a:extLst>
+          </p:cNvPr>
+          <p:cNvSpPr>
+            <a:spLocks noGrp="1"/>
+          </p:cNvSpPr>
+          <p:nvPr>
+            <p:ph type="sldNum" sz="quarter" idx="12"/>
+          </p:nvPr>
+        </p:nvSpPr>
+        <p:spPr/>
+        <p:txBody>
+          <a:bodyPr/>
+          <a:lstStyle/>
+          <a:p>
+            <a:fld id="{E97BF2D3-8D9B-4E9F-804F-8E7615F22F9D}" type="slidenum">
+              <a:rPr lang="en-US" smtClean="0"/>
+              <a:t>14</a:t>
+            </a:fld>
+            <a:endParaRPr lang="en-US"/>
+          </a:p>
+        </p:txBody>
+      </p:sp>
+      <p:sp>
+        <p:nvSpPr>
+          <p:cNvPr id="7" name="Text Placeholder 6">
+            <a:extLst>
+              <a:ext uri="{FF2B5EF4-FFF2-40B4-BE49-F238E27FC236}">
+                <a16:creationId xmlns:a16="http://schemas.microsoft.com/office/drawing/2014/main" id="{4CD78A18-5EFF-D6C2-1A95-857D4A3DB10F}"/>
+              </a:ext>
+            </a:extLst>
+          </p:cNvPr>
+          <p:cNvSpPr>
+            <a:spLocks noGrp="1"/>
+          </p:cNvSpPr>
+          <p:nvPr>
+            <p:ph type="body" sz="quarter" idx="13"/>
+          </p:nvPr>
+        </p:nvSpPr>
+        <p:spPr/>
+        <p:txBody>
+          <a:bodyPr/>
+          <a:lstStyle/>
+          <a:p>
+            <a:r>
+              <a:rPr lang="cs-CZ" dirty="0" err="1"/>
+              <a:t>Additional</a:t>
+            </a:r>
+            <a:r>
+              <a:rPr lang="cs-CZ" dirty="0"/>
+              <a:t> </a:t>
+            </a:r>
+            <a:r>
+              <a:rPr lang="cs-CZ" dirty="0" err="1"/>
+              <a:t>information</a:t>
+            </a:r>
+            <a:endParaRPr lang="en-US" dirty="0"/>
+          </a:p>
+        </p:txBody>
+      </p:sp>
+      <p:pic>
+        <p:nvPicPr>
+          <p:cNvPr id="9" name="Zástupný obsah 8" descr="Obsah obrázku text, řada/pruh, Písmo, typografie&#10;&#10;Popis byl vytvořen automaticky">
+            <a:extLst>
+              <a:ext uri="{FF2B5EF4-FFF2-40B4-BE49-F238E27FC236}">
+                <a16:creationId xmlns:a16="http://schemas.microsoft.com/office/drawing/2014/main" id="{D0D41108-9000-B9B4-A2CC-E81494CEDC5E}"/>
+              </a:ext>
+            </a:extLst>
+          </p:cNvPr>
+          <p:cNvPicPr>
+            <a:picLocks noGrp="1" noChangeAspect="1"/>
+          </p:cNvPicPr>
+          <p:nvPr>
+            <p:ph idx="1"/>
+          </p:nvPr>
+        </p:nvPicPr>
+        <p:blipFill rotWithShape="1">
+          <a:blip r:embed="rId3">
+            <a:extLst>
+              <a:ext uri="{28A0092B-C50C-407E-A947-70E740481C1C}">
+                <a14:useLocalDpi xmlns:a14="http://schemas.microsoft.com/office/drawing/2010/main" val="0"/>
+              </a:ext>
+            </a:extLst>
+          </a:blip>
+          <a:srcRect l="8610" t="10124" r="8658" b="4543"/>
+          <a:stretch/>
+        </p:blipFill>
+        <p:spPr>
+          <a:xfrm>
+            <a:off x="3409244" y="1401151"/>
+            <a:ext cx="8647290" cy="4883175"/>
+          </a:xfrm>
+        </p:spPr>
+      </p:pic>
+      <mc:AlternateContent xmlns:mc="http://schemas.openxmlformats.org/markup-compatibility/2006">
+        <mc:Choice xmlns:a14="http://schemas.microsoft.com/office/drawing/2010/main" Requires="a14">
+          <p:sp>
+            <p:nvSpPr>
+              <p:cNvPr id="10" name="TextovéPole 9">
+                <a:extLst>
+                  <a:ext uri="{FF2B5EF4-FFF2-40B4-BE49-F238E27FC236}">
+                    <a16:creationId xmlns:a16="http://schemas.microsoft.com/office/drawing/2014/main" id="{36ACC596-B59C-FD6D-8024-456F4A09A396}"/>
+                  </a:ext>
+                </a:extLst>
+              </p:cNvPr>
+              <p:cNvSpPr txBox="1"/>
+              <p:nvPr/>
+            </p:nvSpPr>
+            <p:spPr>
+              <a:xfrm>
+                <a:off x="747324" y="1714948"/>
+                <a:ext cx="2661919" cy="2862322"/>
+              </a:xfrm>
+              <a:prstGeom prst="rect">
+                <a:avLst/>
+              </a:prstGeom>
+              <a:noFill/>
+            </p:spPr>
+            <p:txBody>
+              <a:bodyPr wrap="square" rtlCol="0">
+                <a:spAutoFit/>
+              </a:bodyPr>
+              <a:lstStyle/>
+              <a:p>
+                <a14:m>
+                  <m:oMathPara xmlns:m="http://schemas.openxmlformats.org/officeDocument/2006/math">
+                    <m:oMathParaPr>
+                      <m:jc m:val="centerGroup"/>
+                    </m:oMathParaPr>
+                    <m:oMath xmlns:m="http://schemas.openxmlformats.org/officeDocument/2006/math">
+                      <m:r>
+                        <a:rPr lang="cs-CZ" b="0" i="1" smtClean="0">
+                          <a:latin typeface="Cambria Math" panose="02040503050406030204" pitchFamily="18" charset="0"/>
+                        </a:rPr>
+                        <m:t>𝑑𝑡</m:t>
+                      </m:r>
+                      <m:r>
+                        <a:rPr lang="cs-CZ" b="0" i="1" smtClean="0">
+                          <a:latin typeface="Cambria Math" panose="02040503050406030204" pitchFamily="18" charset="0"/>
+                        </a:rPr>
+                        <m:t>=0.0001</m:t>
+                      </m:r>
+                      <m:r>
+                        <a:rPr lang="cs-CZ" b="0" i="1" smtClean="0">
+                          <a:latin typeface="Cambria Math" panose="02040503050406030204" pitchFamily="18" charset="0"/>
+                        </a:rPr>
+                        <m:t>𝑠</m:t>
+                      </m:r>
+                    </m:oMath>
+                  </m:oMathPara>
+                </a14:m>
+                <a:endParaRPr lang="en-US" b="0" dirty="0"/>
+              </a:p>
+              <a:p>
+                <a:endParaRPr lang="en-US" dirty="0"/>
+              </a:p>
+              <a:p>
+                <a:r>
+                  <a:rPr lang="en-US" b="1" dirty="0"/>
+                  <a:t>Tested RK methods</a:t>
+                </a:r>
+                <a:r>
+                  <a:rPr lang="cs-CZ" b="1" dirty="0"/>
+                  <a:t>:</a:t>
+                </a:r>
+              </a:p>
+              <a:p>
+                <a:r>
+                  <a:rPr lang="cs-CZ" dirty="0"/>
+                  <a:t>Euler </a:t>
+                </a:r>
+                <a:r>
+                  <a:rPr lang="cs-CZ" dirty="0" err="1"/>
+                  <a:t>method</a:t>
+                </a:r>
+                <a:endParaRPr lang="cs-CZ" dirty="0"/>
+              </a:p>
+              <a:p>
+                <a:r>
+                  <a:rPr lang="cs-CZ" dirty="0" err="1"/>
+                  <a:t>Midpoint</a:t>
+                </a:r>
+                <a:r>
+                  <a:rPr lang="cs-CZ" dirty="0"/>
+                  <a:t> </a:t>
+                </a:r>
+                <a:r>
+                  <a:rPr lang="cs-CZ" dirty="0" err="1"/>
+                  <a:t>method</a:t>
+                </a:r>
+                <a:endParaRPr lang="cs-CZ" dirty="0"/>
+              </a:p>
+              <a:p>
+                <a:r>
+                  <a:rPr lang="cs-CZ" i="1" dirty="0" err="1"/>
+                  <a:t>Heun‘s</a:t>
+                </a:r>
+                <a:r>
+                  <a:rPr lang="cs-CZ" i="1" dirty="0"/>
+                  <a:t> </a:t>
+                </a:r>
+                <a:r>
+                  <a:rPr lang="cs-CZ" i="1" dirty="0" err="1"/>
+                  <a:t>method</a:t>
+                </a:r>
+                <a:endParaRPr lang="cs-CZ" i="1" dirty="0"/>
+              </a:p>
+              <a:p>
+                <a:r>
+                  <a:rPr lang="cs-CZ" i="1" dirty="0" err="1"/>
+                  <a:t>Ralston‘s</a:t>
+                </a:r>
+                <a:r>
+                  <a:rPr lang="cs-CZ" i="1" dirty="0"/>
+                  <a:t> </a:t>
+                </a:r>
+                <a:r>
+                  <a:rPr lang="cs-CZ" i="1" dirty="0" err="1"/>
+                  <a:t>method</a:t>
+                </a:r>
+                <a:endParaRPr lang="cs-CZ" i="1" dirty="0"/>
+              </a:p>
+              <a:p>
+                <a:r>
+                  <a:rPr lang="cs-CZ" dirty="0"/>
+                  <a:t>3/8-rule</a:t>
+                </a:r>
+              </a:p>
+              <a:p>
+                <a:r>
+                  <a:rPr lang="cs-CZ" dirty="0"/>
+                  <a:t>RK4</a:t>
+                </a:r>
+              </a:p>
+              <a:p>
+                <a:r>
+                  <a:rPr lang="cs-CZ" dirty="0" err="1"/>
+                  <a:t>Ralston‘s</a:t>
+                </a:r>
+                <a:r>
+                  <a:rPr lang="cs-CZ" dirty="0"/>
+                  <a:t> </a:t>
+                </a:r>
+                <a:r>
+                  <a:rPr lang="cs-CZ" dirty="0" err="1"/>
+                  <a:t>fourth</a:t>
+                </a:r>
+                <a:r>
+                  <a:rPr lang="cs-CZ" dirty="0"/>
+                  <a:t> </a:t>
+                </a:r>
+                <a:r>
+                  <a:rPr lang="cs-CZ" dirty="0" err="1"/>
+                  <a:t>order</a:t>
+                </a:r>
+                <a:endParaRPr lang="en-US" dirty="0"/>
+              </a:p>
+            </p:txBody>
+          </p:sp>
+        </mc:Choice>
+        <mc:Fallback>
+          <p:sp>
+            <p:nvSpPr>
+              <p:cNvPr id="10" name="TextovéPole 9">
+                <a:extLst>
+                  <a:ext uri="{FF2B5EF4-FFF2-40B4-BE49-F238E27FC236}">
+                    <a16:creationId xmlns:a16="http://schemas.microsoft.com/office/drawing/2014/main" id="{36ACC596-B59C-FD6D-8024-456F4A09A396}"/>
+                  </a:ext>
+                </a:extLst>
+              </p:cNvPr>
+              <p:cNvSpPr txBox="1">
+                <a:spLocks noRot="1" noChangeAspect="1" noMove="1" noResize="1" noEditPoints="1" noAdjustHandles="1" noChangeArrowheads="1" noChangeShapeType="1" noTextEdit="1"/>
+              </p:cNvSpPr>
+              <p:nvPr/>
+            </p:nvSpPr>
+            <p:spPr>
+              <a:xfrm>
+                <a:off x="747324" y="1714948"/>
+                <a:ext cx="2661919" cy="2862322"/>
+              </a:xfrm>
+              <a:prstGeom prst="rect">
+                <a:avLst/>
+              </a:prstGeom>
+              <a:blipFill>
+                <a:blip r:embed="rId4"/>
+                <a:stretch>
+                  <a:fillRect l="-2064" b="-2340"/>
+                </a:stretch>
+              </a:blipFill>
+            </p:spPr>
+            <p:txBody>
+              <a:bodyPr/>
+              <a:lstStyle/>
+              <a:p>
+                <a:r>
+                  <a:rPr lang="en-US">
+                    <a:noFill/>
+                  </a:rPr>
+                  <a:t> </a:t>
+                </a:r>
+              </a:p>
+            </p:txBody>
+          </p:sp>
+        </mc:Fallback>
+      </mc:AlternateContent>
+    </p:spTree>
+    <p:extLst>
+      <p:ext uri="{BB962C8B-B14F-4D97-AF65-F5344CB8AC3E}">
+        <p14:creationId xmlns:p14="http://schemas.microsoft.com/office/powerpoint/2010/main" val="845364995"/>
+      </p:ext>
+    </p:extLst>
+  </p:cSld>
+  <p:clrMapOvr>
+    <a:masterClrMapping/>
+  </p:clrMapOvr>
+</p:sld>
+</file>
+
+<file path=ppt/slides/slide15.xml><?xml version="1.0" encoding="utf-8"?>
+<p:sld xmlns:a="http://schemas.openxmlformats.org/drawingml/2006/main" xmlns:r="http://schemas.openxmlformats.org/officeDocument/2006/relationships" xmlns:p="http://schemas.openxmlformats.org/presentationml/2006/main" show="0">
+  <p:cSld>
+    <p:spTree>
+      <p:nvGrpSpPr>
+        <p:cNvPr id="1" name=""/>
+        <p:cNvGrpSpPr/>
+        <p:nvPr/>
+      </p:nvGrpSpPr>
+      <p:grpSpPr>
+        <a:xfrm>
+          <a:off x="0" y="0"/>
+          <a:ext cx="0" cy="0"/>
+          <a:chOff x="0" y="0"/>
+          <a:chExt cx="0" cy="0"/>
+        </a:xfrm>
+      </p:grpSpPr>
+      <p:sp>
+        <p:nvSpPr>
+          <p:cNvPr id="2" name="Title 1">
+            <a:extLst>
+              <a:ext uri="{FF2B5EF4-FFF2-40B4-BE49-F238E27FC236}">
+                <a16:creationId xmlns:a16="http://schemas.microsoft.com/office/drawing/2014/main" id="{FD120DAF-E278-4D6C-F12B-592F5D7BF325}"/>
+              </a:ext>
+            </a:extLst>
+          </p:cNvPr>
+          <p:cNvSpPr>
+            <a:spLocks noGrp="1"/>
+          </p:cNvSpPr>
+          <p:nvPr>
+            <p:ph type="title"/>
+          </p:nvPr>
+        </p:nvSpPr>
+        <p:spPr/>
+        <p:txBody>
+          <a:bodyPr>
+            <a:normAutofit/>
+          </a:bodyPr>
+          <a:lstStyle/>
+          <a:p>
+            <a:r>
+              <a:rPr lang="en-US" dirty="0"/>
+              <a:t>Simulation</a:t>
+            </a:r>
+            <a:r>
+              <a:rPr lang="cs-CZ" dirty="0"/>
+              <a:t> – </a:t>
+            </a:r>
+            <a:r>
+              <a:rPr lang="cs-CZ" dirty="0" err="1"/>
+              <a:t>methods</a:t>
+            </a:r>
+            <a:endParaRPr lang="en-US" dirty="0"/>
+          </a:p>
+        </p:txBody>
+      </p:sp>
+      <p:sp>
+        <p:nvSpPr>
+          <p:cNvPr id="4" name="Date Placeholder 3">
+            <a:extLst>
+              <a:ext uri="{FF2B5EF4-FFF2-40B4-BE49-F238E27FC236}">
+                <a16:creationId xmlns:a16="http://schemas.microsoft.com/office/drawing/2014/main" id="{9EB83E16-1C3C-1F5F-E93E-937BE7E70ABC}"/>
+              </a:ext>
+            </a:extLst>
+          </p:cNvPr>
+          <p:cNvSpPr>
+            <a:spLocks noGrp="1"/>
+          </p:cNvSpPr>
+          <p:nvPr>
+            <p:ph type="dt" sz="half" idx="10"/>
+          </p:nvPr>
+        </p:nvSpPr>
+        <p:spPr/>
+        <p:txBody>
+          <a:bodyPr/>
+          <a:lstStyle/>
+          <a:p>
+            <a:fld id="{B62DFD89-E800-4C37-87CA-3D711DAD0426}" type="datetime1">
+              <a:rPr lang="en-US" smtClean="0"/>
+              <a:t>12/9/2023</a:t>
+            </a:fld>
+            <a:endParaRPr lang="en-US"/>
+          </a:p>
+        </p:txBody>
+      </p:sp>
+      <p:sp>
+        <p:nvSpPr>
+          <p:cNvPr id="5" name="Footer Placeholder 4">
+            <a:extLst>
+              <a:ext uri="{FF2B5EF4-FFF2-40B4-BE49-F238E27FC236}">
+                <a16:creationId xmlns:a16="http://schemas.microsoft.com/office/drawing/2014/main" id="{270D40D2-573F-FE03-4889-DADE522AC736}"/>
+              </a:ext>
+            </a:extLst>
+          </p:cNvPr>
+          <p:cNvSpPr>
+            <a:spLocks noGrp="1"/>
+          </p:cNvSpPr>
+          <p:nvPr>
+            <p:ph type="ftr" sz="quarter" idx="11"/>
+          </p:nvPr>
+        </p:nvSpPr>
+        <p:spPr/>
+        <p:txBody>
+          <a:bodyPr/>
+          <a:lstStyle/>
+          <a:p>
+            <a:r>
+              <a:rPr lang="cs-CZ"/>
+              <a:t>GCHD – 2023/24</a:t>
+            </a:r>
+            <a:endParaRPr lang="en-US" dirty="0"/>
+          </a:p>
+        </p:txBody>
+      </p:sp>
+      <p:sp>
+        <p:nvSpPr>
+          <p:cNvPr id="6" name="Slide Number Placeholder 5">
+            <a:extLst>
+              <a:ext uri="{FF2B5EF4-FFF2-40B4-BE49-F238E27FC236}">
+                <a16:creationId xmlns:a16="http://schemas.microsoft.com/office/drawing/2014/main" id="{9876F68C-9F19-2155-6061-37C66F5C38AF}"/>
+              </a:ext>
+            </a:extLst>
+          </p:cNvPr>
+          <p:cNvSpPr>
+            <a:spLocks noGrp="1"/>
+          </p:cNvSpPr>
+          <p:nvPr>
+            <p:ph type="sldNum" sz="quarter" idx="12"/>
+          </p:nvPr>
+        </p:nvSpPr>
+        <p:spPr/>
+        <p:txBody>
+          <a:bodyPr/>
+          <a:lstStyle/>
+          <a:p>
+            <a:fld id="{E97BF2D3-8D9B-4E9F-804F-8E7615F22F9D}" type="slidenum">
+              <a:rPr lang="en-US" smtClean="0"/>
+              <a:t>15</a:t>
+            </a:fld>
+            <a:endParaRPr lang="en-US"/>
+          </a:p>
+        </p:txBody>
+      </p:sp>
+      <p:sp>
+        <p:nvSpPr>
+          <p:cNvPr id="7" name="Text Placeholder 6">
+            <a:extLst>
+              <a:ext uri="{FF2B5EF4-FFF2-40B4-BE49-F238E27FC236}">
+                <a16:creationId xmlns:a16="http://schemas.microsoft.com/office/drawing/2014/main" id="{4CD78A18-5EFF-D6C2-1A95-857D4A3DB10F}"/>
+              </a:ext>
+            </a:extLst>
+          </p:cNvPr>
+          <p:cNvSpPr>
+            <a:spLocks noGrp="1"/>
+          </p:cNvSpPr>
+          <p:nvPr>
+            <p:ph type="body" sz="quarter" idx="13"/>
+          </p:nvPr>
+        </p:nvSpPr>
+        <p:spPr/>
+        <p:txBody>
+          <a:bodyPr/>
+          <a:lstStyle/>
+          <a:p>
+            <a:r>
+              <a:rPr lang="cs-CZ" dirty="0" err="1"/>
+              <a:t>Additional</a:t>
+            </a:r>
+            <a:r>
+              <a:rPr lang="cs-CZ" dirty="0"/>
+              <a:t> </a:t>
+            </a:r>
+            <a:r>
+              <a:rPr lang="cs-CZ" dirty="0" err="1"/>
+              <a:t>information</a:t>
+            </a:r>
+            <a:endParaRPr lang="en-US" dirty="0"/>
+          </a:p>
+        </p:txBody>
+      </p:sp>
+      <p:sp>
+        <p:nvSpPr>
+          <p:cNvPr id="8" name="Zástupný obsah 7">
+            <a:extLst>
+              <a:ext uri="{FF2B5EF4-FFF2-40B4-BE49-F238E27FC236}">
+                <a16:creationId xmlns:a16="http://schemas.microsoft.com/office/drawing/2014/main" id="{687188B3-2AF9-CF8C-63C3-7DE7F1BFF831}"/>
+              </a:ext>
+            </a:extLst>
+          </p:cNvPr>
+          <p:cNvSpPr>
+            <a:spLocks noGrp="1"/>
+          </p:cNvSpPr>
+          <p:nvPr>
+            <p:ph idx="1"/>
+          </p:nvPr>
+        </p:nvSpPr>
+        <p:spPr>
+          <a:xfrm>
+            <a:off x="1097280" y="1624637"/>
+            <a:ext cx="3596640" cy="4244457"/>
+          </a:xfrm>
+        </p:spPr>
+        <p:txBody>
+          <a:bodyPr/>
+          <a:lstStyle/>
+          <a:p>
+            <a:r>
+              <a:rPr lang="cs-CZ" b="1" dirty="0"/>
+              <a:t>Single RK4 </a:t>
+            </a:r>
+            <a:r>
+              <a:rPr lang="cs-CZ" b="1" dirty="0" err="1"/>
+              <a:t>pass</a:t>
+            </a:r>
+            <a:r>
+              <a:rPr lang="cs-CZ" b="1" dirty="0"/>
+              <a:t> </a:t>
+            </a:r>
+            <a:r>
+              <a:rPr lang="cs-CZ" i="1" dirty="0"/>
+              <a:t>(blue)</a:t>
+            </a:r>
+            <a:r>
+              <a:rPr lang="cs-CZ" dirty="0"/>
+              <a:t> versus</a:t>
+            </a:r>
+          </a:p>
+          <a:p>
+            <a:r>
+              <a:rPr lang="cs-CZ" b="1" dirty="0"/>
+              <a:t>Double RK4 </a:t>
+            </a:r>
+            <a:r>
+              <a:rPr lang="cs-CZ" b="1" dirty="0" err="1"/>
+              <a:t>pass</a:t>
+            </a:r>
+            <a:r>
+              <a:rPr lang="cs-CZ" b="1" dirty="0"/>
+              <a:t> </a:t>
+            </a:r>
+            <a:r>
+              <a:rPr lang="cs-CZ" i="1" dirty="0"/>
+              <a:t>(</a:t>
+            </a:r>
+            <a:r>
+              <a:rPr lang="cs-CZ" i="1" dirty="0" err="1"/>
+              <a:t>orange</a:t>
+            </a:r>
+            <a:r>
+              <a:rPr lang="cs-CZ" i="1" dirty="0"/>
+              <a:t>)</a:t>
+            </a:r>
+            <a:endParaRPr lang="en-US" i="1" dirty="0"/>
+          </a:p>
+        </p:txBody>
+      </p:sp>
+      <p:pic>
+        <p:nvPicPr>
+          <p:cNvPr id="12" name="Obrázek 11">
+            <a:extLst>
+              <a:ext uri="{FF2B5EF4-FFF2-40B4-BE49-F238E27FC236}">
+                <a16:creationId xmlns:a16="http://schemas.microsoft.com/office/drawing/2014/main" id="{7D0D0C6D-69BD-D409-895F-B6AC232088CF}"/>
+              </a:ext>
+            </a:extLst>
+          </p:cNvPr>
+          <p:cNvPicPr>
+            <a:picLocks noChangeAspect="1"/>
+          </p:cNvPicPr>
+          <p:nvPr/>
+        </p:nvPicPr>
+        <p:blipFill>
+          <a:blip r:embed="rId3"/>
+          <a:stretch>
+            <a:fillRect/>
+          </a:stretch>
+        </p:blipFill>
+        <p:spPr>
+          <a:xfrm>
+            <a:off x="4693920" y="1484694"/>
+            <a:ext cx="7052979" cy="4679746"/>
+          </a:xfrm>
+          <a:prstGeom prst="rect">
+            <a:avLst/>
+          </a:prstGeom>
+        </p:spPr>
+      </p:pic>
+      <p:pic>
+        <p:nvPicPr>
+          <p:cNvPr id="13" name="Obrázek 12">
+            <a:extLst>
+              <a:ext uri="{FF2B5EF4-FFF2-40B4-BE49-F238E27FC236}">
+                <a16:creationId xmlns:a16="http://schemas.microsoft.com/office/drawing/2014/main" id="{FC7E31DF-EBEF-EFDD-B7F9-C8E8CB98773F}"/>
+              </a:ext>
+            </a:extLst>
+          </p:cNvPr>
+          <p:cNvPicPr>
+            <a:picLocks noChangeAspect="1"/>
+          </p:cNvPicPr>
+          <p:nvPr/>
+        </p:nvPicPr>
+        <p:blipFill>
+          <a:blip r:embed="rId4"/>
+          <a:stretch>
+            <a:fillRect/>
+          </a:stretch>
+        </p:blipFill>
+        <p:spPr>
+          <a:xfrm>
+            <a:off x="688108" y="2704217"/>
+            <a:ext cx="3290613" cy="3312550"/>
+          </a:xfrm>
+          <a:prstGeom prst="rect">
+            <a:avLst/>
+          </a:prstGeom>
+        </p:spPr>
+      </p:pic>
+    </p:spTree>
+    <p:extLst>
+      <p:ext uri="{BB962C8B-B14F-4D97-AF65-F5344CB8AC3E}">
+        <p14:creationId xmlns:p14="http://schemas.microsoft.com/office/powerpoint/2010/main" val="1361021809"/>
+      </p:ext>
+    </p:extLst>
+  </p:cSld>
+  <p:clrMapOvr>
+    <a:masterClrMapping/>
+  </p:clrMapOvr>
+</p:sld>
+</file>
+
+<file path=ppt/slides/slide16.xml><?xml version="1.0" encoding="utf-8"?>
+<p:sld xmlns:a="http://schemas.openxmlformats.org/drawingml/2006/main" xmlns:r="http://schemas.openxmlformats.org/officeDocument/2006/relationships" xmlns:p="http://schemas.openxmlformats.org/presentationml/2006/main">
+  <p:cSld>
+    <p:spTree>
+      <p:nvGrpSpPr>
+        <p:cNvPr id="1" name=""/>
+        <p:cNvGrpSpPr/>
+        <p:nvPr/>
+      </p:nvGrpSpPr>
+      <p:grpSpPr>
+        <a:xfrm>
+          <a:off x="0" y="0"/>
+          <a:ext cx="0" cy="0"/>
+          <a:chOff x="0" y="0"/>
+          <a:chExt cx="0" cy="0"/>
+        </a:xfrm>
+      </p:grpSpPr>
+      <p:sp>
+        <p:nvSpPr>
+          <p:cNvPr id="2" name="Nadpis 1">
+            <a:extLst>
+              <a:ext uri="{FF2B5EF4-FFF2-40B4-BE49-F238E27FC236}">
+                <a16:creationId xmlns:a16="http://schemas.microsoft.com/office/drawing/2014/main" id="{BAFBCFCE-27D2-7F3B-847E-D388049F2CFD}"/>
+              </a:ext>
+            </a:extLst>
+          </p:cNvPr>
+          <p:cNvSpPr>
+            <a:spLocks noGrp="1"/>
+          </p:cNvSpPr>
+          <p:nvPr>
+            <p:ph type="title"/>
+          </p:nvPr>
+        </p:nvSpPr>
+        <p:spPr/>
+        <p:txBody>
+          <a:bodyPr/>
+          <a:lstStyle/>
+          <a:p>
+            <a:r>
+              <a:rPr lang="cs-CZ" dirty="0" err="1"/>
+              <a:t>Magnetic</a:t>
+            </a:r>
+            <a:r>
+              <a:rPr lang="cs-CZ" dirty="0"/>
+              <a:t> </a:t>
+            </a:r>
+            <a:r>
+              <a:rPr lang="cs-CZ" dirty="0" err="1"/>
+              <a:t>coupling</a:t>
+            </a:r>
+            <a:r>
+              <a:rPr lang="cs-CZ" dirty="0"/>
+              <a:t> </a:t>
+            </a:r>
+            <a:r>
+              <a:rPr lang="cs-CZ" dirty="0" err="1"/>
+              <a:t>theory</a:t>
+            </a:r>
+            <a:endParaRPr lang="en-US" dirty="0"/>
+          </a:p>
+        </p:txBody>
+      </p:sp>
+      <p:sp>
+        <p:nvSpPr>
+          <p:cNvPr id="3" name="Zástupný obsah 2">
+            <a:extLst>
+              <a:ext uri="{FF2B5EF4-FFF2-40B4-BE49-F238E27FC236}">
+                <a16:creationId xmlns:a16="http://schemas.microsoft.com/office/drawing/2014/main" id="{3E599600-475E-9806-5A5D-9EB5F4D76449}"/>
+              </a:ext>
+            </a:extLst>
+          </p:cNvPr>
+          <p:cNvSpPr>
+            <a:spLocks noGrp="1"/>
+          </p:cNvSpPr>
+          <p:nvPr>
+            <p:ph idx="1"/>
+          </p:nvPr>
+        </p:nvSpPr>
+        <p:spPr>
+          <a:xfrm>
+            <a:off x="1097280" y="1424756"/>
+            <a:ext cx="10115204" cy="4444338"/>
+          </a:xfrm>
+        </p:spPr>
+        <p:txBody>
+          <a:bodyPr/>
+          <a:lstStyle/>
+          <a:p>
+            <a:r>
+              <a:rPr lang="cs-CZ" dirty="0"/>
+              <a:t> </a:t>
+            </a:r>
+            <a:r>
+              <a:rPr lang="cs-CZ" dirty="0" err="1"/>
+              <a:t>Two</a:t>
+            </a:r>
+            <a:r>
+              <a:rPr lang="cs-CZ" dirty="0"/>
+              <a:t> </a:t>
+            </a:r>
+            <a:r>
+              <a:rPr lang="cs-CZ" dirty="0" err="1"/>
+              <a:t>spinners</a:t>
+            </a:r>
+            <a:r>
+              <a:rPr lang="cs-CZ" dirty="0"/>
+              <a:t> (</a:t>
+            </a:r>
+            <a:r>
+              <a:rPr lang="cs-CZ" b="1" i="1" dirty="0" err="1"/>
+              <a:t>one</a:t>
+            </a:r>
+            <a:r>
+              <a:rPr lang="cs-CZ" b="1" i="1" dirty="0"/>
+              <a:t> </a:t>
+            </a:r>
+            <a:r>
+              <a:rPr lang="cs-CZ" b="1" i="1" dirty="0" err="1"/>
+              <a:t>driven</a:t>
+            </a:r>
+            <a:r>
+              <a:rPr lang="cs-CZ" dirty="0"/>
+              <a:t>) </a:t>
+            </a:r>
+            <a:r>
+              <a:rPr lang="cs-CZ" dirty="0" err="1"/>
+              <a:t>rotating</a:t>
+            </a:r>
+            <a:r>
+              <a:rPr lang="cs-CZ" dirty="0"/>
+              <a:t> </a:t>
+            </a:r>
+            <a:r>
+              <a:rPr lang="cs-CZ" dirty="0" err="1"/>
+              <a:t>at</a:t>
+            </a:r>
+            <a:r>
+              <a:rPr lang="cs-CZ" dirty="0"/>
+              <a:t> </a:t>
+            </a:r>
+            <a:r>
+              <a:rPr lang="cs-CZ" b="1" dirty="0" err="1"/>
+              <a:t>roughly</a:t>
+            </a:r>
+            <a:r>
+              <a:rPr lang="cs-CZ" b="1" dirty="0"/>
+              <a:t> </a:t>
+            </a:r>
+            <a:r>
+              <a:rPr lang="cs-CZ" b="1" dirty="0" err="1"/>
+              <a:t>the</a:t>
+            </a:r>
+            <a:r>
+              <a:rPr lang="cs-CZ" b="1" dirty="0"/>
+              <a:t> </a:t>
+            </a:r>
+            <a:r>
+              <a:rPr lang="cs-CZ" b="1" dirty="0" err="1"/>
+              <a:t>same</a:t>
+            </a:r>
+            <a:r>
+              <a:rPr lang="cs-CZ" b="1" dirty="0"/>
+              <a:t> </a:t>
+            </a:r>
+            <a:r>
+              <a:rPr lang="cs-CZ" b="1" dirty="0" err="1"/>
+              <a:t>velocity</a:t>
+            </a:r>
+            <a:r>
+              <a:rPr lang="cs-CZ" dirty="0"/>
+              <a:t> =&gt; </a:t>
+            </a:r>
+            <a:r>
+              <a:rPr lang="cs-CZ" b="1" dirty="0" err="1"/>
+              <a:t>coupled</a:t>
+            </a:r>
+            <a:endParaRPr lang="cs-CZ" dirty="0"/>
+          </a:p>
+          <a:p>
+            <a:r>
+              <a:rPr lang="cs-CZ" b="1" dirty="0" err="1"/>
+              <a:t>Gradual</a:t>
+            </a:r>
+            <a:r>
+              <a:rPr lang="cs-CZ" dirty="0"/>
+              <a:t> </a:t>
+            </a:r>
+            <a:r>
+              <a:rPr lang="cs-CZ" dirty="0" err="1"/>
+              <a:t>changes</a:t>
+            </a:r>
+            <a:r>
+              <a:rPr lang="cs-CZ" dirty="0"/>
+              <a:t> </a:t>
+            </a:r>
+            <a:r>
+              <a:rPr lang="cs-CZ" b="1" dirty="0"/>
+              <a:t>do not </a:t>
+            </a:r>
+            <a:r>
+              <a:rPr lang="cs-CZ" b="1" dirty="0" err="1"/>
+              <a:t>break</a:t>
+            </a:r>
+            <a:r>
+              <a:rPr lang="cs-CZ" b="1" dirty="0"/>
+              <a:t> </a:t>
+            </a:r>
+            <a:r>
+              <a:rPr lang="cs-CZ" dirty="0" err="1"/>
+              <a:t>the</a:t>
+            </a:r>
+            <a:r>
+              <a:rPr lang="cs-CZ" dirty="0"/>
+              <a:t> </a:t>
+            </a:r>
+            <a:r>
+              <a:rPr lang="cs-CZ" dirty="0" err="1"/>
+              <a:t>coupling</a:t>
+            </a:r>
+            <a:r>
+              <a:rPr lang="cs-CZ" dirty="0"/>
+              <a:t>; </a:t>
+            </a:r>
+            <a:r>
+              <a:rPr lang="cs-CZ" b="1" dirty="0" err="1"/>
+              <a:t>abrupt</a:t>
+            </a:r>
+            <a:r>
+              <a:rPr lang="cs-CZ" dirty="0"/>
+              <a:t> </a:t>
+            </a:r>
+            <a:r>
+              <a:rPr lang="cs-CZ" dirty="0" err="1"/>
+              <a:t>changes</a:t>
+            </a:r>
+            <a:r>
+              <a:rPr lang="cs-CZ" dirty="0"/>
+              <a:t> </a:t>
+            </a:r>
+            <a:r>
+              <a:rPr lang="cs-CZ" b="1" dirty="0"/>
+              <a:t>do</a:t>
+            </a:r>
+          </a:p>
+          <a:p>
+            <a:r>
+              <a:rPr lang="cs-CZ" dirty="0" err="1"/>
+              <a:t>The</a:t>
+            </a:r>
+            <a:r>
+              <a:rPr lang="cs-CZ" dirty="0"/>
+              <a:t> </a:t>
+            </a:r>
+            <a:r>
+              <a:rPr lang="cs-CZ" b="1" dirty="0" err="1"/>
+              <a:t>smaller</a:t>
+            </a:r>
+            <a:r>
+              <a:rPr lang="cs-CZ" b="1" dirty="0"/>
+              <a:t> </a:t>
+            </a:r>
+            <a:r>
+              <a:rPr lang="cs-CZ" b="1" dirty="0" err="1"/>
+              <a:t>the</a:t>
+            </a:r>
+            <a:r>
+              <a:rPr lang="cs-CZ" b="1" dirty="0"/>
+              <a:t> </a:t>
+            </a:r>
+            <a:r>
+              <a:rPr lang="cs-CZ" b="1" dirty="0" err="1"/>
+              <a:t>driving</a:t>
+            </a:r>
+            <a:r>
+              <a:rPr lang="cs-CZ" b="1" dirty="0"/>
+              <a:t> </a:t>
+            </a:r>
+            <a:r>
+              <a:rPr lang="cs-CZ" b="1" dirty="0" err="1"/>
+              <a:t>velocity</a:t>
+            </a:r>
+            <a:r>
+              <a:rPr lang="cs-CZ" b="1" dirty="0"/>
+              <a:t> </a:t>
+            </a:r>
+            <a:r>
+              <a:rPr lang="cs-CZ" dirty="0" err="1"/>
+              <a:t>is</a:t>
+            </a:r>
+            <a:r>
+              <a:rPr lang="cs-CZ" dirty="0"/>
+              <a:t>, </a:t>
+            </a:r>
+            <a:r>
+              <a:rPr lang="cs-CZ" dirty="0" err="1"/>
+              <a:t>the</a:t>
+            </a:r>
+            <a:r>
+              <a:rPr lang="cs-CZ" dirty="0"/>
+              <a:t> </a:t>
+            </a:r>
+            <a:r>
+              <a:rPr lang="cs-CZ" b="1" dirty="0" err="1"/>
+              <a:t>less</a:t>
+            </a:r>
+            <a:r>
+              <a:rPr lang="cs-CZ" b="1" dirty="0"/>
+              <a:t> </a:t>
+            </a:r>
+            <a:r>
+              <a:rPr lang="cs-CZ" b="1" dirty="0" err="1"/>
+              <a:t>velocity</a:t>
+            </a:r>
+            <a:r>
+              <a:rPr lang="cs-CZ" b="1" dirty="0"/>
+              <a:t> </a:t>
+            </a:r>
+            <a:r>
+              <a:rPr lang="cs-CZ" b="1" dirty="0" err="1"/>
+              <a:t>mismatch</a:t>
+            </a:r>
+            <a:r>
+              <a:rPr lang="cs-CZ" b="1" dirty="0"/>
+              <a:t> </a:t>
+            </a:r>
+            <a:r>
+              <a:rPr lang="cs-CZ" dirty="0" err="1"/>
+              <a:t>is</a:t>
+            </a:r>
+            <a:r>
+              <a:rPr lang="cs-CZ" dirty="0"/>
+              <a:t> </a:t>
+            </a:r>
+            <a:r>
+              <a:rPr lang="cs-CZ" dirty="0" err="1"/>
+              <a:t>acceptable</a:t>
+            </a:r>
+            <a:endParaRPr lang="cs-CZ" dirty="0"/>
+          </a:p>
+          <a:p>
+            <a:r>
+              <a:rPr lang="cs-CZ" dirty="0" err="1"/>
+              <a:t>Different</a:t>
+            </a:r>
+            <a:r>
+              <a:rPr lang="cs-CZ" dirty="0"/>
+              <a:t> </a:t>
+            </a:r>
+            <a:r>
+              <a:rPr lang="cs-CZ" b="1" dirty="0" err="1"/>
+              <a:t>modes</a:t>
+            </a:r>
+            <a:r>
+              <a:rPr lang="cs-CZ" b="1" dirty="0"/>
+              <a:t> (</a:t>
+            </a:r>
+            <a:r>
+              <a:rPr lang="cs-CZ" b="1" dirty="0" err="1"/>
+              <a:t>velocity</a:t>
+            </a:r>
+            <a:r>
+              <a:rPr lang="cs-CZ" b="1" dirty="0"/>
+              <a:t> </a:t>
+            </a:r>
+            <a:r>
+              <a:rPr lang="cs-CZ" b="1" dirty="0" err="1"/>
+              <a:t>ratios</a:t>
+            </a:r>
+            <a:r>
+              <a:rPr lang="cs-CZ" b="1" dirty="0"/>
+              <a:t>)</a:t>
+            </a:r>
+            <a:r>
+              <a:rPr lang="cs-CZ" dirty="0"/>
+              <a:t> are </a:t>
+            </a:r>
+            <a:r>
+              <a:rPr lang="cs-CZ" dirty="0" err="1"/>
+              <a:t>also</a:t>
+            </a:r>
+            <a:r>
+              <a:rPr lang="cs-CZ" dirty="0"/>
+              <a:t> </a:t>
+            </a:r>
+            <a:r>
+              <a:rPr lang="cs-CZ" dirty="0" err="1"/>
+              <a:t>possible</a:t>
+            </a:r>
+            <a:r>
+              <a:rPr lang="cs-CZ" dirty="0"/>
+              <a:t>, </a:t>
+            </a:r>
+            <a:r>
+              <a:rPr lang="cs-CZ" dirty="0" err="1"/>
+              <a:t>although</a:t>
+            </a:r>
+            <a:r>
+              <a:rPr lang="cs-CZ" dirty="0"/>
+              <a:t> </a:t>
+            </a:r>
+            <a:r>
+              <a:rPr lang="cs-CZ" b="1" dirty="0" err="1"/>
+              <a:t>even</a:t>
+            </a:r>
+            <a:r>
+              <a:rPr lang="cs-CZ" b="1" dirty="0"/>
+              <a:t> </a:t>
+            </a:r>
+            <a:r>
+              <a:rPr lang="cs-CZ" b="1" dirty="0" err="1"/>
+              <a:t>less</a:t>
+            </a:r>
+            <a:r>
+              <a:rPr lang="cs-CZ" b="1" dirty="0"/>
+              <a:t> </a:t>
+            </a:r>
+            <a:r>
+              <a:rPr lang="cs-CZ" b="1" dirty="0" err="1"/>
+              <a:t>forgiving</a:t>
+            </a:r>
+            <a:endParaRPr lang="cs-CZ" dirty="0"/>
+          </a:p>
+          <a:p>
+            <a:r>
+              <a:rPr lang="cs-CZ" dirty="0"/>
+              <a:t>These </a:t>
+            </a:r>
+            <a:r>
+              <a:rPr lang="cs-CZ" dirty="0" err="1"/>
+              <a:t>modes</a:t>
+            </a:r>
+            <a:r>
+              <a:rPr lang="cs-CZ" dirty="0"/>
+              <a:t> are </a:t>
+            </a:r>
+            <a:r>
+              <a:rPr lang="cs-CZ" b="1" dirty="0" err="1"/>
+              <a:t>multiples</a:t>
+            </a:r>
+            <a:r>
+              <a:rPr lang="cs-CZ" b="1" dirty="0"/>
+              <a:t> </a:t>
+            </a:r>
+            <a:r>
+              <a:rPr lang="cs-CZ" dirty="0"/>
+              <a:t>(2:1, 3:1 …) </a:t>
+            </a:r>
+            <a:r>
+              <a:rPr lang="cs-CZ" dirty="0" err="1"/>
+              <a:t>or</a:t>
+            </a:r>
+            <a:r>
+              <a:rPr lang="cs-CZ" dirty="0"/>
+              <a:t> </a:t>
+            </a:r>
+            <a:r>
+              <a:rPr lang="cs-CZ" b="1" dirty="0" err="1"/>
+              <a:t>integer</a:t>
+            </a:r>
+            <a:r>
+              <a:rPr lang="cs-CZ" dirty="0"/>
+              <a:t> </a:t>
+            </a:r>
+            <a:r>
+              <a:rPr lang="cs-CZ" b="1" dirty="0" err="1"/>
+              <a:t>reciprocals</a:t>
+            </a:r>
+            <a:r>
+              <a:rPr lang="cs-CZ" b="1" dirty="0"/>
+              <a:t> </a:t>
+            </a:r>
+            <a:r>
+              <a:rPr lang="cs-CZ" dirty="0"/>
+              <a:t>(1:1, 1:2 …) </a:t>
+            </a:r>
+            <a:r>
+              <a:rPr lang="cs-CZ" dirty="0" err="1"/>
+              <a:t>of</a:t>
+            </a:r>
+            <a:r>
+              <a:rPr lang="cs-CZ" dirty="0"/>
+              <a:t> </a:t>
+            </a:r>
+            <a:r>
+              <a:rPr lang="cs-CZ" dirty="0" err="1"/>
+              <a:t>the</a:t>
+            </a:r>
+            <a:r>
+              <a:rPr lang="cs-CZ" dirty="0"/>
+              <a:t> </a:t>
+            </a:r>
+            <a:r>
+              <a:rPr lang="cs-CZ" dirty="0" err="1"/>
+              <a:t>driving</a:t>
+            </a:r>
+            <a:r>
+              <a:rPr lang="cs-CZ" dirty="0"/>
+              <a:t> </a:t>
+            </a:r>
+            <a:r>
+              <a:rPr lang="cs-CZ" dirty="0" err="1"/>
+              <a:t>velocity</a:t>
+            </a:r>
+            <a:endParaRPr lang="en-US" dirty="0"/>
+          </a:p>
+        </p:txBody>
+      </p:sp>
+      <p:sp>
+        <p:nvSpPr>
+          <p:cNvPr id="4" name="Zástupný symbol pro datum 3">
+            <a:extLst>
+              <a:ext uri="{FF2B5EF4-FFF2-40B4-BE49-F238E27FC236}">
+                <a16:creationId xmlns:a16="http://schemas.microsoft.com/office/drawing/2014/main" id="{E96DC4AA-EC1B-146A-A95A-BAE573FC7AF4}"/>
+              </a:ext>
+            </a:extLst>
+          </p:cNvPr>
+          <p:cNvSpPr>
+            <a:spLocks noGrp="1"/>
+          </p:cNvSpPr>
+          <p:nvPr>
+            <p:ph type="dt" sz="half" idx="10"/>
+          </p:nvPr>
+        </p:nvSpPr>
+        <p:spPr/>
+        <p:txBody>
+          <a:bodyPr/>
+          <a:lstStyle/>
+          <a:p>
+            <a:fld id="{B62DFD89-E800-4C37-87CA-3D711DAD0426}" type="datetime1">
+              <a:rPr lang="en-US" smtClean="0"/>
+              <a:t>12/9/2023</a:t>
+            </a:fld>
+            <a:endParaRPr lang="en-US"/>
+          </a:p>
+        </p:txBody>
+      </p:sp>
+      <p:sp>
+        <p:nvSpPr>
+          <p:cNvPr id="5" name="Zástupný symbol pro zápatí 4">
+            <a:extLst>
+              <a:ext uri="{FF2B5EF4-FFF2-40B4-BE49-F238E27FC236}">
+                <a16:creationId xmlns:a16="http://schemas.microsoft.com/office/drawing/2014/main" id="{BEA7AC65-3CDB-2481-2409-652FFD54E5CF}"/>
+              </a:ext>
+            </a:extLst>
+          </p:cNvPr>
+          <p:cNvSpPr>
+            <a:spLocks noGrp="1"/>
+          </p:cNvSpPr>
+          <p:nvPr>
+            <p:ph type="ftr" sz="quarter" idx="11"/>
+          </p:nvPr>
+        </p:nvSpPr>
+        <p:spPr/>
+        <p:txBody>
+          <a:bodyPr/>
+          <a:lstStyle/>
+          <a:p>
+            <a:r>
+              <a:rPr lang="cs-CZ"/>
+              <a:t>GCHD – 2023/24</a:t>
+            </a:r>
+            <a:endParaRPr lang="en-US" dirty="0"/>
+          </a:p>
+        </p:txBody>
+      </p:sp>
+      <p:sp>
+        <p:nvSpPr>
+          <p:cNvPr id="6" name="Zástupný symbol pro číslo snímku 5">
+            <a:extLst>
+              <a:ext uri="{FF2B5EF4-FFF2-40B4-BE49-F238E27FC236}">
+                <a16:creationId xmlns:a16="http://schemas.microsoft.com/office/drawing/2014/main" id="{07A526BF-B8FE-C574-E9BD-B145C6A4240C}"/>
+              </a:ext>
+            </a:extLst>
+          </p:cNvPr>
+          <p:cNvSpPr>
+            <a:spLocks noGrp="1"/>
+          </p:cNvSpPr>
+          <p:nvPr>
+            <p:ph type="sldNum" sz="quarter" idx="12"/>
+          </p:nvPr>
+        </p:nvSpPr>
+        <p:spPr/>
+        <p:txBody>
+          <a:bodyPr/>
+          <a:lstStyle/>
+          <a:p>
+            <a:fld id="{E97BF2D3-8D9B-4E9F-804F-8E7615F22F9D}" type="slidenum">
+              <a:rPr lang="en-US" smtClean="0"/>
+              <a:t>16</a:t>
+            </a:fld>
+            <a:endParaRPr lang="en-US"/>
+          </a:p>
+        </p:txBody>
+      </p:sp>
+      <p:sp>
+        <p:nvSpPr>
+          <p:cNvPr id="7" name="Zástupný text 6">
+            <a:extLst>
+              <a:ext uri="{FF2B5EF4-FFF2-40B4-BE49-F238E27FC236}">
+                <a16:creationId xmlns:a16="http://schemas.microsoft.com/office/drawing/2014/main" id="{B92CF07E-106D-B15F-928D-1ADD5D140230}"/>
+              </a:ext>
+            </a:extLst>
+          </p:cNvPr>
+          <p:cNvSpPr>
+            <a:spLocks noGrp="1"/>
+          </p:cNvSpPr>
+          <p:nvPr>
+            <p:ph type="body" sz="quarter" idx="13"/>
+          </p:nvPr>
+        </p:nvSpPr>
+        <p:spPr/>
+        <p:txBody>
+          <a:bodyPr/>
+          <a:lstStyle/>
+          <a:p>
+            <a:r>
+              <a:rPr lang="cs-CZ" dirty="0" err="1"/>
+              <a:t>Driven</a:t>
+            </a:r>
+            <a:r>
+              <a:rPr lang="cs-CZ" dirty="0"/>
+              <a:t> </a:t>
+            </a:r>
+            <a:r>
+              <a:rPr lang="cs-CZ" dirty="0" err="1"/>
+              <a:t>spinner</a:t>
+            </a:r>
+            <a:r>
+              <a:rPr lang="cs-CZ" dirty="0"/>
+              <a:t> </a:t>
+            </a:r>
+            <a:r>
+              <a:rPr lang="cs-CZ" dirty="0" err="1"/>
+              <a:t>exp</a:t>
+            </a:r>
+            <a:r>
+              <a:rPr lang="cs-CZ" dirty="0"/>
+              <a:t>.</a:t>
+            </a:r>
+            <a:endParaRPr lang="en-US" dirty="0"/>
+          </a:p>
+        </p:txBody>
+      </p:sp>
+    </p:spTree>
+    <p:extLst>
+      <p:ext uri="{BB962C8B-B14F-4D97-AF65-F5344CB8AC3E}">
+        <p14:creationId xmlns:p14="http://schemas.microsoft.com/office/powerpoint/2010/main" val="897041631"/>
+      </p:ext>
+    </p:extLst>
+  </p:cSld>
+  <p:clrMapOvr>
+    <a:masterClrMapping/>
+  </p:clrMapOvr>
+</p:sld>
+</file>
+
+<file path=ppt/slides/slide17.xml><?xml version="1.0" encoding="utf-8"?>
+<p:sld xmlns:a="http://schemas.openxmlformats.org/drawingml/2006/main" xmlns:r="http://schemas.openxmlformats.org/officeDocument/2006/relationships" xmlns:p="http://schemas.openxmlformats.org/presentationml/2006/main">
+  <p:cSld>
+    <p:spTree>
+      <p:nvGrpSpPr>
+        <p:cNvPr id="1" name=""/>
+        <p:cNvGrpSpPr/>
+        <p:nvPr/>
+      </p:nvGrpSpPr>
+      <p:grpSpPr>
+        <a:xfrm>
+          <a:off x="0" y="0"/>
+          <a:ext cx="0" cy="0"/>
+          <a:chOff x="0" y="0"/>
+          <a:chExt cx="0" cy="0"/>
+        </a:xfrm>
+      </p:grpSpPr>
+      <p:sp>
+        <p:nvSpPr>
+          <p:cNvPr id="2" name="Nadpis 1">
+            <a:extLst>
+              <a:ext uri="{FF2B5EF4-FFF2-40B4-BE49-F238E27FC236}">
+                <a16:creationId xmlns:a16="http://schemas.microsoft.com/office/drawing/2014/main" id="{BAFBCFCE-27D2-7F3B-847E-D388049F2CFD}"/>
+              </a:ext>
+            </a:extLst>
+          </p:cNvPr>
+          <p:cNvSpPr>
+            <a:spLocks noGrp="1"/>
+          </p:cNvSpPr>
+          <p:nvPr>
+            <p:ph type="title"/>
+          </p:nvPr>
+        </p:nvSpPr>
+        <p:spPr/>
+        <p:txBody>
+          <a:bodyPr/>
+          <a:lstStyle/>
+          <a:p>
+            <a:r>
+              <a:rPr lang="cs-CZ" dirty="0" err="1"/>
+              <a:t>Magnetic</a:t>
+            </a:r>
+            <a:r>
+              <a:rPr lang="cs-CZ" dirty="0"/>
+              <a:t> </a:t>
+            </a:r>
+            <a:r>
+              <a:rPr lang="cs-CZ" dirty="0" err="1"/>
+              <a:t>coupling</a:t>
+            </a:r>
+            <a:r>
+              <a:rPr lang="cs-CZ" dirty="0"/>
+              <a:t> </a:t>
+            </a:r>
+            <a:r>
+              <a:rPr lang="cs-CZ" dirty="0" err="1"/>
+              <a:t>results</a:t>
+            </a:r>
+            <a:endParaRPr lang="en-US" dirty="0"/>
+          </a:p>
+        </p:txBody>
+      </p:sp>
+      <p:sp>
+        <p:nvSpPr>
+          <p:cNvPr id="3" name="Zástupný obsah 2">
+            <a:extLst>
+              <a:ext uri="{FF2B5EF4-FFF2-40B4-BE49-F238E27FC236}">
+                <a16:creationId xmlns:a16="http://schemas.microsoft.com/office/drawing/2014/main" id="{3E599600-475E-9806-5A5D-9EB5F4D76449}"/>
+              </a:ext>
+            </a:extLst>
+          </p:cNvPr>
+          <p:cNvSpPr>
+            <a:spLocks noGrp="1"/>
+          </p:cNvSpPr>
+          <p:nvPr>
+            <p:ph idx="1"/>
+          </p:nvPr>
+        </p:nvSpPr>
+        <p:spPr/>
+        <p:txBody>
+          <a:bodyPr/>
+          <a:lstStyle/>
+          <a:p>
+            <a:endParaRPr lang="en-US" dirty="0"/>
+          </a:p>
+        </p:txBody>
+      </p:sp>
+      <p:sp>
+        <p:nvSpPr>
+          <p:cNvPr id="4" name="Zástupný symbol pro datum 3">
+            <a:extLst>
+              <a:ext uri="{FF2B5EF4-FFF2-40B4-BE49-F238E27FC236}">
+                <a16:creationId xmlns:a16="http://schemas.microsoft.com/office/drawing/2014/main" id="{E96DC4AA-EC1B-146A-A95A-BAE573FC7AF4}"/>
+              </a:ext>
+            </a:extLst>
+          </p:cNvPr>
+          <p:cNvSpPr>
+            <a:spLocks noGrp="1"/>
+          </p:cNvSpPr>
+          <p:nvPr>
+            <p:ph type="dt" sz="half" idx="10"/>
+          </p:nvPr>
+        </p:nvSpPr>
+        <p:spPr/>
+        <p:txBody>
+          <a:bodyPr/>
+          <a:lstStyle/>
+          <a:p>
+            <a:fld id="{B62DFD89-E800-4C37-87CA-3D711DAD0426}" type="datetime1">
+              <a:rPr lang="en-US" smtClean="0"/>
+              <a:t>12/9/2023</a:t>
+            </a:fld>
+            <a:endParaRPr lang="en-US"/>
+          </a:p>
+        </p:txBody>
+      </p:sp>
+      <p:sp>
+        <p:nvSpPr>
+          <p:cNvPr id="5" name="Zástupný symbol pro zápatí 4">
+            <a:extLst>
+              <a:ext uri="{FF2B5EF4-FFF2-40B4-BE49-F238E27FC236}">
+                <a16:creationId xmlns:a16="http://schemas.microsoft.com/office/drawing/2014/main" id="{BEA7AC65-3CDB-2481-2409-652FFD54E5CF}"/>
+              </a:ext>
+            </a:extLst>
+          </p:cNvPr>
+          <p:cNvSpPr>
+            <a:spLocks noGrp="1"/>
+          </p:cNvSpPr>
+          <p:nvPr>
+            <p:ph type="ftr" sz="quarter" idx="11"/>
+          </p:nvPr>
+        </p:nvSpPr>
+        <p:spPr/>
+        <p:txBody>
+          <a:bodyPr/>
+          <a:lstStyle/>
+          <a:p>
+            <a:r>
+              <a:rPr lang="cs-CZ"/>
+              <a:t>GCHD – 2023/24</a:t>
+            </a:r>
+            <a:endParaRPr lang="en-US" dirty="0"/>
+          </a:p>
+        </p:txBody>
+      </p:sp>
+      <p:sp>
+        <p:nvSpPr>
+          <p:cNvPr id="6" name="Zástupný symbol pro číslo snímku 5">
+            <a:extLst>
+              <a:ext uri="{FF2B5EF4-FFF2-40B4-BE49-F238E27FC236}">
+                <a16:creationId xmlns:a16="http://schemas.microsoft.com/office/drawing/2014/main" id="{07A526BF-B8FE-C574-E9BD-B145C6A4240C}"/>
+              </a:ext>
+            </a:extLst>
+          </p:cNvPr>
+          <p:cNvSpPr>
+            <a:spLocks noGrp="1"/>
+          </p:cNvSpPr>
+          <p:nvPr>
+            <p:ph type="sldNum" sz="quarter" idx="12"/>
+          </p:nvPr>
+        </p:nvSpPr>
+        <p:spPr/>
+        <p:txBody>
+          <a:bodyPr/>
+          <a:lstStyle/>
+          <a:p>
+            <a:fld id="{E97BF2D3-8D9B-4E9F-804F-8E7615F22F9D}" type="slidenum">
+              <a:rPr lang="en-US" smtClean="0"/>
+              <a:t>17</a:t>
+            </a:fld>
+            <a:endParaRPr lang="en-US"/>
+          </a:p>
+        </p:txBody>
+      </p:sp>
+      <p:sp>
+        <p:nvSpPr>
+          <p:cNvPr id="7" name="Zástupný text 6">
+            <a:extLst>
+              <a:ext uri="{FF2B5EF4-FFF2-40B4-BE49-F238E27FC236}">
+                <a16:creationId xmlns:a16="http://schemas.microsoft.com/office/drawing/2014/main" id="{B92CF07E-106D-B15F-928D-1ADD5D140230}"/>
+              </a:ext>
+            </a:extLst>
+          </p:cNvPr>
+          <p:cNvSpPr>
+            <a:spLocks noGrp="1"/>
+          </p:cNvSpPr>
+          <p:nvPr>
+            <p:ph type="body" sz="quarter" idx="13"/>
+          </p:nvPr>
+        </p:nvSpPr>
+        <p:spPr/>
+        <p:txBody>
+          <a:bodyPr/>
+          <a:lstStyle/>
+          <a:p>
+            <a:r>
+              <a:rPr lang="cs-CZ" dirty="0" err="1"/>
+              <a:t>Driven</a:t>
+            </a:r>
+            <a:r>
+              <a:rPr lang="cs-CZ" dirty="0"/>
+              <a:t> </a:t>
+            </a:r>
+            <a:r>
+              <a:rPr lang="cs-CZ" dirty="0" err="1"/>
+              <a:t>spinner</a:t>
+            </a:r>
+            <a:r>
+              <a:rPr lang="cs-CZ" dirty="0"/>
+              <a:t> </a:t>
+            </a:r>
+            <a:r>
+              <a:rPr lang="cs-CZ" dirty="0" err="1"/>
+              <a:t>exp</a:t>
+            </a:r>
+            <a:r>
+              <a:rPr lang="cs-CZ" dirty="0"/>
+              <a:t>.</a:t>
+            </a:r>
+            <a:endParaRPr lang="en-US" dirty="0"/>
+          </a:p>
+        </p:txBody>
+      </p:sp>
+      <p:pic>
+        <p:nvPicPr>
+          <p:cNvPr id="9" name="Obrázek 8">
+            <a:extLst>
+              <a:ext uri="{FF2B5EF4-FFF2-40B4-BE49-F238E27FC236}">
+                <a16:creationId xmlns:a16="http://schemas.microsoft.com/office/drawing/2014/main" id="{539B605C-FD55-E244-2B71-3240EB8869C8}"/>
+              </a:ext>
+            </a:extLst>
+          </p:cNvPr>
+          <p:cNvPicPr>
+            <a:picLocks noChangeAspect="1"/>
+          </p:cNvPicPr>
+          <p:nvPr/>
+        </p:nvPicPr>
+        <p:blipFill rotWithShape="1">
+          <a:blip r:embed="rId3">
+            <a:extLst>
+              <a:ext uri="{28A0092B-C50C-407E-A947-70E740481C1C}">
+                <a14:useLocalDpi xmlns:a14="http://schemas.microsoft.com/office/drawing/2010/main" val="0"/>
+              </a:ext>
+            </a:extLst>
+          </a:blip>
+          <a:srcRect l="9908" r="41783"/>
+          <a:stretch/>
+        </p:blipFill>
+        <p:spPr>
+          <a:xfrm>
+            <a:off x="121920" y="1816383"/>
+            <a:ext cx="11658230" cy="3861182"/>
+          </a:xfrm>
+          <a:prstGeom prst="rect">
+            <a:avLst/>
+          </a:prstGeom>
+        </p:spPr>
+      </p:pic>
+    </p:spTree>
+    <p:extLst>
+      <p:ext uri="{BB962C8B-B14F-4D97-AF65-F5344CB8AC3E}">
+        <p14:creationId xmlns:p14="http://schemas.microsoft.com/office/powerpoint/2010/main" val="2056139514"/>
+      </p:ext>
+    </p:extLst>
+  </p:cSld>
+  <p:clrMapOvr>
+    <a:masterClrMapping/>
+  </p:clrMapOvr>
+</p:sld>
+</file>
+
+<file path=ppt/slides/slide18.xml><?xml version="1.0" encoding="utf-8"?>
+<p:sld xmlns:a="http://schemas.openxmlformats.org/drawingml/2006/main" xmlns:r="http://schemas.openxmlformats.org/officeDocument/2006/relationships" xmlns:p="http://schemas.openxmlformats.org/presentationml/2006/main">
+  <p:cSld>
+    <p:spTree>
+      <p:nvGrpSpPr>
+        <p:cNvPr id="1" name=""/>
+        <p:cNvGrpSpPr/>
+        <p:nvPr/>
+      </p:nvGrpSpPr>
+      <p:grpSpPr>
+        <a:xfrm>
+          <a:off x="0" y="0"/>
+          <a:ext cx="0" cy="0"/>
+          <a:chOff x="0" y="0"/>
+          <a:chExt cx="0" cy="0"/>
+        </a:xfrm>
+      </p:grpSpPr>
+      <p:sp>
+        <p:nvSpPr>
+          <p:cNvPr id="2" name="Nadpis 1">
+            <a:extLst>
+              <a:ext uri="{FF2B5EF4-FFF2-40B4-BE49-F238E27FC236}">
+                <a16:creationId xmlns:a16="http://schemas.microsoft.com/office/drawing/2014/main" id="{BAFBCFCE-27D2-7F3B-847E-D388049F2CFD}"/>
+              </a:ext>
+            </a:extLst>
+          </p:cNvPr>
+          <p:cNvSpPr>
+            <a:spLocks noGrp="1"/>
+          </p:cNvSpPr>
+          <p:nvPr>
+            <p:ph type="title"/>
+          </p:nvPr>
+        </p:nvSpPr>
+        <p:spPr/>
+        <p:txBody>
+          <a:bodyPr/>
+          <a:lstStyle/>
+          <a:p>
+            <a:r>
+              <a:rPr lang="cs-CZ" dirty="0" err="1"/>
+              <a:t>Magnetic</a:t>
+            </a:r>
+            <a:r>
+              <a:rPr lang="cs-CZ" dirty="0"/>
+              <a:t> </a:t>
+            </a:r>
+            <a:r>
+              <a:rPr lang="cs-CZ" dirty="0" err="1"/>
+              <a:t>coupling</a:t>
+            </a:r>
+            <a:r>
+              <a:rPr lang="cs-CZ" dirty="0"/>
+              <a:t> </a:t>
+            </a:r>
+            <a:r>
+              <a:rPr lang="cs-CZ" dirty="0" err="1"/>
+              <a:t>results</a:t>
+            </a:r>
+            <a:endParaRPr lang="en-US" dirty="0"/>
+          </a:p>
+        </p:txBody>
+      </p:sp>
+      <p:sp>
+        <p:nvSpPr>
+          <p:cNvPr id="3" name="Zástupný obsah 2">
+            <a:extLst>
+              <a:ext uri="{FF2B5EF4-FFF2-40B4-BE49-F238E27FC236}">
+                <a16:creationId xmlns:a16="http://schemas.microsoft.com/office/drawing/2014/main" id="{3E599600-475E-9806-5A5D-9EB5F4D76449}"/>
+              </a:ext>
+            </a:extLst>
+          </p:cNvPr>
+          <p:cNvSpPr>
+            <a:spLocks noGrp="1"/>
+          </p:cNvSpPr>
+          <p:nvPr>
+            <p:ph idx="1"/>
+          </p:nvPr>
+        </p:nvSpPr>
+        <p:spPr/>
+        <p:txBody>
+          <a:bodyPr/>
+          <a:lstStyle/>
+          <a:p>
+            <a:endParaRPr lang="en-US" dirty="0"/>
+          </a:p>
+        </p:txBody>
+      </p:sp>
+      <p:sp>
+        <p:nvSpPr>
+          <p:cNvPr id="4" name="Zástupný symbol pro datum 3">
+            <a:extLst>
+              <a:ext uri="{FF2B5EF4-FFF2-40B4-BE49-F238E27FC236}">
+                <a16:creationId xmlns:a16="http://schemas.microsoft.com/office/drawing/2014/main" id="{E96DC4AA-EC1B-146A-A95A-BAE573FC7AF4}"/>
+              </a:ext>
+            </a:extLst>
+          </p:cNvPr>
+          <p:cNvSpPr>
+            <a:spLocks noGrp="1"/>
+          </p:cNvSpPr>
+          <p:nvPr>
+            <p:ph type="dt" sz="half" idx="10"/>
+          </p:nvPr>
+        </p:nvSpPr>
+        <p:spPr/>
+        <p:txBody>
+          <a:bodyPr/>
+          <a:lstStyle/>
+          <a:p>
+            <a:fld id="{B62DFD89-E800-4C37-87CA-3D711DAD0426}" type="datetime1">
+              <a:rPr lang="en-US" smtClean="0"/>
+              <a:t>12/9/2023</a:t>
+            </a:fld>
+            <a:endParaRPr lang="en-US"/>
+          </a:p>
+        </p:txBody>
+      </p:sp>
+      <p:sp>
+        <p:nvSpPr>
+          <p:cNvPr id="5" name="Zástupný symbol pro zápatí 4">
+            <a:extLst>
+              <a:ext uri="{FF2B5EF4-FFF2-40B4-BE49-F238E27FC236}">
+                <a16:creationId xmlns:a16="http://schemas.microsoft.com/office/drawing/2014/main" id="{BEA7AC65-3CDB-2481-2409-652FFD54E5CF}"/>
+              </a:ext>
+            </a:extLst>
+          </p:cNvPr>
+          <p:cNvSpPr>
+            <a:spLocks noGrp="1"/>
+          </p:cNvSpPr>
+          <p:nvPr>
+            <p:ph type="ftr" sz="quarter" idx="11"/>
+          </p:nvPr>
+        </p:nvSpPr>
+        <p:spPr/>
+        <p:txBody>
+          <a:bodyPr/>
+          <a:lstStyle/>
+          <a:p>
+            <a:r>
+              <a:rPr lang="cs-CZ"/>
+              <a:t>GCHD – 2023/24</a:t>
+            </a:r>
+            <a:endParaRPr lang="en-US" dirty="0"/>
+          </a:p>
+        </p:txBody>
+      </p:sp>
+      <p:sp>
+        <p:nvSpPr>
+          <p:cNvPr id="6" name="Zástupný symbol pro číslo snímku 5">
+            <a:extLst>
+              <a:ext uri="{FF2B5EF4-FFF2-40B4-BE49-F238E27FC236}">
+                <a16:creationId xmlns:a16="http://schemas.microsoft.com/office/drawing/2014/main" id="{07A526BF-B8FE-C574-E9BD-B145C6A4240C}"/>
+              </a:ext>
+            </a:extLst>
+          </p:cNvPr>
+          <p:cNvSpPr>
+            <a:spLocks noGrp="1"/>
+          </p:cNvSpPr>
+          <p:nvPr>
+            <p:ph type="sldNum" sz="quarter" idx="12"/>
+          </p:nvPr>
+        </p:nvSpPr>
+        <p:spPr/>
+        <p:txBody>
+          <a:bodyPr/>
+          <a:lstStyle/>
+          <a:p>
+            <a:fld id="{E97BF2D3-8D9B-4E9F-804F-8E7615F22F9D}" type="slidenum">
+              <a:rPr lang="en-US" smtClean="0"/>
+              <a:t>18</a:t>
+            </a:fld>
+            <a:endParaRPr lang="en-US"/>
+          </a:p>
+        </p:txBody>
+      </p:sp>
+      <p:sp>
+        <p:nvSpPr>
+          <p:cNvPr id="7" name="Zástupný text 6">
+            <a:extLst>
+              <a:ext uri="{FF2B5EF4-FFF2-40B4-BE49-F238E27FC236}">
+                <a16:creationId xmlns:a16="http://schemas.microsoft.com/office/drawing/2014/main" id="{B92CF07E-106D-B15F-928D-1ADD5D140230}"/>
+              </a:ext>
+            </a:extLst>
+          </p:cNvPr>
+          <p:cNvSpPr>
+            <a:spLocks noGrp="1"/>
+          </p:cNvSpPr>
+          <p:nvPr>
+            <p:ph type="body" sz="quarter" idx="13"/>
+          </p:nvPr>
+        </p:nvSpPr>
+        <p:spPr/>
+        <p:txBody>
+          <a:bodyPr/>
+          <a:lstStyle/>
+          <a:p>
+            <a:r>
+              <a:rPr lang="cs-CZ" dirty="0" err="1"/>
+              <a:t>Driven</a:t>
+            </a:r>
+            <a:r>
+              <a:rPr lang="cs-CZ" dirty="0"/>
+              <a:t> </a:t>
+            </a:r>
+            <a:r>
+              <a:rPr lang="cs-CZ" dirty="0" err="1"/>
+              <a:t>spinner</a:t>
+            </a:r>
+            <a:r>
+              <a:rPr lang="cs-CZ" dirty="0"/>
+              <a:t> </a:t>
+            </a:r>
+            <a:r>
+              <a:rPr lang="cs-CZ" dirty="0" err="1"/>
+              <a:t>exp</a:t>
+            </a:r>
+            <a:r>
+              <a:rPr lang="cs-CZ" dirty="0"/>
+              <a:t>.</a:t>
+            </a:r>
+            <a:endParaRPr lang="en-US" dirty="0"/>
+          </a:p>
+        </p:txBody>
+      </p:sp>
+      <p:pic>
+        <p:nvPicPr>
+          <p:cNvPr id="8" name="Obrázek 7">
+            <a:extLst>
+              <a:ext uri="{FF2B5EF4-FFF2-40B4-BE49-F238E27FC236}">
+                <a16:creationId xmlns:a16="http://schemas.microsoft.com/office/drawing/2014/main" id="{554DB684-C0CE-065D-F23E-0FB1C925AF47}"/>
+              </a:ext>
+            </a:extLst>
+          </p:cNvPr>
+          <p:cNvPicPr>
+            <a:picLocks noChangeAspect="1"/>
+          </p:cNvPicPr>
+          <p:nvPr/>
+        </p:nvPicPr>
+        <p:blipFill rotWithShape="1">
+          <a:blip r:embed="rId3">
+            <a:extLst>
+              <a:ext uri="{28A0092B-C50C-407E-A947-70E740481C1C}">
+                <a14:useLocalDpi xmlns:a14="http://schemas.microsoft.com/office/drawing/2010/main" val="0"/>
+              </a:ext>
+            </a:extLst>
+          </a:blip>
+          <a:srcRect l="58585" r="9722"/>
+          <a:stretch/>
+        </p:blipFill>
+        <p:spPr>
+          <a:xfrm>
+            <a:off x="1246293" y="1424756"/>
+            <a:ext cx="9699413" cy="4896549"/>
+          </a:xfrm>
+          <a:prstGeom prst="rect">
+            <a:avLst/>
+          </a:prstGeom>
+        </p:spPr>
+      </p:pic>
+    </p:spTree>
+    <p:extLst>
+      <p:ext uri="{BB962C8B-B14F-4D97-AF65-F5344CB8AC3E}">
+        <p14:creationId xmlns:p14="http://schemas.microsoft.com/office/powerpoint/2010/main" val="457983311"/>
+      </p:ext>
+    </p:extLst>
+  </p:cSld>
+  <p:clrMapOvr>
+    <a:masterClrMapping/>
+  </p:clrMapOvr>
+</p:sld>
+</file>
+
+<file path=ppt/slides/slide19.xml><?xml version="1.0" encoding="utf-8"?>
+<p:sld xmlns:a="http://schemas.openxmlformats.org/drawingml/2006/main" xmlns:r="http://schemas.openxmlformats.org/officeDocument/2006/relationships" xmlns:p="http://schemas.openxmlformats.org/presentationml/2006/main">
+  <p:cSld>
+    <p:spTree>
+      <p:nvGrpSpPr>
+        <p:cNvPr id="1" name=""/>
+        <p:cNvGrpSpPr/>
+        <p:nvPr/>
+      </p:nvGrpSpPr>
+      <p:grpSpPr>
+        <a:xfrm>
+          <a:off x="0" y="0"/>
+          <a:ext cx="0" cy="0"/>
+          <a:chOff x="0" y="0"/>
+          <a:chExt cx="0" cy="0"/>
+        </a:xfrm>
+      </p:grpSpPr>
+      <p:sp>
+        <p:nvSpPr>
+          <p:cNvPr id="2" name="Nadpis 1">
+            <a:extLst>
+              <a:ext uri="{FF2B5EF4-FFF2-40B4-BE49-F238E27FC236}">
+                <a16:creationId xmlns:a16="http://schemas.microsoft.com/office/drawing/2014/main" id="{BAFBCFCE-27D2-7F3B-847E-D388049F2CFD}"/>
+              </a:ext>
+            </a:extLst>
+          </p:cNvPr>
+          <p:cNvSpPr>
+            <a:spLocks noGrp="1"/>
+          </p:cNvSpPr>
+          <p:nvPr>
+            <p:ph type="title"/>
+          </p:nvPr>
+        </p:nvSpPr>
+        <p:spPr/>
+        <p:txBody>
+          <a:bodyPr/>
+          <a:lstStyle/>
+          <a:p>
+            <a:r>
+              <a:rPr lang="cs-CZ" dirty="0" err="1"/>
+              <a:t>Simulated</a:t>
+            </a:r>
+            <a:r>
+              <a:rPr lang="cs-CZ" dirty="0"/>
+              <a:t> </a:t>
+            </a:r>
+            <a:r>
+              <a:rPr lang="cs-CZ" dirty="0" err="1"/>
+              <a:t>coupling</a:t>
+            </a:r>
+            <a:endParaRPr lang="en-US" dirty="0"/>
+          </a:p>
+        </p:txBody>
+      </p:sp>
+      <p:sp>
+        <p:nvSpPr>
+          <p:cNvPr id="3" name="Zástupný obsah 2">
+            <a:extLst>
+              <a:ext uri="{FF2B5EF4-FFF2-40B4-BE49-F238E27FC236}">
+                <a16:creationId xmlns:a16="http://schemas.microsoft.com/office/drawing/2014/main" id="{3E599600-475E-9806-5A5D-9EB5F4D76449}"/>
+              </a:ext>
+            </a:extLst>
+          </p:cNvPr>
+          <p:cNvSpPr>
+            <a:spLocks noGrp="1"/>
+          </p:cNvSpPr>
+          <p:nvPr>
+            <p:ph idx="1"/>
+          </p:nvPr>
+        </p:nvSpPr>
+        <p:spPr>
+          <a:xfrm>
+            <a:off x="1097279" y="1535288"/>
+            <a:ext cx="4298809" cy="4333805"/>
+          </a:xfrm>
+        </p:spPr>
+        <p:txBody>
+          <a:bodyPr>
+            <a:normAutofit/>
+          </a:bodyPr>
+          <a:lstStyle/>
+          <a:p>
+            <a:r>
+              <a:rPr lang="cs-CZ" b="1" dirty="0" err="1"/>
+              <a:t>Oscillations</a:t>
+            </a:r>
+            <a:r>
+              <a:rPr lang="cs-CZ" dirty="0"/>
+              <a:t> </a:t>
+            </a:r>
+            <a:r>
+              <a:rPr lang="cs-CZ" dirty="0" err="1"/>
+              <a:t>around</a:t>
+            </a:r>
+            <a:r>
+              <a:rPr lang="cs-CZ" dirty="0"/>
+              <a:t> </a:t>
+            </a:r>
+            <a:r>
+              <a:rPr lang="cs-CZ" dirty="0" err="1"/>
+              <a:t>the</a:t>
+            </a:r>
+            <a:r>
+              <a:rPr lang="cs-CZ" dirty="0"/>
+              <a:t> </a:t>
+            </a:r>
+            <a:r>
+              <a:rPr lang="cs-CZ" dirty="0" err="1"/>
+              <a:t>driving</a:t>
+            </a:r>
+            <a:r>
+              <a:rPr lang="cs-CZ" dirty="0"/>
+              <a:t> </a:t>
+            </a:r>
+            <a:r>
+              <a:rPr lang="cs-CZ" dirty="0" err="1"/>
+              <a:t>velocity</a:t>
+            </a:r>
+            <a:r>
+              <a:rPr lang="cs-CZ" dirty="0"/>
+              <a:t> </a:t>
+            </a:r>
+            <a:r>
+              <a:rPr lang="cs-CZ" dirty="0" err="1"/>
+              <a:t>equllibrium</a:t>
+            </a:r>
+            <a:r>
+              <a:rPr lang="cs-CZ" dirty="0"/>
+              <a:t> </a:t>
+            </a:r>
+            <a:r>
+              <a:rPr lang="cs-CZ" dirty="0" err="1"/>
+              <a:t>were</a:t>
+            </a:r>
+            <a:r>
+              <a:rPr lang="cs-CZ" dirty="0"/>
+              <a:t> </a:t>
+            </a:r>
+            <a:r>
+              <a:rPr lang="cs-CZ" dirty="0" err="1"/>
+              <a:t>both</a:t>
+            </a:r>
+            <a:r>
+              <a:rPr lang="cs-CZ" dirty="0"/>
+              <a:t> </a:t>
+            </a:r>
+            <a:r>
+              <a:rPr lang="cs-CZ" b="1" dirty="0" err="1"/>
+              <a:t>observed</a:t>
+            </a:r>
+            <a:r>
+              <a:rPr lang="cs-CZ" b="1" dirty="0"/>
+              <a:t> and </a:t>
+            </a:r>
+            <a:r>
+              <a:rPr lang="cs-CZ" b="1" dirty="0" err="1"/>
+              <a:t>simulated</a:t>
+            </a:r>
+            <a:endParaRPr lang="en-US" b="1" dirty="0"/>
+          </a:p>
+        </p:txBody>
+      </p:sp>
+      <p:sp>
+        <p:nvSpPr>
+          <p:cNvPr id="4" name="Zástupný symbol pro datum 3">
+            <a:extLst>
+              <a:ext uri="{FF2B5EF4-FFF2-40B4-BE49-F238E27FC236}">
+                <a16:creationId xmlns:a16="http://schemas.microsoft.com/office/drawing/2014/main" id="{E96DC4AA-EC1B-146A-A95A-BAE573FC7AF4}"/>
+              </a:ext>
+            </a:extLst>
+          </p:cNvPr>
+          <p:cNvSpPr>
+            <a:spLocks noGrp="1"/>
+          </p:cNvSpPr>
+          <p:nvPr>
+            <p:ph type="dt" sz="half" idx="10"/>
+          </p:nvPr>
+        </p:nvSpPr>
+        <p:spPr/>
+        <p:txBody>
+          <a:bodyPr/>
+          <a:lstStyle/>
+          <a:p>
+            <a:fld id="{B62DFD89-E800-4C37-87CA-3D711DAD0426}" type="datetime1">
+              <a:rPr lang="en-US" smtClean="0"/>
+              <a:t>12/9/2023</a:t>
+            </a:fld>
+            <a:endParaRPr lang="en-US"/>
+          </a:p>
+        </p:txBody>
+      </p:sp>
+      <p:sp>
+        <p:nvSpPr>
+          <p:cNvPr id="5" name="Zástupný symbol pro zápatí 4">
+            <a:extLst>
+              <a:ext uri="{FF2B5EF4-FFF2-40B4-BE49-F238E27FC236}">
+                <a16:creationId xmlns:a16="http://schemas.microsoft.com/office/drawing/2014/main" id="{BEA7AC65-3CDB-2481-2409-652FFD54E5CF}"/>
+              </a:ext>
+            </a:extLst>
+          </p:cNvPr>
+          <p:cNvSpPr>
+            <a:spLocks noGrp="1"/>
+          </p:cNvSpPr>
+          <p:nvPr>
+            <p:ph type="ftr" sz="quarter" idx="11"/>
+          </p:nvPr>
+        </p:nvSpPr>
+        <p:spPr/>
+        <p:txBody>
+          <a:bodyPr/>
+          <a:lstStyle/>
+          <a:p>
+            <a:r>
+              <a:rPr lang="cs-CZ"/>
+              <a:t>GCHD – 2023/24</a:t>
+            </a:r>
+            <a:endParaRPr lang="en-US" dirty="0"/>
+          </a:p>
+        </p:txBody>
+      </p:sp>
+      <p:sp>
+        <p:nvSpPr>
+          <p:cNvPr id="6" name="Zástupný symbol pro číslo snímku 5">
+            <a:extLst>
+              <a:ext uri="{FF2B5EF4-FFF2-40B4-BE49-F238E27FC236}">
+                <a16:creationId xmlns:a16="http://schemas.microsoft.com/office/drawing/2014/main" id="{07A526BF-B8FE-C574-E9BD-B145C6A4240C}"/>
+              </a:ext>
+            </a:extLst>
+          </p:cNvPr>
+          <p:cNvSpPr>
+            <a:spLocks noGrp="1"/>
+          </p:cNvSpPr>
+          <p:nvPr>
+            <p:ph type="sldNum" sz="quarter" idx="12"/>
+          </p:nvPr>
+        </p:nvSpPr>
+        <p:spPr/>
+        <p:txBody>
+          <a:bodyPr/>
+          <a:lstStyle/>
+          <a:p>
+            <a:fld id="{E97BF2D3-8D9B-4E9F-804F-8E7615F22F9D}" type="slidenum">
+              <a:rPr lang="en-US" smtClean="0"/>
+              <a:t>19</a:t>
+            </a:fld>
+            <a:endParaRPr lang="en-US"/>
+          </a:p>
+        </p:txBody>
+      </p:sp>
+      <p:sp>
+        <p:nvSpPr>
+          <p:cNvPr id="7" name="Zástupný text 6">
+            <a:extLst>
+              <a:ext uri="{FF2B5EF4-FFF2-40B4-BE49-F238E27FC236}">
+                <a16:creationId xmlns:a16="http://schemas.microsoft.com/office/drawing/2014/main" id="{B92CF07E-106D-B15F-928D-1ADD5D140230}"/>
+              </a:ext>
+            </a:extLst>
+          </p:cNvPr>
+          <p:cNvSpPr>
+            <a:spLocks noGrp="1"/>
+          </p:cNvSpPr>
+          <p:nvPr>
+            <p:ph type="body" sz="quarter" idx="13"/>
+          </p:nvPr>
+        </p:nvSpPr>
+        <p:spPr/>
+        <p:txBody>
+          <a:bodyPr/>
+          <a:lstStyle/>
+          <a:p>
+            <a:r>
+              <a:rPr lang="cs-CZ" dirty="0" err="1"/>
+              <a:t>Driven</a:t>
+            </a:r>
+            <a:r>
+              <a:rPr lang="cs-CZ" dirty="0"/>
+              <a:t> </a:t>
+            </a:r>
+            <a:r>
+              <a:rPr lang="cs-CZ" dirty="0" err="1"/>
+              <a:t>spinner</a:t>
+            </a:r>
+            <a:r>
+              <a:rPr lang="cs-CZ" dirty="0"/>
+              <a:t> </a:t>
+            </a:r>
+            <a:r>
+              <a:rPr lang="cs-CZ" dirty="0" err="1"/>
+              <a:t>exp</a:t>
+            </a:r>
+            <a:r>
+              <a:rPr lang="cs-CZ" dirty="0"/>
+              <a:t>.</a:t>
+            </a:r>
+            <a:endParaRPr lang="en-US" dirty="0"/>
+          </a:p>
+        </p:txBody>
+      </p:sp>
+      <p:pic>
+        <p:nvPicPr>
+          <p:cNvPr id="8" name="Zástupný obsah 9">
+            <a:extLst>
+              <a:ext uri="{FF2B5EF4-FFF2-40B4-BE49-F238E27FC236}">
+                <a16:creationId xmlns:a16="http://schemas.microsoft.com/office/drawing/2014/main" id="{536593D9-39B9-CDDF-863B-9F58045B143D}"/>
+              </a:ext>
+            </a:extLst>
+          </p:cNvPr>
+          <p:cNvPicPr>
+            <a:picLocks noChangeAspect="1"/>
+          </p:cNvPicPr>
+          <p:nvPr/>
+        </p:nvPicPr>
+        <p:blipFill rotWithShape="1">
+          <a:blip r:embed="rId3">
+            <a:extLst>
+              <a:ext uri="{28A0092B-C50C-407E-A947-70E740481C1C}">
+                <a14:useLocalDpi xmlns:a14="http://schemas.microsoft.com/office/drawing/2010/main" val="0"/>
+              </a:ext>
+            </a:extLst>
+          </a:blip>
+          <a:srcRect l="5738" t="7957" r="8484" b="4849"/>
+          <a:stretch/>
+        </p:blipFill>
+        <p:spPr>
+          <a:xfrm>
+            <a:off x="5527347" y="1414839"/>
+            <a:ext cx="5963284" cy="4850494"/>
+          </a:xfrm>
+          <a:prstGeom prst="rect">
+            <a:avLst/>
+          </a:prstGeom>
+        </p:spPr>
+      </p:pic>
+    </p:spTree>
+    <p:extLst>
+      <p:ext uri="{BB962C8B-B14F-4D97-AF65-F5344CB8AC3E}">
+        <p14:creationId xmlns:p14="http://schemas.microsoft.com/office/powerpoint/2010/main" val="908753710"/>
+      </p:ext>
+    </p:extLst>
+  </p:cSld>
+  <p:clrMapOvr>
+    <a:masterClrMapping/>
+  </p:clrMapOvr>
+</p:sld>
+</file>
+
 <file path=ppt/slides/slide2.xml><?xml version="1.0" encoding="utf-8"?>
 <p:sld xmlns:a="http://schemas.openxmlformats.org/drawingml/2006/main" xmlns:r="http://schemas.openxmlformats.org/officeDocument/2006/relationships" xmlns:p="http://schemas.openxmlformats.org/presentationml/2006/main">
   <p:cSld>
@@ -7556,7 +11924,7 @@
           <a:p>
             <a:fld id="{B62DFD89-E800-4C37-87CA-3D711DAD0426}" type="datetime1">
               <a:rPr lang="en-US" smtClean="0"/>
-              <a:t>12/8/2023</a:t>
+              <a:t>12/9/2023</a:t>
             </a:fld>
             <a:endParaRPr lang="en-US"/>
           </a:p>
@@ -7652,6 +12020,917 @@
     <p:extLst>
       <p:ext uri="{BB962C8B-B14F-4D97-AF65-F5344CB8AC3E}">
         <p14:creationId xmlns:p14="http://schemas.microsoft.com/office/powerpoint/2010/main" val="4261806813"/>
+      </p:ext>
+    </p:extLst>
+  </p:cSld>
+  <p:clrMapOvr>
+    <a:masterClrMapping/>
+  </p:clrMapOvr>
+</p:sld>
+</file>
+
+<file path=ppt/slides/slide20.xml><?xml version="1.0" encoding="utf-8"?>
+<p:sld xmlns:a="http://schemas.openxmlformats.org/drawingml/2006/main" xmlns:r="http://schemas.openxmlformats.org/officeDocument/2006/relationships" xmlns:p="http://schemas.openxmlformats.org/presentationml/2006/main" show="0">
+  <p:cSld>
+    <p:spTree>
+      <p:nvGrpSpPr>
+        <p:cNvPr id="1" name=""/>
+        <p:cNvGrpSpPr/>
+        <p:nvPr/>
+      </p:nvGrpSpPr>
+      <p:grpSpPr>
+        <a:xfrm>
+          <a:off x="0" y="0"/>
+          <a:ext cx="0" cy="0"/>
+          <a:chOff x="0" y="0"/>
+          <a:chExt cx="0" cy="0"/>
+        </a:xfrm>
+      </p:grpSpPr>
+      <p:sp>
+        <p:nvSpPr>
+          <p:cNvPr id="2" name="Nadpis 1">
+            <a:extLst>
+              <a:ext uri="{FF2B5EF4-FFF2-40B4-BE49-F238E27FC236}">
+                <a16:creationId xmlns:a16="http://schemas.microsoft.com/office/drawing/2014/main" id="{BAFBCFCE-27D2-7F3B-847E-D388049F2CFD}"/>
+              </a:ext>
+            </a:extLst>
+          </p:cNvPr>
+          <p:cNvSpPr>
+            <a:spLocks noGrp="1"/>
+          </p:cNvSpPr>
+          <p:nvPr>
+            <p:ph type="title"/>
+          </p:nvPr>
+        </p:nvSpPr>
+        <p:spPr/>
+        <p:txBody>
+          <a:bodyPr/>
+          <a:lstStyle/>
+          <a:p>
+            <a:r>
+              <a:rPr lang="cs-CZ" dirty="0"/>
+              <a:t>Sub-period </a:t>
+            </a:r>
+            <a:r>
+              <a:rPr lang="cs-CZ" dirty="0" err="1"/>
+              <a:t>behaviour</a:t>
+            </a:r>
+            <a:endParaRPr lang="en-US" dirty="0"/>
+          </a:p>
+        </p:txBody>
+      </p:sp>
+      <p:sp>
+        <p:nvSpPr>
+          <p:cNvPr id="3" name="Zástupný obsah 2">
+            <a:extLst>
+              <a:ext uri="{FF2B5EF4-FFF2-40B4-BE49-F238E27FC236}">
+                <a16:creationId xmlns:a16="http://schemas.microsoft.com/office/drawing/2014/main" id="{3E599600-475E-9806-5A5D-9EB5F4D76449}"/>
+              </a:ext>
+            </a:extLst>
+          </p:cNvPr>
+          <p:cNvSpPr>
+            <a:spLocks noGrp="1"/>
+          </p:cNvSpPr>
+          <p:nvPr>
+            <p:ph idx="1"/>
+          </p:nvPr>
+        </p:nvSpPr>
+        <p:spPr>
+          <a:xfrm>
+            <a:off x="1097279" y="1535288"/>
+            <a:ext cx="4298809" cy="4333805"/>
+          </a:xfrm>
+        </p:spPr>
+        <p:txBody>
+          <a:bodyPr>
+            <a:normAutofit lnSpcReduction="10000"/>
+          </a:bodyPr>
+          <a:lstStyle/>
+          <a:p>
+            <a:pPr marL="0" indent="0">
+              <a:buNone/>
+            </a:pPr>
+            <a:r>
+              <a:rPr lang="cs-CZ" dirty="0" err="1"/>
+              <a:t>Our</a:t>
+            </a:r>
+            <a:r>
+              <a:rPr lang="cs-CZ" dirty="0"/>
+              <a:t> </a:t>
+            </a:r>
+            <a:r>
+              <a:rPr lang="cs-CZ" dirty="0" err="1"/>
+              <a:t>algorithm</a:t>
+            </a:r>
+            <a:r>
+              <a:rPr lang="cs-CZ" dirty="0"/>
+              <a:t> </a:t>
+            </a:r>
+            <a:r>
+              <a:rPr lang="cs-CZ" dirty="0" err="1"/>
+              <a:t>compares</a:t>
+            </a:r>
+            <a:r>
+              <a:rPr lang="cs-CZ" dirty="0"/>
+              <a:t> </a:t>
+            </a:r>
+            <a:r>
+              <a:rPr lang="cs-CZ" dirty="0" err="1"/>
+              <a:t>the</a:t>
+            </a:r>
+            <a:r>
+              <a:rPr lang="cs-CZ" dirty="0"/>
+              <a:t> </a:t>
+            </a:r>
+            <a:r>
+              <a:rPr lang="cs-CZ" dirty="0" err="1"/>
+              <a:t>behaviour</a:t>
+            </a:r>
+            <a:r>
+              <a:rPr lang="cs-CZ" dirty="0"/>
+              <a:t> </a:t>
+            </a:r>
+            <a:r>
+              <a:rPr lang="cs-CZ" dirty="0" err="1"/>
+              <a:t>of</a:t>
+            </a:r>
+            <a:r>
+              <a:rPr lang="cs-CZ" dirty="0"/>
+              <a:t> </a:t>
+            </a:r>
+            <a:r>
+              <a:rPr lang="cs-CZ" dirty="0" err="1"/>
+              <a:t>an</a:t>
+            </a:r>
+            <a:r>
+              <a:rPr lang="cs-CZ" dirty="0"/>
+              <a:t> </a:t>
+            </a:r>
+            <a:r>
+              <a:rPr lang="cs-CZ" b="1" dirty="0" err="1"/>
+              <a:t>undisturbed</a:t>
+            </a:r>
+            <a:r>
+              <a:rPr lang="cs-CZ" dirty="0"/>
+              <a:t> </a:t>
+            </a:r>
+            <a:r>
+              <a:rPr lang="cs-CZ" dirty="0" err="1"/>
+              <a:t>spinner</a:t>
+            </a:r>
+            <a:r>
+              <a:rPr lang="cs-CZ" b="1" dirty="0"/>
+              <a:t> </a:t>
+            </a:r>
+            <a:r>
+              <a:rPr lang="cs-CZ" dirty="0"/>
+              <a:t>and </a:t>
+            </a:r>
+            <a:r>
+              <a:rPr lang="cs-CZ" b="1" dirty="0" err="1"/>
+              <a:t>driven</a:t>
+            </a:r>
+            <a:r>
+              <a:rPr lang="cs-CZ" dirty="0"/>
+              <a:t> (</a:t>
+            </a:r>
+            <a:r>
+              <a:rPr lang="cs-CZ" dirty="0" err="1"/>
+              <a:t>disturbed</a:t>
+            </a:r>
+            <a:r>
+              <a:rPr lang="cs-CZ" dirty="0"/>
+              <a:t>) </a:t>
+            </a:r>
+            <a:r>
+              <a:rPr lang="cs-CZ" dirty="0" err="1"/>
+              <a:t>spinner</a:t>
+            </a:r>
+            <a:endParaRPr lang="cs-CZ" dirty="0"/>
+          </a:p>
+          <a:p>
+            <a:pPr marL="0" indent="0">
+              <a:buNone/>
+            </a:pPr>
+            <a:r>
+              <a:rPr lang="cs-CZ" dirty="0" err="1"/>
+              <a:t>The</a:t>
+            </a:r>
+            <a:r>
+              <a:rPr lang="cs-CZ" dirty="0"/>
+              <a:t> </a:t>
+            </a:r>
+            <a:r>
+              <a:rPr lang="cs-CZ" dirty="0" err="1"/>
+              <a:t>angular</a:t>
+            </a:r>
+            <a:r>
+              <a:rPr lang="cs-CZ" dirty="0"/>
+              <a:t> </a:t>
+            </a:r>
+            <a:r>
+              <a:rPr lang="cs-CZ" dirty="0" err="1"/>
+              <a:t>displacement</a:t>
+            </a:r>
+            <a:r>
+              <a:rPr lang="cs-CZ" dirty="0"/>
+              <a:t> </a:t>
+            </a:r>
+            <a:r>
+              <a:rPr lang="cs-CZ" dirty="0" err="1"/>
+              <a:t>of</a:t>
+            </a:r>
+            <a:r>
+              <a:rPr lang="cs-CZ" dirty="0"/>
+              <a:t> </a:t>
+            </a:r>
+            <a:r>
+              <a:rPr lang="cs-CZ" dirty="0" err="1"/>
+              <a:t>an</a:t>
+            </a:r>
+            <a:r>
+              <a:rPr lang="cs-CZ" dirty="0"/>
+              <a:t> </a:t>
+            </a:r>
+            <a:r>
+              <a:rPr lang="cs-CZ" dirty="0" err="1"/>
+              <a:t>undisturbed</a:t>
+            </a:r>
+            <a:r>
+              <a:rPr lang="cs-CZ" dirty="0"/>
+              <a:t> </a:t>
+            </a:r>
+            <a:r>
+              <a:rPr lang="cs-CZ" dirty="0" err="1"/>
+              <a:t>spinner</a:t>
+            </a:r>
+            <a:r>
+              <a:rPr lang="cs-CZ" dirty="0"/>
+              <a:t> </a:t>
+            </a:r>
+            <a:r>
+              <a:rPr lang="cs-CZ" b="1" dirty="0" err="1"/>
+              <a:t>grows</a:t>
+            </a:r>
+            <a:r>
+              <a:rPr lang="cs-CZ" b="1" dirty="0"/>
+              <a:t> </a:t>
+            </a:r>
+            <a:r>
+              <a:rPr lang="cs-CZ" b="1" dirty="0" err="1"/>
+              <a:t>linearly</a:t>
+            </a:r>
+            <a:r>
+              <a:rPr lang="cs-CZ" b="1" dirty="0"/>
+              <a:t> </a:t>
+            </a:r>
+            <a:r>
+              <a:rPr lang="cs-CZ" dirty="0"/>
+              <a:t>in </a:t>
+            </a:r>
+            <a:r>
+              <a:rPr lang="cs-CZ" dirty="0" err="1"/>
+              <a:t>time</a:t>
+            </a:r>
+            <a:r>
+              <a:rPr lang="cs-CZ" dirty="0"/>
+              <a:t> (</a:t>
+            </a:r>
+            <a:r>
+              <a:rPr lang="cs-CZ" b="1" dirty="0" err="1"/>
+              <a:t>constant</a:t>
+            </a:r>
+            <a:r>
+              <a:rPr lang="cs-CZ" b="1" dirty="0"/>
+              <a:t> </a:t>
+            </a:r>
+            <a:r>
+              <a:rPr lang="cs-CZ" b="1" dirty="0" err="1"/>
+              <a:t>angular</a:t>
+            </a:r>
+            <a:r>
+              <a:rPr lang="cs-CZ" b="1" dirty="0"/>
+              <a:t> </a:t>
+            </a:r>
+            <a:r>
+              <a:rPr lang="cs-CZ" b="1" dirty="0" err="1"/>
+              <a:t>velocity</a:t>
+            </a:r>
+            <a:r>
+              <a:rPr lang="cs-CZ" dirty="0"/>
+              <a:t>)</a:t>
+            </a:r>
+          </a:p>
+          <a:p>
+            <a:pPr marL="0" indent="0">
+              <a:buNone/>
+            </a:pPr>
+            <a:endParaRPr lang="cs-CZ" dirty="0"/>
+          </a:p>
+          <a:p>
+            <a:pPr marL="0" indent="0">
+              <a:buNone/>
+            </a:pPr>
+            <a:r>
+              <a:rPr lang="cs-CZ" dirty="0" err="1"/>
+              <a:t>We</a:t>
+            </a:r>
+            <a:r>
+              <a:rPr lang="cs-CZ" dirty="0"/>
+              <a:t> </a:t>
+            </a:r>
+            <a:r>
+              <a:rPr lang="cs-CZ" dirty="0" err="1"/>
+              <a:t>also</a:t>
+            </a:r>
+            <a:r>
+              <a:rPr lang="cs-CZ" dirty="0"/>
+              <a:t> talk </a:t>
+            </a:r>
+            <a:r>
+              <a:rPr lang="cs-CZ" dirty="0" err="1"/>
+              <a:t>about</a:t>
+            </a:r>
+            <a:r>
+              <a:rPr lang="cs-CZ" dirty="0"/>
+              <a:t> </a:t>
+            </a:r>
+            <a:r>
+              <a:rPr lang="cs-CZ" b="1" dirty="0"/>
+              <a:t>sub-period</a:t>
+            </a:r>
+            <a:r>
+              <a:rPr lang="cs-CZ" dirty="0"/>
+              <a:t> </a:t>
+            </a:r>
+            <a:r>
+              <a:rPr lang="cs-CZ" dirty="0" err="1"/>
+              <a:t>which</a:t>
+            </a:r>
+            <a:r>
+              <a:rPr lang="cs-CZ" dirty="0"/>
+              <a:t> </a:t>
+            </a:r>
+            <a:r>
+              <a:rPr lang="cs-CZ" dirty="0" err="1"/>
+              <a:t>means</a:t>
+            </a:r>
+            <a:r>
+              <a:rPr lang="cs-CZ" dirty="0"/>
+              <a:t> </a:t>
+            </a:r>
+            <a:r>
+              <a:rPr lang="cs-CZ" dirty="0" err="1"/>
+              <a:t>the</a:t>
+            </a:r>
+            <a:r>
+              <a:rPr lang="cs-CZ" dirty="0"/>
+              <a:t> </a:t>
+            </a:r>
+            <a:r>
+              <a:rPr lang="cs-CZ" dirty="0" err="1"/>
+              <a:t>time</a:t>
+            </a:r>
+            <a:r>
+              <a:rPr lang="cs-CZ" dirty="0"/>
+              <a:t> </a:t>
+            </a:r>
+            <a:r>
+              <a:rPr lang="cs-CZ" dirty="0" err="1"/>
+              <a:t>it</a:t>
+            </a:r>
+            <a:r>
+              <a:rPr lang="cs-CZ" dirty="0"/>
+              <a:t> </a:t>
+            </a:r>
+            <a:r>
+              <a:rPr lang="cs-CZ" dirty="0" err="1"/>
+              <a:t>takes</a:t>
+            </a:r>
+            <a:r>
+              <a:rPr lang="cs-CZ" dirty="0"/>
+              <a:t> </a:t>
+            </a:r>
+            <a:r>
+              <a:rPr lang="cs-CZ" dirty="0" err="1"/>
+              <a:t>for</a:t>
+            </a:r>
+            <a:r>
+              <a:rPr lang="cs-CZ" dirty="0"/>
+              <a:t> </a:t>
+            </a:r>
+            <a:r>
+              <a:rPr lang="cs-CZ" dirty="0" err="1"/>
+              <a:t>the</a:t>
+            </a:r>
+            <a:r>
+              <a:rPr lang="cs-CZ" dirty="0"/>
+              <a:t> </a:t>
+            </a:r>
+            <a:r>
+              <a:rPr lang="cs-CZ" dirty="0" err="1"/>
+              <a:t>spinner</a:t>
+            </a:r>
+            <a:r>
+              <a:rPr lang="cs-CZ" dirty="0"/>
+              <a:t> to </a:t>
+            </a:r>
+            <a:r>
+              <a:rPr lang="cs-CZ" dirty="0" err="1"/>
+              <a:t>rotate</a:t>
+            </a:r>
+            <a:r>
+              <a:rPr lang="cs-CZ" dirty="0"/>
+              <a:t> </a:t>
+            </a:r>
+            <a:r>
+              <a:rPr lang="cs-CZ" dirty="0" err="1"/>
+              <a:t>from</a:t>
+            </a:r>
+            <a:r>
+              <a:rPr lang="cs-CZ" dirty="0"/>
+              <a:t> </a:t>
+            </a:r>
+            <a:r>
+              <a:rPr lang="cs-CZ" b="1" dirty="0" err="1"/>
+              <a:t>one</a:t>
+            </a:r>
+            <a:r>
+              <a:rPr lang="cs-CZ" b="1" dirty="0"/>
+              <a:t> </a:t>
+            </a:r>
+            <a:r>
+              <a:rPr lang="cs-CZ" b="1" dirty="0" err="1"/>
+              <a:t>arm</a:t>
+            </a:r>
+            <a:r>
+              <a:rPr lang="cs-CZ" b="1" dirty="0"/>
+              <a:t> to </a:t>
+            </a:r>
+            <a:r>
+              <a:rPr lang="cs-CZ" b="1" dirty="0" err="1"/>
+              <a:t>the</a:t>
+            </a:r>
+            <a:r>
+              <a:rPr lang="cs-CZ" b="1" dirty="0"/>
+              <a:t> </a:t>
+            </a:r>
+            <a:r>
+              <a:rPr lang="cs-CZ" b="1" dirty="0" err="1"/>
+              <a:t>next</a:t>
+            </a:r>
+            <a:r>
+              <a:rPr lang="cs-CZ" b="1" dirty="0"/>
+              <a:t> </a:t>
+            </a:r>
+            <a:r>
+              <a:rPr lang="cs-CZ" b="1" dirty="0" err="1"/>
+              <a:t>arm</a:t>
+            </a:r>
+            <a:endParaRPr lang="cs-CZ" b="1" dirty="0"/>
+          </a:p>
+          <a:p>
+            <a:pPr marL="0" indent="0">
+              <a:buNone/>
+            </a:pPr>
+            <a:endParaRPr lang="cs-CZ" b="1" dirty="0"/>
+          </a:p>
+          <a:p>
+            <a:pPr marL="0" indent="0">
+              <a:buNone/>
+            </a:pPr>
+            <a:r>
+              <a:rPr lang="cs-CZ" dirty="0" err="1"/>
+              <a:t>Measurements</a:t>
+            </a:r>
+            <a:r>
+              <a:rPr lang="cs-CZ" dirty="0"/>
+              <a:t> </a:t>
+            </a:r>
+            <a:r>
+              <a:rPr lang="cs-CZ" dirty="0" err="1"/>
+              <a:t>were</a:t>
+            </a:r>
+            <a:r>
+              <a:rPr lang="cs-CZ" dirty="0"/>
+              <a:t> done </a:t>
+            </a:r>
+            <a:r>
+              <a:rPr lang="cs-CZ" dirty="0" err="1"/>
+              <a:t>using</a:t>
+            </a:r>
+            <a:r>
+              <a:rPr lang="cs-CZ" dirty="0"/>
+              <a:t> a Vernier </a:t>
+            </a:r>
+            <a:r>
+              <a:rPr lang="cs-CZ" dirty="0" err="1"/>
+              <a:t>magnetic</a:t>
+            </a:r>
+            <a:r>
+              <a:rPr lang="cs-CZ" dirty="0"/>
+              <a:t> </a:t>
+            </a:r>
+            <a:r>
+              <a:rPr lang="cs-CZ" dirty="0" err="1"/>
+              <a:t>field</a:t>
+            </a:r>
+            <a:r>
+              <a:rPr lang="cs-CZ" dirty="0"/>
+              <a:t> meter</a:t>
+            </a:r>
+            <a:endParaRPr lang="en-US" dirty="0"/>
+          </a:p>
+        </p:txBody>
+      </p:sp>
+      <p:sp>
+        <p:nvSpPr>
+          <p:cNvPr id="4" name="Zástupný symbol pro datum 3">
+            <a:extLst>
+              <a:ext uri="{FF2B5EF4-FFF2-40B4-BE49-F238E27FC236}">
+                <a16:creationId xmlns:a16="http://schemas.microsoft.com/office/drawing/2014/main" id="{E96DC4AA-EC1B-146A-A95A-BAE573FC7AF4}"/>
+              </a:ext>
+            </a:extLst>
+          </p:cNvPr>
+          <p:cNvSpPr>
+            <a:spLocks noGrp="1"/>
+          </p:cNvSpPr>
+          <p:nvPr>
+            <p:ph type="dt" sz="half" idx="10"/>
+          </p:nvPr>
+        </p:nvSpPr>
+        <p:spPr/>
+        <p:txBody>
+          <a:bodyPr/>
+          <a:lstStyle/>
+          <a:p>
+            <a:fld id="{B62DFD89-E800-4C37-87CA-3D711DAD0426}" type="datetime1">
+              <a:rPr lang="en-US" smtClean="0"/>
+              <a:t>12/9/2023</a:t>
+            </a:fld>
+            <a:endParaRPr lang="en-US"/>
+          </a:p>
+        </p:txBody>
+      </p:sp>
+      <p:sp>
+        <p:nvSpPr>
+          <p:cNvPr id="5" name="Zástupný symbol pro zápatí 4">
+            <a:extLst>
+              <a:ext uri="{FF2B5EF4-FFF2-40B4-BE49-F238E27FC236}">
+                <a16:creationId xmlns:a16="http://schemas.microsoft.com/office/drawing/2014/main" id="{BEA7AC65-3CDB-2481-2409-652FFD54E5CF}"/>
+              </a:ext>
+            </a:extLst>
+          </p:cNvPr>
+          <p:cNvSpPr>
+            <a:spLocks noGrp="1"/>
+          </p:cNvSpPr>
+          <p:nvPr>
+            <p:ph type="ftr" sz="quarter" idx="11"/>
+          </p:nvPr>
+        </p:nvSpPr>
+        <p:spPr/>
+        <p:txBody>
+          <a:bodyPr/>
+          <a:lstStyle/>
+          <a:p>
+            <a:r>
+              <a:rPr lang="cs-CZ"/>
+              <a:t>GCHD – 2023/24</a:t>
+            </a:r>
+            <a:endParaRPr lang="en-US" dirty="0"/>
+          </a:p>
+        </p:txBody>
+      </p:sp>
+      <p:sp>
+        <p:nvSpPr>
+          <p:cNvPr id="6" name="Zástupný symbol pro číslo snímku 5">
+            <a:extLst>
+              <a:ext uri="{FF2B5EF4-FFF2-40B4-BE49-F238E27FC236}">
+                <a16:creationId xmlns:a16="http://schemas.microsoft.com/office/drawing/2014/main" id="{07A526BF-B8FE-C574-E9BD-B145C6A4240C}"/>
+              </a:ext>
+            </a:extLst>
+          </p:cNvPr>
+          <p:cNvSpPr>
+            <a:spLocks noGrp="1"/>
+          </p:cNvSpPr>
+          <p:nvPr>
+            <p:ph type="sldNum" sz="quarter" idx="12"/>
+          </p:nvPr>
+        </p:nvSpPr>
+        <p:spPr/>
+        <p:txBody>
+          <a:bodyPr/>
+          <a:lstStyle/>
+          <a:p>
+            <a:fld id="{E97BF2D3-8D9B-4E9F-804F-8E7615F22F9D}" type="slidenum">
+              <a:rPr lang="en-US" smtClean="0"/>
+              <a:t>20</a:t>
+            </a:fld>
+            <a:endParaRPr lang="en-US"/>
+          </a:p>
+        </p:txBody>
+      </p:sp>
+      <p:sp>
+        <p:nvSpPr>
+          <p:cNvPr id="7" name="Zástupný text 6">
+            <a:extLst>
+              <a:ext uri="{FF2B5EF4-FFF2-40B4-BE49-F238E27FC236}">
+                <a16:creationId xmlns:a16="http://schemas.microsoft.com/office/drawing/2014/main" id="{B92CF07E-106D-B15F-928D-1ADD5D140230}"/>
+              </a:ext>
+            </a:extLst>
+          </p:cNvPr>
+          <p:cNvSpPr>
+            <a:spLocks noGrp="1"/>
+          </p:cNvSpPr>
+          <p:nvPr>
+            <p:ph type="body" sz="quarter" idx="13"/>
+          </p:nvPr>
+        </p:nvSpPr>
+        <p:spPr/>
+        <p:txBody>
+          <a:bodyPr/>
+          <a:lstStyle/>
+          <a:p>
+            <a:r>
+              <a:rPr lang="cs-CZ" dirty="0" err="1"/>
+              <a:t>Additional</a:t>
+            </a:r>
+            <a:r>
+              <a:rPr lang="cs-CZ" dirty="0"/>
+              <a:t> </a:t>
+            </a:r>
+            <a:r>
+              <a:rPr lang="cs-CZ" dirty="0" err="1"/>
+              <a:t>information</a:t>
+            </a:r>
+            <a:endParaRPr lang="en-US" dirty="0"/>
+          </a:p>
+        </p:txBody>
+      </p:sp>
+      <p:pic>
+        <p:nvPicPr>
+          <p:cNvPr id="10" name="Obrázek 9">
+            <a:extLst>
+              <a:ext uri="{FF2B5EF4-FFF2-40B4-BE49-F238E27FC236}">
+                <a16:creationId xmlns:a16="http://schemas.microsoft.com/office/drawing/2014/main" id="{8FBE7CB0-3D9F-6B22-A8CB-FED7DF8C2C0A}"/>
+              </a:ext>
+            </a:extLst>
+          </p:cNvPr>
+          <p:cNvPicPr>
+            <a:picLocks noChangeAspect="1"/>
+          </p:cNvPicPr>
+          <p:nvPr/>
+        </p:nvPicPr>
+        <p:blipFill>
+          <a:blip r:embed="rId3"/>
+          <a:stretch>
+            <a:fillRect/>
+          </a:stretch>
+        </p:blipFill>
+        <p:spPr>
+          <a:xfrm>
+            <a:off x="6096000" y="1436728"/>
+            <a:ext cx="5355496" cy="4682555"/>
+          </a:xfrm>
+          <a:prstGeom prst="rect">
+            <a:avLst/>
+          </a:prstGeom>
+        </p:spPr>
+      </p:pic>
+    </p:spTree>
+    <p:extLst>
+      <p:ext uri="{BB962C8B-B14F-4D97-AF65-F5344CB8AC3E}">
+        <p14:creationId xmlns:p14="http://schemas.microsoft.com/office/powerpoint/2010/main" val="4112957302"/>
+      </p:ext>
+    </p:extLst>
+  </p:cSld>
+  <p:clrMapOvr>
+    <a:masterClrMapping/>
+  </p:clrMapOvr>
+</p:sld>
+</file>
+
+<file path=ppt/slides/slide21.xml><?xml version="1.0" encoding="utf-8"?>
+<p:sld xmlns:a="http://schemas.openxmlformats.org/drawingml/2006/main" xmlns:r="http://schemas.openxmlformats.org/officeDocument/2006/relationships" xmlns:p="http://schemas.openxmlformats.org/presentationml/2006/main" show="0">
+  <p:cSld>
+    <p:spTree>
+      <p:nvGrpSpPr>
+        <p:cNvPr id="1" name=""/>
+        <p:cNvGrpSpPr/>
+        <p:nvPr/>
+      </p:nvGrpSpPr>
+      <p:grpSpPr>
+        <a:xfrm>
+          <a:off x="0" y="0"/>
+          <a:ext cx="0" cy="0"/>
+          <a:chOff x="0" y="0"/>
+          <a:chExt cx="0" cy="0"/>
+        </a:xfrm>
+      </p:grpSpPr>
+      <p:sp>
+        <p:nvSpPr>
+          <p:cNvPr id="2" name="Nadpis 1">
+            <a:extLst>
+              <a:ext uri="{FF2B5EF4-FFF2-40B4-BE49-F238E27FC236}">
+                <a16:creationId xmlns:a16="http://schemas.microsoft.com/office/drawing/2014/main" id="{BAFBCFCE-27D2-7F3B-847E-D388049F2CFD}"/>
+              </a:ext>
+            </a:extLst>
+          </p:cNvPr>
+          <p:cNvSpPr>
+            <a:spLocks noGrp="1"/>
+          </p:cNvSpPr>
+          <p:nvPr>
+            <p:ph type="title"/>
+          </p:nvPr>
+        </p:nvSpPr>
+        <p:spPr/>
+        <p:txBody>
+          <a:bodyPr/>
+          <a:lstStyle/>
+          <a:p>
+            <a:r>
+              <a:rPr lang="cs-CZ" dirty="0"/>
+              <a:t>Sub-period </a:t>
+            </a:r>
+            <a:r>
+              <a:rPr lang="cs-CZ" dirty="0" err="1"/>
+              <a:t>behaviour</a:t>
+            </a:r>
+            <a:r>
+              <a:rPr lang="cs-CZ" dirty="0"/>
+              <a:t> </a:t>
+            </a:r>
+            <a:r>
+              <a:rPr lang="cs-CZ" dirty="0" err="1"/>
+              <a:t>results</a:t>
+            </a:r>
+            <a:endParaRPr lang="en-US" dirty="0"/>
+          </a:p>
+        </p:txBody>
+      </p:sp>
+      <p:sp>
+        <p:nvSpPr>
+          <p:cNvPr id="3" name="Zástupný obsah 2">
+            <a:extLst>
+              <a:ext uri="{FF2B5EF4-FFF2-40B4-BE49-F238E27FC236}">
+                <a16:creationId xmlns:a16="http://schemas.microsoft.com/office/drawing/2014/main" id="{3E599600-475E-9806-5A5D-9EB5F4D76449}"/>
+              </a:ext>
+            </a:extLst>
+          </p:cNvPr>
+          <p:cNvSpPr>
+            <a:spLocks noGrp="1"/>
+          </p:cNvSpPr>
+          <p:nvPr>
+            <p:ph idx="1"/>
+          </p:nvPr>
+        </p:nvSpPr>
+        <p:spPr>
+          <a:xfrm>
+            <a:off x="1097279" y="1535288"/>
+            <a:ext cx="10259343" cy="4333805"/>
+          </a:xfrm>
+        </p:spPr>
+        <p:txBody>
+          <a:bodyPr>
+            <a:normAutofit/>
+          </a:bodyPr>
+          <a:lstStyle/>
+          <a:p>
+            <a:pPr marL="0" indent="0">
+              <a:buNone/>
+            </a:pPr>
+            <a:endParaRPr lang="en-US" dirty="0"/>
+          </a:p>
+        </p:txBody>
+      </p:sp>
+      <p:sp>
+        <p:nvSpPr>
+          <p:cNvPr id="4" name="Zástupný symbol pro datum 3">
+            <a:extLst>
+              <a:ext uri="{FF2B5EF4-FFF2-40B4-BE49-F238E27FC236}">
+                <a16:creationId xmlns:a16="http://schemas.microsoft.com/office/drawing/2014/main" id="{E96DC4AA-EC1B-146A-A95A-BAE573FC7AF4}"/>
+              </a:ext>
+            </a:extLst>
+          </p:cNvPr>
+          <p:cNvSpPr>
+            <a:spLocks noGrp="1"/>
+          </p:cNvSpPr>
+          <p:nvPr>
+            <p:ph type="dt" sz="half" idx="10"/>
+          </p:nvPr>
+        </p:nvSpPr>
+        <p:spPr/>
+        <p:txBody>
+          <a:bodyPr/>
+          <a:lstStyle/>
+          <a:p>
+            <a:fld id="{B62DFD89-E800-4C37-87CA-3D711DAD0426}" type="datetime1">
+              <a:rPr lang="en-US" smtClean="0"/>
+              <a:t>12/9/2023</a:t>
+            </a:fld>
+            <a:endParaRPr lang="en-US"/>
+          </a:p>
+        </p:txBody>
+      </p:sp>
+      <p:sp>
+        <p:nvSpPr>
+          <p:cNvPr id="5" name="Zástupný symbol pro zápatí 4">
+            <a:extLst>
+              <a:ext uri="{FF2B5EF4-FFF2-40B4-BE49-F238E27FC236}">
+                <a16:creationId xmlns:a16="http://schemas.microsoft.com/office/drawing/2014/main" id="{BEA7AC65-3CDB-2481-2409-652FFD54E5CF}"/>
+              </a:ext>
+            </a:extLst>
+          </p:cNvPr>
+          <p:cNvSpPr>
+            <a:spLocks noGrp="1"/>
+          </p:cNvSpPr>
+          <p:nvPr>
+            <p:ph type="ftr" sz="quarter" idx="11"/>
+          </p:nvPr>
+        </p:nvSpPr>
+        <p:spPr/>
+        <p:txBody>
+          <a:bodyPr/>
+          <a:lstStyle/>
+          <a:p>
+            <a:r>
+              <a:rPr lang="cs-CZ"/>
+              <a:t>GCHD – 2023/24</a:t>
+            </a:r>
+            <a:endParaRPr lang="en-US" dirty="0"/>
+          </a:p>
+        </p:txBody>
+      </p:sp>
+      <p:sp>
+        <p:nvSpPr>
+          <p:cNvPr id="6" name="Zástupný symbol pro číslo snímku 5">
+            <a:extLst>
+              <a:ext uri="{FF2B5EF4-FFF2-40B4-BE49-F238E27FC236}">
+                <a16:creationId xmlns:a16="http://schemas.microsoft.com/office/drawing/2014/main" id="{07A526BF-B8FE-C574-E9BD-B145C6A4240C}"/>
+              </a:ext>
+            </a:extLst>
+          </p:cNvPr>
+          <p:cNvSpPr>
+            <a:spLocks noGrp="1"/>
+          </p:cNvSpPr>
+          <p:nvPr>
+            <p:ph type="sldNum" sz="quarter" idx="12"/>
+          </p:nvPr>
+        </p:nvSpPr>
+        <p:spPr/>
+        <p:txBody>
+          <a:bodyPr/>
+          <a:lstStyle/>
+          <a:p>
+            <a:fld id="{E97BF2D3-8D9B-4E9F-804F-8E7615F22F9D}" type="slidenum">
+              <a:rPr lang="en-US" smtClean="0"/>
+              <a:t>21</a:t>
+            </a:fld>
+            <a:endParaRPr lang="en-US"/>
+          </a:p>
+        </p:txBody>
+      </p:sp>
+      <p:sp>
+        <p:nvSpPr>
+          <p:cNvPr id="7" name="Zástupný text 6">
+            <a:extLst>
+              <a:ext uri="{FF2B5EF4-FFF2-40B4-BE49-F238E27FC236}">
+                <a16:creationId xmlns:a16="http://schemas.microsoft.com/office/drawing/2014/main" id="{B92CF07E-106D-B15F-928D-1ADD5D140230}"/>
+              </a:ext>
+            </a:extLst>
+          </p:cNvPr>
+          <p:cNvSpPr>
+            <a:spLocks noGrp="1"/>
+          </p:cNvSpPr>
+          <p:nvPr>
+            <p:ph type="body" sz="quarter" idx="13"/>
+          </p:nvPr>
+        </p:nvSpPr>
+        <p:spPr/>
+        <p:txBody>
+          <a:bodyPr/>
+          <a:lstStyle/>
+          <a:p>
+            <a:r>
+              <a:rPr lang="cs-CZ" dirty="0" err="1"/>
+              <a:t>Additional</a:t>
+            </a:r>
+            <a:r>
+              <a:rPr lang="cs-CZ" dirty="0"/>
+              <a:t> </a:t>
+            </a:r>
+            <a:r>
+              <a:rPr lang="cs-CZ" dirty="0" err="1"/>
+              <a:t>information</a:t>
+            </a:r>
+            <a:endParaRPr lang="en-US" dirty="0"/>
+          </a:p>
+        </p:txBody>
+      </p:sp>
+    </p:spTree>
+    <p:extLst>
+      <p:ext uri="{BB962C8B-B14F-4D97-AF65-F5344CB8AC3E}">
+        <p14:creationId xmlns:p14="http://schemas.microsoft.com/office/powerpoint/2010/main" val="862999423"/>
       </p:ext>
     </p:extLst>
   </p:cSld>
@@ -7890,7 +13169,7 @@
           <a:p>
             <a:fld id="{B62DFD89-E800-4C37-87CA-3D711DAD0426}" type="datetime1">
               <a:rPr lang="en-US" smtClean="0"/>
-              <a:t>12/8/2023</a:t>
+              <a:t>12/9/2023</a:t>
             </a:fld>
             <a:endParaRPr lang="en-US"/>
           </a:p>
@@ -8262,8 +13541,8 @@
           </a:p>
         </p:txBody>
       </p:sp>
-      <mc:AlternateContent xmlns:mc="http://schemas.openxmlformats.org/markup-compatibility/2006">
-        <mc:Choice xmlns:a14="http://schemas.microsoft.com/office/drawing/2010/main" Requires="a14">
+      <mc:AlternateContent xmlns:mc="http://schemas.openxmlformats.org/markup-compatibility/2006" xmlns:a14="http://schemas.microsoft.com/office/drawing/2010/main">
+        <mc:Choice Requires="a14">
           <p:sp>
             <p:nvSpPr>
               <p:cNvPr id="3" name="Content Placeholder 2">
@@ -8828,7 +14107,7 @@
             </p:txBody>
           </p:sp>
         </mc:Choice>
-        <mc:Fallback>
+        <mc:Fallback xmlns="">
           <p:sp>
             <p:nvSpPr>
               <p:cNvPr id="3" name="Content Placeholder 2">
@@ -8895,7 +14174,7 @@
           <a:p>
             <a:fld id="{B62DFD89-E800-4C37-87CA-3D711DAD0426}" type="datetime1">
               <a:rPr lang="en-US" smtClean="0"/>
-              <a:t>12/8/2023</a:t>
+              <a:t>12/9/2023</a:t>
             </a:fld>
             <a:endParaRPr lang="en-US"/>
           </a:p>
@@ -10965,7 +16244,7 @@
           <a:p>
             <a:fld id="{B62DFD89-E800-4C37-87CA-3D711DAD0426}" type="datetime1">
               <a:rPr lang="en-US" smtClean="0"/>
-              <a:t>12/8/2023</a:t>
+              <a:t>12/9/2023</a:t>
             </a:fld>
             <a:endParaRPr lang="en-US"/>
           </a:p>
@@ -12351,8 +17630,8 @@
           <a:chExt cx="0" cy="0"/>
         </a:xfrm>
       </p:grpSpPr>
-      <mc:AlternateContent xmlns:mc="http://schemas.openxmlformats.org/markup-compatibility/2006">
-        <mc:Choice xmlns:a14="http://schemas.microsoft.com/office/drawing/2010/main" Requires="a14">
+      <mc:AlternateContent xmlns:mc="http://schemas.openxmlformats.org/markup-compatibility/2006" xmlns:a14="http://schemas.microsoft.com/office/drawing/2010/main">
+        <mc:Choice Requires="a14">
           <p:sp>
             <p:nvSpPr>
               <p:cNvPr id="2" name="Title 1">
@@ -12411,7 +17690,7 @@
             </p:txBody>
           </p:sp>
         </mc:Choice>
-        <mc:Fallback>
+        <mc:Fallback xmlns="">
           <p:sp>
             <p:nvSpPr>
               <p:cNvPr id="2" name="Title 1">
@@ -12451,8 +17730,8 @@
           </p:sp>
         </mc:Fallback>
       </mc:AlternateContent>
-      <mc:AlternateContent xmlns:mc="http://schemas.openxmlformats.org/markup-compatibility/2006">
-        <mc:Choice xmlns:a14="http://schemas.microsoft.com/office/drawing/2010/main" Requires="a14">
+      <mc:AlternateContent xmlns:mc="http://schemas.openxmlformats.org/markup-compatibility/2006" xmlns:a14="http://schemas.microsoft.com/office/drawing/2010/main">
+        <mc:Choice Requires="a14">
           <p:sp>
             <p:nvSpPr>
               <p:cNvPr id="3" name="Content Placeholder 2">
@@ -12770,7 +18049,7 @@
             </p:txBody>
           </p:sp>
         </mc:Choice>
-        <mc:Fallback>
+        <mc:Fallback xmlns="">
           <p:sp>
             <p:nvSpPr>
               <p:cNvPr id="3" name="Content Placeholder 2">
@@ -12833,7 +18112,7 @@
           <a:p>
             <a:fld id="{B62DFD89-E800-4C37-87CA-3D711DAD0426}" type="datetime1">
               <a:rPr lang="en-US" smtClean="0"/>
-              <a:t>12/8/2023</a:t>
+              <a:t>12/9/2023</a:t>
             </a:fld>
             <a:endParaRPr lang="en-US"/>
           </a:p>
@@ -14180,7 +19459,7 @@
             </a:r>
             <a:r>
               <a:rPr lang="cs-CZ" dirty="0" err="1"/>
-              <a:t>result</a:t>
+              <a:t>results</a:t>
             </a:r>
             <a:endParaRPr lang="en-US" dirty="0"/>
           </a:p>
